--- a/save-to-usb/Презентация «Осциллограф».pptx
+++ b/save-to-usb/Презентация «Осциллограф».pptx
@@ -1,24 +1,32 @@
 
 <file path=ppt/presentation.xml><?xml version="1.0" encoding="utf-8"?>
-<p:presentation xmlns:a="http://schemas.openxmlformats.org/drawingml/2006/main" xmlns:r="http://schemas.openxmlformats.org/officeDocument/2006/relationships" xmlns:p="http://schemas.openxmlformats.org/presentationml/2006/main" xmlns:m="http://schemas.openxmlformats.org/officeDocument/2006/math" xmlns:w="http://schemas.openxmlformats.org/wordprocessingml/2006/main" saveSubsetFonts="1">
+<p:presentation xmlns:a="http://schemas.openxmlformats.org/drawingml/2006/main" xmlns:r="http://schemas.openxmlformats.org/officeDocument/2006/relationships" xmlns:p="http://schemas.openxmlformats.org/presentationml/2006/main" saveSubsetFonts="1">
   <p:sldMasterIdLst>
     <p:sldMasterId id="2147483648" r:id="rId1"/>
   </p:sldMasterIdLst>
   <p:notesMasterIdLst>
-    <p:notesMasterId r:id="rId15"/>
+    <p:notesMasterId r:id="rId21"/>
   </p:notesMasterIdLst>
   <p:sldIdLst>
-    <p:sldId id="256" r:id="rId4"/>
-    <p:sldId id="257" r:id="rId5"/>
-    <p:sldId id="258" r:id="rId6"/>
-    <p:sldId id="259" r:id="rId7"/>
-    <p:sldId id="260" r:id="rId8"/>
-    <p:sldId id="261" r:id="rId9"/>
-    <p:sldId id="262" r:id="rId10"/>
-    <p:sldId id="263" r:id="rId11"/>
-    <p:sldId id="264" r:id="rId12"/>
-    <p:sldId id="265" r:id="rId13"/>
-    <p:sldId id="266" r:id="rId14"/>
+    <p:sldId id="256" r:id="rId2"/>
+    <p:sldId id="257" r:id="rId3"/>
+    <p:sldId id="258" r:id="rId4"/>
+    <p:sldId id="259" r:id="rId5"/>
+    <p:sldId id="260" r:id="rId6"/>
+    <p:sldId id="261" r:id="rId7"/>
+    <p:sldId id="262" r:id="rId8"/>
+    <p:sldId id="263" r:id="rId9"/>
+    <p:sldId id="271" r:id="rId10"/>
+    <p:sldId id="264" r:id="rId11"/>
+    <p:sldId id="265" r:id="rId12"/>
+    <p:sldId id="266" r:id="rId13"/>
+    <p:sldId id="274" r:id="rId14"/>
+    <p:sldId id="267" r:id="rId15"/>
+    <p:sldId id="268" r:id="rId16"/>
+    <p:sldId id="270" r:id="rId17"/>
+    <p:sldId id="272" r:id="rId18"/>
+    <p:sldId id="273" r:id="rId19"/>
+    <p:sldId id="269" r:id="rId20"/>
   </p:sldIdLst>
   <p:sldSz cx="12192000" cy="6858000"/>
   <p:notesSz cx="6858000" cy="9144000"/>
@@ -117,12 +125,28 @@
       </a:defRPr>
     </a:lvl9pPr>
   </p:defaultTextStyle>
+  <p:extLst>
+    <p:ext uri="{EFAFB233-063F-42B5-8137-9DF3F51BA10A}">
+      <p15:sldGuideLst xmlns:p15="http://schemas.microsoft.com/office/powerpoint/2012/main">
+        <p15:guide id="1" pos="3840">
+          <p15:clr>
+            <a:srgbClr val="A4A3A4"/>
+          </p15:clr>
+        </p15:guide>
+        <p15:guide id="2" orient="horz" pos="2160">
+          <p15:clr>
+            <a:srgbClr val="A4A3A4"/>
+          </p15:clr>
+        </p15:guide>
+      </p15:sldGuideLst>
+    </p:ext>
+  </p:extLst>
 </p:presentation>
 </file>
 
 <file path=ppt/notesMasters/notesMaster1.xml><?xml version="1.0" encoding="utf-8"?>
 <p:notesMaster xmlns:a="http://schemas.openxmlformats.org/drawingml/2006/main" xmlns:r="http://schemas.openxmlformats.org/officeDocument/2006/relationships" xmlns:p="http://schemas.openxmlformats.org/presentationml/2006/main">
-  <p:cSld name="">
+  <p:cSld>
     <p:bg>
       <p:bgRef idx="1001">
         <a:schemeClr val="bg1"/>
@@ -208,7 +232,7 @@
             </a:pPr>
             <a:fld id="{3632E96E-41F7-40C5-8419-297958CC00FA}" type="datetimeFigureOut">
               <a:rPr lang="en-US"/>
-              <a:t>10/30/2013</a:t>
+              <a:t>4/23/2025</a:t>
             </a:fld>
             <a:endParaRPr lang="en-US"/>
           </a:p>
@@ -218,7 +242,7 @@
         <p:nvSpPr>
           <p:cNvPr id="4" name="Slide Image Placeholder 3"/>
           <p:cNvSpPr>
-            <a:spLocks noChangeAspect="1" noGrp="1" noRot="1"/>
+            <a:spLocks noGrp="1" noRot="1" noChangeAspect="1"/>
           </p:cNvSpPr>
           <p:nvPr>
             <p:ph type="sldImg" idx="2"/>
@@ -320,7 +344,6 @@
               <a:rPr lang="en-US"/>
               <a:t>Fifth level</a:t>
             </a:r>
-            <a:endParaRPr lang="en-US"/>
           </a:p>
         </p:txBody>
       </p:sp>
@@ -397,6 +420,11 @@
         </p:txBody>
       </p:sp>
     </p:spTree>
+    <p:extLst>
+      <p:ext uri="{BB962C8B-B14F-4D97-AF65-F5344CB8AC3E}">
+        <p14:creationId xmlns:p14="http://schemas.microsoft.com/office/powerpoint/2010/main" val="1279404116"/>
+      </p:ext>
+    </p:extLst>
   </p:cSld>
   <p:clrMap bg1="lt1" tx1="dk1" bg2="lt2" tx2="dk2" accent1="accent1" accent2="accent2" accent3="accent3" accent4="accent4" accent5="accent5" accent6="accent6" hlink="hlink" folHlink="folHlink"/>
   <p:notesStyle>
@@ -495,8 +523,8 @@
 </file>
 
 <file path=ppt/notesSlides/notesSlide1.xml><?xml version="1.0" encoding="utf-8"?>
-<p:notes xmlns:a="http://schemas.openxmlformats.org/drawingml/2006/main" xmlns:r="http://schemas.openxmlformats.org/officeDocument/2006/relationships" xmlns:p="http://schemas.openxmlformats.org/presentationml/2006/main" xmlns:m="http://schemas.openxmlformats.org/officeDocument/2006/math" xmlns:w="http://schemas.openxmlformats.org/wordprocessingml/2006/main">
-  <p:cSld name="">
+<p:notes xmlns:a="http://schemas.openxmlformats.org/drawingml/2006/main" xmlns:r="http://schemas.openxmlformats.org/officeDocument/2006/relationships" xmlns:p="http://schemas.openxmlformats.org/presentationml/2006/main">
+  <p:cSld>
     <p:spTree>
       <p:nvGrpSpPr>
         <p:cNvPr id="1" name=""/>
@@ -515,7 +543,7 @@
         <p:nvSpPr>
           <p:cNvPr id="2" name="Slide Image Placeholder 1"/>
           <p:cNvSpPr>
-            <a:spLocks noChangeAspect="1" noGrp="1" noRot="1"/>
+            <a:spLocks noGrp="1" noRot="1" noChangeAspect="1"/>
           </p:cNvSpPr>
           <p:nvPr>
             <p:ph type="sldImg"/>
@@ -580,13 +608,21 @@
         </p:txBody>
       </p:sp>
     </p:spTree>
+    <p:extLst>
+      <p:ext uri="{BB962C8B-B14F-4D97-AF65-F5344CB8AC3E}">
+        <p14:creationId xmlns:p14="http://schemas.microsoft.com/office/powerpoint/2010/main" val="4046043065"/>
+      </p:ext>
+    </p:extLst>
   </p:cSld>
+  <p:clrMapOvr>
+    <a:masterClrMapping/>
+  </p:clrMapOvr>
 </p:notes>
 </file>
 
 <file path=ppt/notesSlides/notesSlide10.xml><?xml version="1.0" encoding="utf-8"?>
-<p:notes xmlns:a="http://schemas.openxmlformats.org/drawingml/2006/main" xmlns:r="http://schemas.openxmlformats.org/officeDocument/2006/relationships" xmlns:p="http://schemas.openxmlformats.org/presentationml/2006/main" xmlns:m="http://schemas.openxmlformats.org/officeDocument/2006/math" xmlns:w="http://schemas.openxmlformats.org/wordprocessingml/2006/main">
-  <p:cSld name="">
+<p:notes xmlns:a="http://schemas.openxmlformats.org/drawingml/2006/main" xmlns:r="http://schemas.openxmlformats.org/officeDocument/2006/relationships" xmlns:p="http://schemas.openxmlformats.org/presentationml/2006/main">
+  <p:cSld>
     <p:spTree>
       <p:nvGrpSpPr>
         <p:cNvPr id="1" name=""/>
@@ -605,7 +641,7 @@
         <p:nvSpPr>
           <p:cNvPr id="2" name="Slide Image Placeholder 1"/>
           <p:cNvSpPr>
-            <a:spLocks noChangeAspect="1" noGrp="1" noRot="1"/>
+            <a:spLocks noGrp="1" noRot="1" noChangeAspect="1"/>
           </p:cNvSpPr>
           <p:nvPr>
             <p:ph type="sldImg"/>
@@ -653,22 +689,30 @@
             <a:pPr>
               <a:defRPr/>
             </a:pPr>
-            <a:fld id="{C6C4F02A-51B9-0B0F-469A-7523FCA28E1F}" type="slidenum">
+            <a:fld id="{D5F5EA08-9CFE-09C0-A7C8-6C0FA392BDAC}" type="slidenum">
               <a:rPr/>
-              <a:t/>
+              <a:t>10</a:t>
             </a:fld>
             <a:endParaRPr/>
           </a:p>
         </p:txBody>
       </p:sp>
     </p:spTree>
+    <p:extLst>
+      <p:ext uri="{BB962C8B-B14F-4D97-AF65-F5344CB8AC3E}">
+        <p14:creationId xmlns:p14="http://schemas.microsoft.com/office/powerpoint/2010/main" val="901376242"/>
+      </p:ext>
+    </p:extLst>
   </p:cSld>
+  <p:clrMapOvr>
+    <a:masterClrMapping/>
+  </p:clrMapOvr>
 </p:notes>
 </file>
 
 <file path=ppt/notesSlides/notesSlide11.xml><?xml version="1.0" encoding="utf-8"?>
-<p:notes xmlns:a="http://schemas.openxmlformats.org/drawingml/2006/main" xmlns:r="http://schemas.openxmlformats.org/officeDocument/2006/relationships" xmlns:p="http://schemas.openxmlformats.org/presentationml/2006/main" xmlns:m="http://schemas.openxmlformats.org/officeDocument/2006/math" xmlns:w="http://schemas.openxmlformats.org/wordprocessingml/2006/main">
-  <p:cSld name="">
+<p:notes xmlns:a="http://schemas.openxmlformats.org/drawingml/2006/main" xmlns:r="http://schemas.openxmlformats.org/officeDocument/2006/relationships" xmlns:p="http://schemas.openxmlformats.org/presentationml/2006/main">
+  <p:cSld>
     <p:spTree>
       <p:nvGrpSpPr>
         <p:cNvPr id="1" name=""/>
@@ -687,7 +731,7 @@
         <p:nvSpPr>
           <p:cNvPr id="2" name="Slide Image Placeholder 1"/>
           <p:cNvSpPr>
-            <a:spLocks noChangeAspect="1" noGrp="1" noRot="1"/>
+            <a:spLocks noGrp="1" noRot="1" noChangeAspect="1"/>
           </p:cNvSpPr>
           <p:nvPr>
             <p:ph type="sldImg"/>
@@ -735,22 +779,30 @@
             <a:pPr>
               <a:defRPr/>
             </a:pPr>
-            <a:fld id="{759D9B67-299F-068E-BDA6-18E58121C83D}" type="slidenum">
+            <a:fld id="{C6C4F02A-51B9-0B0F-469A-7523FCA28E1F}" type="slidenum">
               <a:rPr/>
-              <a:t/>
+              <a:t>11</a:t>
             </a:fld>
             <a:endParaRPr/>
           </a:p>
         </p:txBody>
       </p:sp>
     </p:spTree>
+    <p:extLst>
+      <p:ext uri="{BB962C8B-B14F-4D97-AF65-F5344CB8AC3E}">
+        <p14:creationId xmlns:p14="http://schemas.microsoft.com/office/powerpoint/2010/main" val="1948138233"/>
+      </p:ext>
+    </p:extLst>
   </p:cSld>
+  <p:clrMapOvr>
+    <a:masterClrMapping/>
+  </p:clrMapOvr>
 </p:notes>
 </file>
 
-<file path=ppt/notesSlides/notesSlide2.xml><?xml version="1.0" encoding="utf-8"?>
-<p:notes xmlns:a="http://schemas.openxmlformats.org/drawingml/2006/main" xmlns:r="http://schemas.openxmlformats.org/officeDocument/2006/relationships" xmlns:p="http://schemas.openxmlformats.org/presentationml/2006/main" xmlns:m="http://schemas.openxmlformats.org/officeDocument/2006/math" xmlns:w="http://schemas.openxmlformats.org/wordprocessingml/2006/main">
-  <p:cSld name="">
+<file path=ppt/notesSlides/notesSlide12.xml><?xml version="1.0" encoding="utf-8"?>
+<p:notes xmlns:a="http://schemas.openxmlformats.org/drawingml/2006/main" xmlns:r="http://schemas.openxmlformats.org/officeDocument/2006/relationships" xmlns:p="http://schemas.openxmlformats.org/presentationml/2006/main">
+  <p:cSld>
     <p:spTree>
       <p:nvGrpSpPr>
         <p:cNvPr id="1" name=""/>
@@ -769,7 +821,7 @@
         <p:nvSpPr>
           <p:cNvPr id="2" name="Slide Image Placeholder 1"/>
           <p:cNvSpPr>
-            <a:spLocks noChangeAspect="1" noGrp="1" noRot="1"/>
+            <a:spLocks noGrp="1" noRot="1" noChangeAspect="1"/>
           </p:cNvSpPr>
           <p:nvPr>
             <p:ph type="sldImg"/>
@@ -817,22 +869,144 @@
             <a:pPr>
               <a:defRPr/>
             </a:pPr>
-            <a:fld id="{14E25166-5277-345F-3183-4BE4126546FB}" type="slidenum">
+            <a:fld id="{759D9B67-299F-068E-BDA6-18E58121C83D}" type="slidenum">
               <a:rPr/>
-              <a:t/>
+              <a:t>12</a:t>
             </a:fld>
             <a:endParaRPr/>
           </a:p>
         </p:txBody>
       </p:sp>
     </p:spTree>
+    <p:extLst>
+      <p:ext uri="{BB962C8B-B14F-4D97-AF65-F5344CB8AC3E}">
+        <p14:creationId xmlns:p14="http://schemas.microsoft.com/office/powerpoint/2010/main" val="1675290866"/>
+      </p:ext>
+    </p:extLst>
   </p:cSld>
+  <p:clrMapOvr>
+    <a:masterClrMapping/>
+  </p:clrMapOvr>
 </p:notes>
 </file>
 
-<file path=ppt/notesSlides/notesSlide3.xml><?xml version="1.0" encoding="utf-8"?>
-<p:notes xmlns:a="http://schemas.openxmlformats.org/drawingml/2006/main" xmlns:r="http://schemas.openxmlformats.org/officeDocument/2006/relationships" xmlns:p="http://schemas.openxmlformats.org/presentationml/2006/main" xmlns:m="http://schemas.openxmlformats.org/officeDocument/2006/math" xmlns:w="http://schemas.openxmlformats.org/wordprocessingml/2006/main">
-  <p:cSld name="">
+<file path=ppt/notesSlides/notesSlide13.xml><?xml version="1.0" encoding="utf-8"?>
+<p:notes xmlns:a="http://schemas.openxmlformats.org/drawingml/2006/main" xmlns:r="http://schemas.openxmlformats.org/officeDocument/2006/relationships" xmlns:p="http://schemas.openxmlformats.org/presentationml/2006/main">
+  <p:cSld>
+    <p:spTree>
+      <p:nvGrpSpPr>
+        <p:cNvPr id="1" name="">
+          <a:extLst>
+            <a:ext uri="{FF2B5EF4-FFF2-40B4-BE49-F238E27FC236}">
+              <a16:creationId xmlns:a16="http://schemas.microsoft.com/office/drawing/2014/main" id="{855E4582-6579-B62C-BF8E-208BA8F00DB4}"/>
+            </a:ext>
+          </a:extLst>
+        </p:cNvPr>
+        <p:cNvGrpSpPr/>
+        <p:nvPr/>
+      </p:nvGrpSpPr>
+      <p:grpSpPr bwMode="auto">
+        <a:xfrm>
+          <a:off x="0" y="0"/>
+          <a:ext cx="0" cy="0"/>
+          <a:chOff x="0" y="0"/>
+          <a:chExt cx="0" cy="0"/>
+        </a:xfrm>
+      </p:grpSpPr>
+      <p:sp>
+        <p:nvSpPr>
+          <p:cNvPr id="2" name="Slide Image Placeholder 1">
+            <a:extLst>
+              <a:ext uri="{FF2B5EF4-FFF2-40B4-BE49-F238E27FC236}">
+                <a16:creationId xmlns:a16="http://schemas.microsoft.com/office/drawing/2014/main" id="{F62E1DED-346C-58DB-29B9-9572EE68D94E}"/>
+              </a:ext>
+            </a:extLst>
+          </p:cNvPr>
+          <p:cNvSpPr>
+            <a:spLocks noGrp="1" noRot="1" noChangeAspect="1"/>
+          </p:cNvSpPr>
+          <p:nvPr>
+            <p:ph type="sldImg"/>
+          </p:nvPr>
+        </p:nvSpPr>
+        <p:spPr bwMode="auto"/>
+      </p:sp>
+      <p:sp>
+        <p:nvSpPr>
+          <p:cNvPr id="3" name="Notes Placeholder 2">
+            <a:extLst>
+              <a:ext uri="{FF2B5EF4-FFF2-40B4-BE49-F238E27FC236}">
+                <a16:creationId xmlns:a16="http://schemas.microsoft.com/office/drawing/2014/main" id="{7A0468BA-5484-0067-7815-233609E2E5FB}"/>
+              </a:ext>
+            </a:extLst>
+          </p:cNvPr>
+          <p:cNvSpPr>
+            <a:spLocks noGrp="1"/>
+          </p:cNvSpPr>
+          <p:nvPr>
+            <p:ph type="body" idx="1"/>
+          </p:nvPr>
+        </p:nvSpPr>
+        <p:spPr bwMode="auto"/>
+        <p:txBody>
+          <a:bodyPr/>
+          <a:lstStyle/>
+          <a:p>
+            <a:pPr>
+              <a:defRPr/>
+            </a:pPr>
+            <a:endParaRPr/>
+          </a:p>
+        </p:txBody>
+      </p:sp>
+      <p:sp>
+        <p:nvSpPr>
+          <p:cNvPr id="4" name="Slide Number Placeholder 3">
+            <a:extLst>
+              <a:ext uri="{FF2B5EF4-FFF2-40B4-BE49-F238E27FC236}">
+                <a16:creationId xmlns:a16="http://schemas.microsoft.com/office/drawing/2014/main" id="{10B3526C-36C6-89F8-7D3B-64A91C0CFA38}"/>
+              </a:ext>
+            </a:extLst>
+          </p:cNvPr>
+          <p:cNvSpPr>
+            <a:spLocks noGrp="1"/>
+          </p:cNvSpPr>
+          <p:nvPr>
+            <p:ph type="sldNum" sz="quarter" idx="10"/>
+          </p:nvPr>
+        </p:nvSpPr>
+        <p:spPr bwMode="auto"/>
+        <p:txBody>
+          <a:bodyPr/>
+          <a:lstStyle/>
+          <a:p>
+            <a:pPr>
+              <a:defRPr/>
+            </a:pPr>
+            <a:fld id="{759D9B67-299F-068E-BDA6-18E58121C83D}" type="slidenum">
+              <a:rPr/>
+              <a:t>13</a:t>
+            </a:fld>
+            <a:endParaRPr/>
+          </a:p>
+        </p:txBody>
+      </p:sp>
+    </p:spTree>
+    <p:extLst>
+      <p:ext uri="{BB962C8B-B14F-4D97-AF65-F5344CB8AC3E}">
+        <p14:creationId xmlns:p14="http://schemas.microsoft.com/office/powerpoint/2010/main" val="3662819384"/>
+      </p:ext>
+    </p:extLst>
+  </p:cSld>
+  <p:clrMapOvr>
+    <a:masterClrMapping/>
+  </p:clrMapOvr>
+</p:notes>
+</file>
+
+<file path=ppt/notesSlides/notesSlide14.xml><?xml version="1.0" encoding="utf-8"?>
+<p:notes xmlns:a="http://schemas.openxmlformats.org/drawingml/2006/main" xmlns:r="http://schemas.openxmlformats.org/officeDocument/2006/relationships" xmlns:p="http://schemas.openxmlformats.org/presentationml/2006/main">
+  <p:cSld>
     <p:spTree>
       <p:nvGrpSpPr>
         <p:cNvPr id="1" name=""/>
@@ -851,7 +1025,7 @@
         <p:nvSpPr>
           <p:cNvPr id="2" name="Slide Image Placeholder 1"/>
           <p:cNvSpPr>
-            <a:spLocks noChangeAspect="1" noGrp="1" noRot="1"/>
+            <a:spLocks noGrp="1" noRot="1" noChangeAspect="1"/>
           </p:cNvSpPr>
           <p:nvPr>
             <p:ph type="sldImg"/>
@@ -877,7 +1051,7 @@
             <a:pPr>
               <a:defRPr/>
             </a:pPr>
-            <a:endParaRPr/>
+            <a:endParaRPr dirty="0"/>
           </a:p>
         </p:txBody>
       </p:sp>
@@ -899,22 +1073,30 @@
             <a:pPr>
               <a:defRPr/>
             </a:pPr>
-            <a:fld id="{3A6DFD30-ACBE-50A2-B620-3CF119F42FDF}" type="slidenum">
+            <a:fld id="{759D9B67-299F-068E-BDA6-18E58121C83D}" type="slidenum">
               <a:rPr/>
-              <a:t/>
+              <a:t>14</a:t>
             </a:fld>
             <a:endParaRPr/>
           </a:p>
         </p:txBody>
       </p:sp>
     </p:spTree>
+    <p:extLst>
+      <p:ext uri="{BB962C8B-B14F-4D97-AF65-F5344CB8AC3E}">
+        <p14:creationId xmlns:p14="http://schemas.microsoft.com/office/powerpoint/2010/main" val="1821561677"/>
+      </p:ext>
+    </p:extLst>
   </p:cSld>
+  <p:clrMapOvr>
+    <a:masterClrMapping/>
+  </p:clrMapOvr>
 </p:notes>
 </file>
 
-<file path=ppt/notesSlides/notesSlide4.xml><?xml version="1.0" encoding="utf-8"?>
-<p:notes xmlns:a="http://schemas.openxmlformats.org/drawingml/2006/main" xmlns:r="http://schemas.openxmlformats.org/officeDocument/2006/relationships" xmlns:p="http://schemas.openxmlformats.org/presentationml/2006/main" xmlns:m="http://schemas.openxmlformats.org/officeDocument/2006/math" xmlns:w="http://schemas.openxmlformats.org/wordprocessingml/2006/main">
-  <p:cSld name="">
+<file path=ppt/notesSlides/notesSlide2.xml><?xml version="1.0" encoding="utf-8"?>
+<p:notes xmlns:a="http://schemas.openxmlformats.org/drawingml/2006/main" xmlns:r="http://schemas.openxmlformats.org/officeDocument/2006/relationships" xmlns:p="http://schemas.openxmlformats.org/presentationml/2006/main">
+  <p:cSld>
     <p:spTree>
       <p:nvGrpSpPr>
         <p:cNvPr id="1" name=""/>
@@ -933,7 +1115,7 @@
         <p:nvSpPr>
           <p:cNvPr id="2" name="Slide Image Placeholder 1"/>
           <p:cNvSpPr>
-            <a:spLocks noChangeAspect="1" noGrp="1" noRot="1"/>
+            <a:spLocks noGrp="1" noRot="1" noChangeAspect="1"/>
           </p:cNvSpPr>
           <p:nvPr>
             <p:ph type="sldImg"/>
@@ -981,22 +1163,30 @@
             <a:pPr>
               <a:defRPr/>
             </a:pPr>
-            <a:fld id="{3DD81E9F-2083-48E1-1714-9A7D5FFA1014}" type="slidenum">
+            <a:fld id="{14E25166-5277-345F-3183-4BE4126546FB}" type="slidenum">
               <a:rPr/>
-              <a:t/>
+              <a:t>2</a:t>
             </a:fld>
             <a:endParaRPr/>
           </a:p>
         </p:txBody>
       </p:sp>
     </p:spTree>
+    <p:extLst>
+      <p:ext uri="{BB962C8B-B14F-4D97-AF65-F5344CB8AC3E}">
+        <p14:creationId xmlns:p14="http://schemas.microsoft.com/office/powerpoint/2010/main" val="2042932709"/>
+      </p:ext>
+    </p:extLst>
   </p:cSld>
+  <p:clrMapOvr>
+    <a:masterClrMapping/>
+  </p:clrMapOvr>
 </p:notes>
 </file>
 
-<file path=ppt/notesSlides/notesSlide5.xml><?xml version="1.0" encoding="utf-8"?>
-<p:notes xmlns:a="http://schemas.openxmlformats.org/drawingml/2006/main" xmlns:r="http://schemas.openxmlformats.org/officeDocument/2006/relationships" xmlns:p="http://schemas.openxmlformats.org/presentationml/2006/main" xmlns:m="http://schemas.openxmlformats.org/officeDocument/2006/math" xmlns:w="http://schemas.openxmlformats.org/wordprocessingml/2006/main">
-  <p:cSld name="">
+<file path=ppt/notesSlides/notesSlide3.xml><?xml version="1.0" encoding="utf-8"?>
+<p:notes xmlns:a="http://schemas.openxmlformats.org/drawingml/2006/main" xmlns:r="http://schemas.openxmlformats.org/officeDocument/2006/relationships" xmlns:p="http://schemas.openxmlformats.org/presentationml/2006/main">
+  <p:cSld>
     <p:spTree>
       <p:nvGrpSpPr>
         <p:cNvPr id="1" name=""/>
@@ -1015,7 +1205,7 @@
         <p:nvSpPr>
           <p:cNvPr id="2" name="Slide Image Placeholder 1"/>
           <p:cNvSpPr>
-            <a:spLocks noChangeAspect="1" noGrp="1" noRot="1"/>
+            <a:spLocks noGrp="1" noRot="1" noChangeAspect="1"/>
           </p:cNvSpPr>
           <p:nvPr>
             <p:ph type="sldImg"/>
@@ -1063,22 +1253,30 @@
             <a:pPr>
               <a:defRPr/>
             </a:pPr>
-            <a:fld id="{4CD0BC8B-A007-4A99-D135-0ED367FF99FE}" type="slidenum">
+            <a:fld id="{3A6DFD30-ACBE-50A2-B620-3CF119F42FDF}" type="slidenum">
               <a:rPr/>
-              <a:t/>
+              <a:t>3</a:t>
             </a:fld>
             <a:endParaRPr/>
           </a:p>
         </p:txBody>
       </p:sp>
     </p:spTree>
+    <p:extLst>
+      <p:ext uri="{BB962C8B-B14F-4D97-AF65-F5344CB8AC3E}">
+        <p14:creationId xmlns:p14="http://schemas.microsoft.com/office/powerpoint/2010/main" val="1143877401"/>
+      </p:ext>
+    </p:extLst>
   </p:cSld>
+  <p:clrMapOvr>
+    <a:masterClrMapping/>
+  </p:clrMapOvr>
 </p:notes>
 </file>
 
-<file path=ppt/notesSlides/notesSlide6.xml><?xml version="1.0" encoding="utf-8"?>
-<p:notes xmlns:a="http://schemas.openxmlformats.org/drawingml/2006/main" xmlns:r="http://schemas.openxmlformats.org/officeDocument/2006/relationships" xmlns:p="http://schemas.openxmlformats.org/presentationml/2006/main" xmlns:m="http://schemas.openxmlformats.org/officeDocument/2006/math" xmlns:w="http://schemas.openxmlformats.org/wordprocessingml/2006/main">
-  <p:cSld name="">
+<file path=ppt/notesSlides/notesSlide4.xml><?xml version="1.0" encoding="utf-8"?>
+<p:notes xmlns:a="http://schemas.openxmlformats.org/drawingml/2006/main" xmlns:r="http://schemas.openxmlformats.org/officeDocument/2006/relationships" xmlns:p="http://schemas.openxmlformats.org/presentationml/2006/main">
+  <p:cSld>
     <p:spTree>
       <p:nvGrpSpPr>
         <p:cNvPr id="1" name=""/>
@@ -1097,7 +1295,7 @@
         <p:nvSpPr>
           <p:cNvPr id="2" name="Slide Image Placeholder 1"/>
           <p:cNvSpPr>
-            <a:spLocks noChangeAspect="1" noGrp="1" noRot="1"/>
+            <a:spLocks noGrp="1" noRot="1" noChangeAspect="1"/>
           </p:cNvSpPr>
           <p:nvPr>
             <p:ph type="sldImg"/>
@@ -1145,22 +1343,30 @@
             <a:pPr>
               <a:defRPr/>
             </a:pPr>
-            <a:fld id="{027E63A4-73C7-446F-DFF6-4C004E3B8E85}" type="slidenum">
+            <a:fld id="{3DD81E9F-2083-48E1-1714-9A7D5FFA1014}" type="slidenum">
               <a:rPr/>
-              <a:t/>
+              <a:t>4</a:t>
             </a:fld>
             <a:endParaRPr/>
           </a:p>
         </p:txBody>
       </p:sp>
     </p:spTree>
+    <p:extLst>
+      <p:ext uri="{BB962C8B-B14F-4D97-AF65-F5344CB8AC3E}">
+        <p14:creationId xmlns:p14="http://schemas.microsoft.com/office/powerpoint/2010/main" val="3628701193"/>
+      </p:ext>
+    </p:extLst>
   </p:cSld>
+  <p:clrMapOvr>
+    <a:masterClrMapping/>
+  </p:clrMapOvr>
 </p:notes>
 </file>
 
-<file path=ppt/notesSlides/notesSlide7.xml><?xml version="1.0" encoding="utf-8"?>
-<p:notes xmlns:a="http://schemas.openxmlformats.org/drawingml/2006/main" xmlns:r="http://schemas.openxmlformats.org/officeDocument/2006/relationships" xmlns:p="http://schemas.openxmlformats.org/presentationml/2006/main" xmlns:m="http://schemas.openxmlformats.org/officeDocument/2006/math" xmlns:w="http://schemas.openxmlformats.org/wordprocessingml/2006/main">
-  <p:cSld name="">
+<file path=ppt/notesSlides/notesSlide5.xml><?xml version="1.0" encoding="utf-8"?>
+<p:notes xmlns:a="http://schemas.openxmlformats.org/drawingml/2006/main" xmlns:r="http://schemas.openxmlformats.org/officeDocument/2006/relationships" xmlns:p="http://schemas.openxmlformats.org/presentationml/2006/main">
+  <p:cSld>
     <p:spTree>
       <p:nvGrpSpPr>
         <p:cNvPr id="1" name=""/>
@@ -1179,7 +1385,7 @@
         <p:nvSpPr>
           <p:cNvPr id="2" name="Slide Image Placeholder 1"/>
           <p:cNvSpPr>
-            <a:spLocks noChangeAspect="1" noGrp="1" noRot="1"/>
+            <a:spLocks noGrp="1" noRot="1" noChangeAspect="1"/>
           </p:cNvSpPr>
           <p:nvPr>
             <p:ph type="sldImg"/>
@@ -1227,22 +1433,30 @@
             <a:pPr>
               <a:defRPr/>
             </a:pPr>
-            <a:fld id="{0DDF6E44-5348-4F95-85A2-2EB92D5B1D19}" type="slidenum">
+            <a:fld id="{4CD0BC8B-A007-4A99-D135-0ED367FF99FE}" type="slidenum">
               <a:rPr/>
-              <a:t/>
+              <a:t>5</a:t>
             </a:fld>
             <a:endParaRPr/>
           </a:p>
         </p:txBody>
       </p:sp>
     </p:spTree>
+    <p:extLst>
+      <p:ext uri="{BB962C8B-B14F-4D97-AF65-F5344CB8AC3E}">
+        <p14:creationId xmlns:p14="http://schemas.microsoft.com/office/powerpoint/2010/main" val="1887688763"/>
+      </p:ext>
+    </p:extLst>
   </p:cSld>
+  <p:clrMapOvr>
+    <a:masterClrMapping/>
+  </p:clrMapOvr>
 </p:notes>
 </file>
 
-<file path=ppt/notesSlides/notesSlide8.xml><?xml version="1.0" encoding="utf-8"?>
-<p:notes xmlns:a="http://schemas.openxmlformats.org/drawingml/2006/main" xmlns:r="http://schemas.openxmlformats.org/officeDocument/2006/relationships" xmlns:p="http://schemas.openxmlformats.org/presentationml/2006/main" xmlns:m="http://schemas.openxmlformats.org/officeDocument/2006/math" xmlns:w="http://schemas.openxmlformats.org/wordprocessingml/2006/main">
-  <p:cSld name="">
+<file path=ppt/notesSlides/notesSlide6.xml><?xml version="1.0" encoding="utf-8"?>
+<p:notes xmlns:a="http://schemas.openxmlformats.org/drawingml/2006/main" xmlns:r="http://schemas.openxmlformats.org/officeDocument/2006/relationships" xmlns:p="http://schemas.openxmlformats.org/presentationml/2006/main">
+  <p:cSld>
     <p:spTree>
       <p:nvGrpSpPr>
         <p:cNvPr id="1" name=""/>
@@ -1261,7 +1475,7 @@
         <p:nvSpPr>
           <p:cNvPr id="2" name="Slide Image Placeholder 1"/>
           <p:cNvSpPr>
-            <a:spLocks noChangeAspect="1" noGrp="1" noRot="1"/>
+            <a:spLocks noGrp="1" noRot="1" noChangeAspect="1"/>
           </p:cNvSpPr>
           <p:nvPr>
             <p:ph type="sldImg"/>
@@ -1309,22 +1523,30 @@
             <a:pPr>
               <a:defRPr/>
             </a:pPr>
-            <a:fld id="{FDA79CCD-AB2D-1957-E6AF-DA1CED292308}" type="slidenum">
+            <a:fld id="{027E63A4-73C7-446F-DFF6-4C004E3B8E85}" type="slidenum">
               <a:rPr/>
-              <a:t/>
+              <a:t>6</a:t>
             </a:fld>
             <a:endParaRPr/>
           </a:p>
         </p:txBody>
       </p:sp>
     </p:spTree>
+    <p:extLst>
+      <p:ext uri="{BB962C8B-B14F-4D97-AF65-F5344CB8AC3E}">
+        <p14:creationId xmlns:p14="http://schemas.microsoft.com/office/powerpoint/2010/main" val="1720752498"/>
+      </p:ext>
+    </p:extLst>
   </p:cSld>
+  <p:clrMapOvr>
+    <a:masterClrMapping/>
+  </p:clrMapOvr>
 </p:notes>
 </file>
 
-<file path=ppt/notesSlides/notesSlide9.xml><?xml version="1.0" encoding="utf-8"?>
-<p:notes xmlns:a="http://schemas.openxmlformats.org/drawingml/2006/main" xmlns:r="http://schemas.openxmlformats.org/officeDocument/2006/relationships" xmlns:p="http://schemas.openxmlformats.org/presentationml/2006/main" xmlns:m="http://schemas.openxmlformats.org/officeDocument/2006/math" xmlns:w="http://schemas.openxmlformats.org/wordprocessingml/2006/main">
-  <p:cSld name="">
+<file path=ppt/notesSlides/notesSlide7.xml><?xml version="1.0" encoding="utf-8"?>
+<p:notes xmlns:a="http://schemas.openxmlformats.org/drawingml/2006/main" xmlns:r="http://schemas.openxmlformats.org/officeDocument/2006/relationships" xmlns:p="http://schemas.openxmlformats.org/presentationml/2006/main">
+  <p:cSld>
     <p:spTree>
       <p:nvGrpSpPr>
         <p:cNvPr id="1" name=""/>
@@ -1343,7 +1565,7 @@
         <p:nvSpPr>
           <p:cNvPr id="2" name="Slide Image Placeholder 1"/>
           <p:cNvSpPr>
-            <a:spLocks noChangeAspect="1" noGrp="1" noRot="1"/>
+            <a:spLocks noGrp="1" noRot="1" noChangeAspect="1"/>
           </p:cNvSpPr>
           <p:nvPr>
             <p:ph type="sldImg"/>
@@ -1391,21 +1613,209 @@
             <a:pPr>
               <a:defRPr/>
             </a:pPr>
-            <a:fld id="{D5F5EA08-9CFE-09C0-A7C8-6C0FA392BDAC}" type="slidenum">
+            <a:fld id="{0DDF6E44-5348-4F95-85A2-2EB92D5B1D19}" type="slidenum">
               <a:rPr/>
-              <a:t/>
+              <a:t>7</a:t>
             </a:fld>
             <a:endParaRPr/>
           </a:p>
         </p:txBody>
       </p:sp>
     </p:spTree>
+    <p:extLst>
+      <p:ext uri="{BB962C8B-B14F-4D97-AF65-F5344CB8AC3E}">
+        <p14:creationId xmlns:p14="http://schemas.microsoft.com/office/powerpoint/2010/main" val="265637208"/>
+      </p:ext>
+    </p:extLst>
   </p:cSld>
+  <p:clrMapOvr>
+    <a:masterClrMapping/>
+  </p:clrMapOvr>
+</p:notes>
+</file>
+
+<file path=ppt/notesSlides/notesSlide8.xml><?xml version="1.0" encoding="utf-8"?>
+<p:notes xmlns:a="http://schemas.openxmlformats.org/drawingml/2006/main" xmlns:r="http://schemas.openxmlformats.org/officeDocument/2006/relationships" xmlns:p="http://schemas.openxmlformats.org/presentationml/2006/main">
+  <p:cSld>
+    <p:spTree>
+      <p:nvGrpSpPr>
+        <p:cNvPr id="1" name=""/>
+        <p:cNvGrpSpPr/>
+        <p:nvPr/>
+      </p:nvGrpSpPr>
+      <p:grpSpPr bwMode="auto">
+        <a:xfrm>
+          <a:off x="0" y="0"/>
+          <a:ext cx="0" cy="0"/>
+          <a:chOff x="0" y="0"/>
+          <a:chExt cx="0" cy="0"/>
+        </a:xfrm>
+      </p:grpSpPr>
+      <p:sp>
+        <p:nvSpPr>
+          <p:cNvPr id="2" name="Slide Image Placeholder 1"/>
+          <p:cNvSpPr>
+            <a:spLocks noGrp="1" noRot="1" noChangeAspect="1"/>
+          </p:cNvSpPr>
+          <p:nvPr>
+            <p:ph type="sldImg"/>
+          </p:nvPr>
+        </p:nvSpPr>
+        <p:spPr bwMode="auto"/>
+      </p:sp>
+      <p:sp>
+        <p:nvSpPr>
+          <p:cNvPr id="3" name="Notes Placeholder 2"/>
+          <p:cNvSpPr>
+            <a:spLocks noGrp="1"/>
+          </p:cNvSpPr>
+          <p:nvPr>
+            <p:ph type="body" idx="1"/>
+          </p:nvPr>
+        </p:nvSpPr>
+        <p:spPr bwMode="auto"/>
+        <p:txBody>
+          <a:bodyPr/>
+          <a:lstStyle/>
+          <a:p>
+            <a:pPr>
+              <a:defRPr/>
+            </a:pPr>
+            <a:endParaRPr/>
+          </a:p>
+        </p:txBody>
+      </p:sp>
+      <p:sp>
+        <p:nvSpPr>
+          <p:cNvPr id="4" name="Slide Number Placeholder 3"/>
+          <p:cNvSpPr>
+            <a:spLocks noGrp="1"/>
+          </p:cNvSpPr>
+          <p:nvPr>
+            <p:ph type="sldNum" sz="quarter" idx="10"/>
+          </p:nvPr>
+        </p:nvSpPr>
+        <p:spPr bwMode="auto"/>
+        <p:txBody>
+          <a:bodyPr/>
+          <a:lstStyle/>
+          <a:p>
+            <a:pPr>
+              <a:defRPr/>
+            </a:pPr>
+            <a:fld id="{FDA79CCD-AB2D-1957-E6AF-DA1CED292308}" type="slidenum">
+              <a:rPr/>
+              <a:t>8</a:t>
+            </a:fld>
+            <a:endParaRPr/>
+          </a:p>
+        </p:txBody>
+      </p:sp>
+    </p:spTree>
+    <p:extLst>
+      <p:ext uri="{BB962C8B-B14F-4D97-AF65-F5344CB8AC3E}">
+        <p14:creationId xmlns:p14="http://schemas.microsoft.com/office/powerpoint/2010/main" val="2846772596"/>
+      </p:ext>
+    </p:extLst>
+  </p:cSld>
+  <p:clrMapOvr>
+    <a:masterClrMapping/>
+  </p:clrMapOvr>
+</p:notes>
+</file>
+
+<file path=ppt/notesSlides/notesSlide9.xml><?xml version="1.0" encoding="utf-8"?>
+<p:notes xmlns:a="http://schemas.openxmlformats.org/drawingml/2006/main" xmlns:r="http://schemas.openxmlformats.org/officeDocument/2006/relationships" xmlns:p="http://schemas.openxmlformats.org/presentationml/2006/main">
+  <p:cSld>
+    <p:spTree>
+      <p:nvGrpSpPr>
+        <p:cNvPr id="1" name=""/>
+        <p:cNvGrpSpPr/>
+        <p:nvPr/>
+      </p:nvGrpSpPr>
+      <p:grpSpPr bwMode="auto">
+        <a:xfrm>
+          <a:off x="0" y="0"/>
+          <a:ext cx="0" cy="0"/>
+          <a:chOff x="0" y="0"/>
+          <a:chExt cx="0" cy="0"/>
+        </a:xfrm>
+      </p:grpSpPr>
+      <p:sp>
+        <p:nvSpPr>
+          <p:cNvPr id="2" name="Slide Image Placeholder 1"/>
+          <p:cNvSpPr>
+            <a:spLocks noGrp="1" noRot="1" noChangeAspect="1"/>
+          </p:cNvSpPr>
+          <p:nvPr>
+            <p:ph type="sldImg"/>
+          </p:nvPr>
+        </p:nvSpPr>
+        <p:spPr bwMode="auto"/>
+      </p:sp>
+      <p:sp>
+        <p:nvSpPr>
+          <p:cNvPr id="3" name="Notes Placeholder 2"/>
+          <p:cNvSpPr>
+            <a:spLocks noGrp="1"/>
+          </p:cNvSpPr>
+          <p:nvPr>
+            <p:ph type="body" idx="1"/>
+          </p:nvPr>
+        </p:nvSpPr>
+        <p:spPr bwMode="auto"/>
+        <p:txBody>
+          <a:bodyPr/>
+          <a:lstStyle/>
+          <a:p>
+            <a:pPr>
+              <a:defRPr/>
+            </a:pPr>
+            <a:endParaRPr/>
+          </a:p>
+        </p:txBody>
+      </p:sp>
+      <p:sp>
+        <p:nvSpPr>
+          <p:cNvPr id="4" name="Slide Number Placeholder 3"/>
+          <p:cNvSpPr>
+            <a:spLocks noGrp="1"/>
+          </p:cNvSpPr>
+          <p:nvPr>
+            <p:ph type="sldNum" sz="quarter" idx="10"/>
+          </p:nvPr>
+        </p:nvSpPr>
+        <p:spPr bwMode="auto"/>
+        <p:txBody>
+          <a:bodyPr/>
+          <a:lstStyle/>
+          <a:p>
+            <a:pPr>
+              <a:defRPr/>
+            </a:pPr>
+            <a:fld id="{FDA79CCD-AB2D-1957-E6AF-DA1CED292308}" type="slidenum">
+              <a:rPr/>
+              <a:t>9</a:t>
+            </a:fld>
+            <a:endParaRPr/>
+          </a:p>
+        </p:txBody>
+      </p:sp>
+    </p:spTree>
+    <p:extLst>
+      <p:ext uri="{BB962C8B-B14F-4D97-AF65-F5344CB8AC3E}">
+        <p14:creationId xmlns:p14="http://schemas.microsoft.com/office/powerpoint/2010/main" val="1683444425"/>
+      </p:ext>
+    </p:extLst>
+  </p:cSld>
+  <p:clrMapOvr>
+    <a:masterClrMapping/>
+  </p:clrMapOvr>
 </p:notes>
 </file>
 
 <file path=ppt/slideLayouts/slideLayout1.xml><?xml version="1.0" encoding="utf-8"?>
-<p:sldLayout xmlns:a="http://schemas.openxmlformats.org/drawingml/2006/main" xmlns:r="http://schemas.openxmlformats.org/officeDocument/2006/relationships" xmlns:p="http://schemas.openxmlformats.org/presentationml/2006/main" xmlns:m="http://schemas.openxmlformats.org/officeDocument/2006/math" xmlns:w="http://schemas.openxmlformats.org/wordprocessingml/2006/main" matchingName="" preserve="0" showMasterPhAnim="0" showMasterSp="0" type="title" userDrawn="1">
+<p:sldLayout xmlns:a="http://schemas.openxmlformats.org/drawingml/2006/main" xmlns:r="http://schemas.openxmlformats.org/officeDocument/2006/relationships" xmlns:p="http://schemas.openxmlformats.org/presentationml/2006/main" showMasterSp="0" showMasterPhAnim="0" type="title" userDrawn="1">
   <p:cSld name="Title Slide">
     <p:spTree>
       <p:nvGrpSpPr>
@@ -1425,7 +1835,7 @@
         <p:nvSpPr>
           <p:cNvPr id="13" name="Shape 1059"/>
           <p:cNvSpPr>
-            <a:spLocks noChangeArrowheads="1" noGrp="1"/>
+            <a:spLocks noGrp="1" noChangeArrowheads="1"/>
           </p:cNvSpPr>
           <p:nvPr userDrawn="1"/>
         </p:nvSpPr>
@@ -1441,7 +1851,7 @@
             <a:cxnLst/>
             <a:rect l="l" t="t" r="r" b="b"/>
             <a:pathLst>
-              <a:path w="43200" h="43200" fill="norm" stroke="0" extrusionOk="0">
+              <a:path w="43200" h="43200" stroke="0" extrusionOk="0">
                 <a:moveTo>
                   <a:pt x="22112" y="3116"/>
                 </a:moveTo>
@@ -1548,7 +1958,7 @@
         <p:nvSpPr>
           <p:cNvPr id="14" name="Shape 1060"/>
           <p:cNvSpPr>
-            <a:spLocks noChangeArrowheads="1" noGrp="1"/>
+            <a:spLocks noGrp="1" noChangeArrowheads="1"/>
           </p:cNvSpPr>
           <p:nvPr userDrawn="1"/>
         </p:nvSpPr>
@@ -1564,7 +1974,7 @@
             <a:cxnLst/>
             <a:rect l="l" t="t" r="r" b="b"/>
             <a:pathLst>
-              <a:path w="43200" h="43200" fill="norm" stroke="0" extrusionOk="0">
+              <a:path w="43200" h="43200" stroke="0" extrusionOk="0">
                 <a:moveTo>
                   <a:pt x="40162" y="13104"/>
                 </a:moveTo>
@@ -1639,7 +2049,7 @@
         <p:nvSpPr>
           <p:cNvPr id="15" name="Shape 1061"/>
           <p:cNvSpPr>
-            <a:spLocks noChangeArrowheads="1" noGrp="1"/>
+            <a:spLocks noGrp="1" noChangeArrowheads="1"/>
           </p:cNvSpPr>
           <p:nvPr userDrawn="1"/>
         </p:nvSpPr>
@@ -1655,7 +2065,7 @@
             <a:cxnLst/>
             <a:rect l="l" t="t" r="r" b="b"/>
             <a:pathLst>
-              <a:path w="43200" h="43200" fill="norm" stroke="0" extrusionOk="0">
+              <a:path w="43200" h="43200" stroke="0" extrusionOk="0">
                 <a:moveTo>
                   <a:pt x="43200" y="43200"/>
                 </a:moveTo>
@@ -1725,7 +2135,7 @@
         <p:nvSpPr>
           <p:cNvPr id="16" name="Shape 1062"/>
           <p:cNvSpPr>
-            <a:spLocks noChangeArrowheads="1" noGrp="1"/>
+            <a:spLocks noGrp="1" noChangeArrowheads="1"/>
           </p:cNvSpPr>
           <p:nvPr userDrawn="1"/>
         </p:nvSpPr>
@@ -1741,7 +2151,7 @@
             <a:cxnLst/>
             <a:rect l="l" t="t" r="r" b="b"/>
             <a:pathLst>
-              <a:path w="43200" h="43200" fill="norm" stroke="0" extrusionOk="0">
+              <a:path w="43200" h="43200" stroke="0" extrusionOk="0">
                 <a:moveTo>
                   <a:pt x="43200" y="43200"/>
                 </a:moveTo>
@@ -1803,7 +2213,7 @@
         <p:nvSpPr>
           <p:cNvPr id="17" name="Shape 1063"/>
           <p:cNvSpPr>
-            <a:spLocks noChangeArrowheads="1" noGrp="1"/>
+            <a:spLocks noGrp="1" noChangeArrowheads="1"/>
           </p:cNvSpPr>
           <p:nvPr userDrawn="1"/>
         </p:nvSpPr>
@@ -1819,7 +2229,7 @@
             <a:cxnLst/>
             <a:rect l="l" t="t" r="r" b="b"/>
             <a:pathLst>
-              <a:path w="43200" h="43200" fill="norm" stroke="0" extrusionOk="0">
+              <a:path w="43200" h="43200" stroke="0" extrusionOk="0">
                 <a:moveTo>
                   <a:pt x="0" y="43200"/>
                 </a:moveTo>
@@ -1993,10 +2403,8 @@
               <a:defRPr/>
             </a:pPr>
             <a:r>
-              <a:rPr/>
               <a:t>Click to edit Master subtitle style</a:t>
             </a:r>
-            <a:endParaRPr/>
           </a:p>
         </p:txBody>
       </p:sp>
@@ -2019,8 +2427,8 @@
               <a:defRPr/>
             </a:pPr>
             <a:fld id="{A69D51E0-3758-456B-809F-07B187805C7D}" type="datetimeFigureOut">
-              <a:rPr/>
-              <a:t>22.10.2013</a:t>
+              <a:rPr lang="ru-RU"/>
+              <a:t>23.04.2025</a:t>
             </a:fld>
             <a:endParaRPr/>
           </a:p>
@@ -2102,10 +2510,8 @@
               <a:defRPr/>
             </a:pPr>
             <a:r>
-              <a:rPr/>
               <a:t>Click to edit Master title style</a:t>
             </a:r>
-            <a:endParaRPr/>
           </a:p>
         </p:txBody>
       </p:sp>
@@ -2118,7 +2524,7 @@
 </file>
 
 <file path=ppt/slideLayouts/slideLayout10.xml><?xml version="1.0" encoding="utf-8"?>
-<p:sldLayout xmlns:a="http://schemas.openxmlformats.org/drawingml/2006/main" xmlns:r="http://schemas.openxmlformats.org/officeDocument/2006/relationships" xmlns:p="http://schemas.openxmlformats.org/presentationml/2006/main" xmlns:m="http://schemas.openxmlformats.org/officeDocument/2006/math" xmlns:w="http://schemas.openxmlformats.org/wordprocessingml/2006/main" matchingName="" preserve="0" showMasterPhAnim="0" showMasterSp="1" type="vertTx" userDrawn="1">
+<p:sldLayout xmlns:a="http://schemas.openxmlformats.org/drawingml/2006/main" xmlns:r="http://schemas.openxmlformats.org/officeDocument/2006/relationships" xmlns:p="http://schemas.openxmlformats.org/presentationml/2006/main" showMasterPhAnim="0" type="vertTx" userDrawn="1">
   <p:cSld name="Title and Vertical Text">
     <p:spTree>
       <p:nvGrpSpPr>
@@ -2153,10 +2559,8 @@
               <a:defRPr/>
             </a:pPr>
             <a:r>
-              <a:rPr/>
               <a:t>Click to edit Master title style</a:t>
             </a:r>
-            <a:endParaRPr/>
           </a:p>
         </p:txBody>
       </p:sp>
@@ -2179,50 +2583,40 @@
               <a:defRPr/>
             </a:pPr>
             <a:r>
-              <a:rPr/>
               <a:t>Click to edit Master text styles</a:t>
             </a:r>
-            <a:endParaRPr/>
           </a:p>
           <a:p>
             <a:pPr lvl="1">
               <a:defRPr/>
             </a:pPr>
             <a:r>
-              <a:rPr/>
               <a:t>Second level</a:t>
             </a:r>
-            <a:endParaRPr/>
           </a:p>
           <a:p>
             <a:pPr lvl="2">
               <a:defRPr/>
             </a:pPr>
             <a:r>
-              <a:rPr/>
               <a:t>Third level</a:t>
             </a:r>
-            <a:endParaRPr/>
           </a:p>
           <a:p>
             <a:pPr lvl="3">
               <a:defRPr/>
             </a:pPr>
             <a:r>
-              <a:rPr/>
               <a:t>Fourth level</a:t>
             </a:r>
-            <a:endParaRPr/>
           </a:p>
           <a:p>
             <a:pPr lvl="4">
               <a:defRPr/>
             </a:pPr>
             <a:r>
-              <a:rPr/>
               <a:t>Fifth level</a:t>
             </a:r>
-            <a:endParaRPr/>
           </a:p>
         </p:txBody>
       </p:sp>
@@ -2245,8 +2639,8 @@
               <a:defRPr/>
             </a:pPr>
             <a:fld id="{A69D51E0-3758-456B-809F-07B187805C7D}" type="datetimeFigureOut">
-              <a:rPr/>
-              <a:t>22.10.2013</a:t>
+              <a:rPr lang="ru-RU"/>
+              <a:t>23.04.2025</a:t>
             </a:fld>
             <a:endParaRPr/>
           </a:p>
@@ -2309,7 +2703,7 @@
 </file>
 
 <file path=ppt/slideLayouts/slideLayout11.xml><?xml version="1.0" encoding="utf-8"?>
-<p:sldLayout xmlns:a="http://schemas.openxmlformats.org/drawingml/2006/main" xmlns:r="http://schemas.openxmlformats.org/officeDocument/2006/relationships" xmlns:p="http://schemas.openxmlformats.org/presentationml/2006/main" xmlns:m="http://schemas.openxmlformats.org/officeDocument/2006/math" xmlns:w="http://schemas.openxmlformats.org/wordprocessingml/2006/main" matchingName="" preserve="0" showMasterPhAnim="0" showMasterSp="1" type="vertTitleAndTx" userDrawn="1">
+<p:sldLayout xmlns:a="http://schemas.openxmlformats.org/drawingml/2006/main" xmlns:r="http://schemas.openxmlformats.org/officeDocument/2006/relationships" xmlns:p="http://schemas.openxmlformats.org/presentationml/2006/main" showMasterPhAnim="0" type="vertTitleAndTx" userDrawn="1">
   <p:cSld name="Vertical Title and Text">
     <p:spTree>
       <p:nvGrpSpPr>
@@ -2353,10 +2747,8 @@
               <a:defRPr/>
             </a:pPr>
             <a:r>
-              <a:rPr/>
               <a:t>Click to edit Master title style</a:t>
             </a:r>
-            <a:endParaRPr/>
           </a:p>
         </p:txBody>
       </p:sp>
@@ -2384,50 +2776,40 @@
               <a:defRPr/>
             </a:pPr>
             <a:r>
-              <a:rPr/>
               <a:t>Click to edit Master text styles</a:t>
             </a:r>
-            <a:endParaRPr/>
           </a:p>
           <a:p>
             <a:pPr lvl="1">
               <a:defRPr/>
             </a:pPr>
             <a:r>
-              <a:rPr/>
               <a:t>Second level</a:t>
             </a:r>
-            <a:endParaRPr/>
           </a:p>
           <a:p>
             <a:pPr lvl="2">
               <a:defRPr/>
             </a:pPr>
             <a:r>
-              <a:rPr/>
               <a:t>Third level</a:t>
             </a:r>
-            <a:endParaRPr/>
           </a:p>
           <a:p>
             <a:pPr lvl="3">
               <a:defRPr/>
             </a:pPr>
             <a:r>
-              <a:rPr/>
               <a:t>Fourth level</a:t>
             </a:r>
-            <a:endParaRPr/>
           </a:p>
           <a:p>
             <a:pPr lvl="4">
               <a:defRPr/>
             </a:pPr>
             <a:r>
-              <a:rPr/>
               <a:t>Fifth level</a:t>
             </a:r>
-            <a:endParaRPr/>
           </a:p>
         </p:txBody>
       </p:sp>
@@ -2450,8 +2832,8 @@
               <a:defRPr/>
             </a:pPr>
             <a:fld id="{A69D51E0-3758-456B-809F-07B187805C7D}" type="datetimeFigureOut">
-              <a:rPr/>
-              <a:t>22.10.2013</a:t>
+              <a:rPr lang="ru-RU"/>
+              <a:t>23.04.2025</a:t>
             </a:fld>
             <a:endParaRPr/>
           </a:p>
@@ -2514,7 +2896,7 @@
 </file>
 
 <file path=ppt/slideLayouts/slideLayout2.xml><?xml version="1.0" encoding="utf-8"?>
-<p:sldLayout xmlns:a="http://schemas.openxmlformats.org/drawingml/2006/main" xmlns:r="http://schemas.openxmlformats.org/officeDocument/2006/relationships" xmlns:p="http://schemas.openxmlformats.org/presentationml/2006/main" xmlns:m="http://schemas.openxmlformats.org/officeDocument/2006/math" xmlns:w="http://schemas.openxmlformats.org/wordprocessingml/2006/main" matchingName="" preserve="0" showMasterPhAnim="0" showMasterSp="1" type="obj" userDrawn="1">
+<p:sldLayout xmlns:a="http://schemas.openxmlformats.org/drawingml/2006/main" xmlns:r="http://schemas.openxmlformats.org/officeDocument/2006/relationships" xmlns:p="http://schemas.openxmlformats.org/presentationml/2006/main" showMasterPhAnim="0" type="obj" userDrawn="1">
   <p:cSld name="Title and Content">
     <p:spTree>
       <p:nvGrpSpPr>
@@ -2549,10 +2931,8 @@
               <a:defRPr/>
             </a:pPr>
             <a:r>
-              <a:rPr/>
               <a:t>Click to edit Master title style</a:t>
             </a:r>
-            <a:endParaRPr/>
           </a:p>
         </p:txBody>
       </p:sp>
@@ -2575,50 +2955,40 @@
               <a:defRPr/>
             </a:pPr>
             <a:r>
-              <a:rPr/>
               <a:t>Click to edit Master text styles</a:t>
             </a:r>
-            <a:endParaRPr/>
           </a:p>
           <a:p>
             <a:pPr lvl="1">
               <a:defRPr/>
             </a:pPr>
             <a:r>
-              <a:rPr/>
               <a:t>Second level</a:t>
             </a:r>
-            <a:endParaRPr/>
           </a:p>
           <a:p>
             <a:pPr lvl="2">
               <a:defRPr/>
             </a:pPr>
             <a:r>
-              <a:rPr/>
               <a:t>Third level</a:t>
             </a:r>
-            <a:endParaRPr/>
           </a:p>
           <a:p>
             <a:pPr lvl="3">
               <a:defRPr/>
             </a:pPr>
             <a:r>
-              <a:rPr/>
               <a:t>Fourth level</a:t>
             </a:r>
-            <a:endParaRPr/>
           </a:p>
           <a:p>
             <a:pPr lvl="4">
               <a:defRPr/>
             </a:pPr>
             <a:r>
-              <a:rPr/>
               <a:t>Fifth level</a:t>
             </a:r>
-            <a:endParaRPr/>
           </a:p>
         </p:txBody>
       </p:sp>
@@ -2641,8 +3011,8 @@
               <a:defRPr/>
             </a:pPr>
             <a:fld id="{A69D51E0-3758-456B-809F-07B187805C7D}" type="datetimeFigureOut">
-              <a:rPr/>
-              <a:t>22.10.2013</a:t>
+              <a:rPr lang="ru-RU"/>
+              <a:t>23.04.2025</a:t>
             </a:fld>
             <a:endParaRPr/>
           </a:p>
@@ -2705,7 +3075,7 @@
 </file>
 
 <file path=ppt/slideLayouts/slideLayout3.xml><?xml version="1.0" encoding="utf-8"?>
-<p:sldLayout xmlns:a="http://schemas.openxmlformats.org/drawingml/2006/main" xmlns:r="http://schemas.openxmlformats.org/officeDocument/2006/relationships" xmlns:p="http://schemas.openxmlformats.org/presentationml/2006/main" xmlns:m="http://schemas.openxmlformats.org/officeDocument/2006/math" xmlns:w="http://schemas.openxmlformats.org/wordprocessingml/2006/main" matchingName="" preserve="0" showMasterPhAnim="0" showMasterSp="1" type="secHead" userDrawn="1">
+<p:sldLayout xmlns:a="http://schemas.openxmlformats.org/drawingml/2006/main" xmlns:r="http://schemas.openxmlformats.org/officeDocument/2006/relationships" xmlns:p="http://schemas.openxmlformats.org/presentationml/2006/main" showMasterPhAnim="0" type="secHead" userDrawn="1">
   <p:cSld name="Section Header">
     <p:spTree>
       <p:nvGrpSpPr>
@@ -2749,10 +3119,8 @@
               <a:defRPr/>
             </a:pPr>
             <a:r>
-              <a:rPr/>
               <a:t>Click to edit Master title style</a:t>
             </a:r>
-            <a:endParaRPr/>
           </a:p>
         </p:txBody>
       </p:sp>
@@ -2871,10 +3239,8 @@
               <a:defRPr/>
             </a:pPr>
             <a:r>
-              <a:rPr/>
               <a:t>Click to edit Master text styles</a:t>
             </a:r>
-            <a:endParaRPr/>
           </a:p>
         </p:txBody>
       </p:sp>
@@ -2897,8 +3263,8 @@
               <a:defRPr/>
             </a:pPr>
             <a:fld id="{A69D51E0-3758-456B-809F-07B187805C7D}" type="datetimeFigureOut">
-              <a:rPr/>
-              <a:t>22.10.2013</a:t>
+              <a:rPr lang="ru-RU"/>
+              <a:t>23.04.2025</a:t>
             </a:fld>
             <a:endParaRPr/>
           </a:p>
@@ -2961,7 +3327,7 @@
 </file>
 
 <file path=ppt/slideLayouts/slideLayout4.xml><?xml version="1.0" encoding="utf-8"?>
-<p:sldLayout xmlns:a="http://schemas.openxmlformats.org/drawingml/2006/main" xmlns:r="http://schemas.openxmlformats.org/officeDocument/2006/relationships" xmlns:p="http://schemas.openxmlformats.org/presentationml/2006/main" xmlns:m="http://schemas.openxmlformats.org/officeDocument/2006/math" xmlns:w="http://schemas.openxmlformats.org/wordprocessingml/2006/main" matchingName="" preserve="0" showMasterPhAnim="0" showMasterSp="1" type="twoObj" userDrawn="1">
+<p:sldLayout xmlns:a="http://schemas.openxmlformats.org/drawingml/2006/main" xmlns:r="http://schemas.openxmlformats.org/officeDocument/2006/relationships" xmlns:p="http://schemas.openxmlformats.org/presentationml/2006/main" showMasterPhAnim="0" type="twoObj" userDrawn="1">
   <p:cSld name="Two Content">
     <p:spTree>
       <p:nvGrpSpPr>
@@ -2996,10 +3362,8 @@
               <a:defRPr/>
             </a:pPr>
             <a:r>
-              <a:rPr/>
               <a:t>Click to edit Master title style</a:t>
             </a:r>
-            <a:endParaRPr/>
           </a:p>
         </p:txBody>
       </p:sp>
@@ -3055,50 +3419,40 @@
               <a:defRPr/>
             </a:pPr>
             <a:r>
-              <a:rPr/>
               <a:t>Click to edit Master text styles</a:t>
             </a:r>
-            <a:endParaRPr/>
           </a:p>
           <a:p>
             <a:pPr lvl="1">
               <a:defRPr/>
             </a:pPr>
             <a:r>
-              <a:rPr/>
               <a:t>Second level</a:t>
             </a:r>
-            <a:endParaRPr/>
           </a:p>
           <a:p>
             <a:pPr lvl="2">
               <a:defRPr/>
             </a:pPr>
             <a:r>
-              <a:rPr/>
               <a:t>Third level</a:t>
             </a:r>
-            <a:endParaRPr/>
           </a:p>
           <a:p>
             <a:pPr lvl="3">
               <a:defRPr/>
             </a:pPr>
             <a:r>
-              <a:rPr/>
               <a:t>Fourth level</a:t>
             </a:r>
-            <a:endParaRPr/>
           </a:p>
           <a:p>
             <a:pPr lvl="4">
               <a:defRPr/>
             </a:pPr>
             <a:r>
-              <a:rPr/>
               <a:t>Fifth level</a:t>
             </a:r>
-            <a:endParaRPr/>
           </a:p>
         </p:txBody>
       </p:sp>
@@ -3154,50 +3508,40 @@
               <a:defRPr/>
             </a:pPr>
             <a:r>
-              <a:rPr/>
               <a:t>Click to edit Master text styles</a:t>
             </a:r>
-            <a:endParaRPr/>
           </a:p>
           <a:p>
             <a:pPr lvl="1">
               <a:defRPr/>
             </a:pPr>
             <a:r>
-              <a:rPr/>
               <a:t>Second level</a:t>
             </a:r>
-            <a:endParaRPr/>
           </a:p>
           <a:p>
             <a:pPr lvl="2">
               <a:defRPr/>
             </a:pPr>
             <a:r>
-              <a:rPr/>
               <a:t>Third level</a:t>
             </a:r>
-            <a:endParaRPr/>
           </a:p>
           <a:p>
             <a:pPr lvl="3">
               <a:defRPr/>
             </a:pPr>
             <a:r>
-              <a:rPr/>
               <a:t>Fourth level</a:t>
             </a:r>
-            <a:endParaRPr/>
           </a:p>
           <a:p>
             <a:pPr lvl="4">
               <a:defRPr/>
             </a:pPr>
             <a:r>
-              <a:rPr/>
               <a:t>Fifth level</a:t>
             </a:r>
-            <a:endParaRPr/>
           </a:p>
         </p:txBody>
       </p:sp>
@@ -3220,8 +3564,8 @@
               <a:defRPr/>
             </a:pPr>
             <a:fld id="{A69D51E0-3758-456B-809F-07B187805C7D}" type="datetimeFigureOut">
-              <a:rPr/>
-              <a:t>22.10.2013</a:t>
+              <a:rPr lang="ru-RU"/>
+              <a:t>23.04.2025</a:t>
             </a:fld>
             <a:endParaRPr/>
           </a:p>
@@ -3284,7 +3628,7 @@
 </file>
 
 <file path=ppt/slideLayouts/slideLayout5.xml><?xml version="1.0" encoding="utf-8"?>
-<p:sldLayout xmlns:a="http://schemas.openxmlformats.org/drawingml/2006/main" xmlns:r="http://schemas.openxmlformats.org/officeDocument/2006/relationships" xmlns:p="http://schemas.openxmlformats.org/presentationml/2006/main" xmlns:m="http://schemas.openxmlformats.org/officeDocument/2006/math" xmlns:w="http://schemas.openxmlformats.org/wordprocessingml/2006/main" matchingName="" preserve="0" showMasterPhAnim="0" showMasterSp="1" type="twoTxTwoObj" userDrawn="1">
+<p:sldLayout xmlns:a="http://schemas.openxmlformats.org/drawingml/2006/main" xmlns:r="http://schemas.openxmlformats.org/officeDocument/2006/relationships" xmlns:p="http://schemas.openxmlformats.org/presentationml/2006/main" showMasterPhAnim="0" type="twoTxTwoObj" userDrawn="1">
   <p:cSld name="Comparison">
     <p:spTree>
       <p:nvGrpSpPr>
@@ -3323,10 +3667,8 @@
               <a:defRPr/>
             </a:pPr>
             <a:r>
-              <a:rPr/>
               <a:t>Click to edit Master title style</a:t>
             </a:r>
-            <a:endParaRPr/>
           </a:p>
         </p:txBody>
       </p:sp>
@@ -3391,10 +3733,8 @@
               <a:defRPr/>
             </a:pPr>
             <a:r>
-              <a:rPr/>
               <a:t>Click to edit Master text styles</a:t>
             </a:r>
-            <a:endParaRPr/>
           </a:p>
         </p:txBody>
       </p:sp>
@@ -3450,50 +3790,40 @@
               <a:defRPr/>
             </a:pPr>
             <a:r>
-              <a:rPr/>
               <a:t>Click to edit Master text styles</a:t>
             </a:r>
-            <a:endParaRPr/>
           </a:p>
           <a:p>
             <a:pPr lvl="1">
               <a:defRPr/>
             </a:pPr>
             <a:r>
-              <a:rPr/>
               <a:t>Second level</a:t>
             </a:r>
-            <a:endParaRPr/>
           </a:p>
           <a:p>
             <a:pPr lvl="2">
               <a:defRPr/>
             </a:pPr>
             <a:r>
-              <a:rPr/>
               <a:t>Third level</a:t>
             </a:r>
-            <a:endParaRPr/>
           </a:p>
           <a:p>
             <a:pPr lvl="3">
               <a:defRPr/>
             </a:pPr>
             <a:r>
-              <a:rPr/>
               <a:t>Fourth level</a:t>
             </a:r>
-            <a:endParaRPr/>
           </a:p>
           <a:p>
             <a:pPr lvl="4">
               <a:defRPr/>
             </a:pPr>
             <a:r>
-              <a:rPr/>
               <a:t>Fifth level</a:t>
             </a:r>
-            <a:endParaRPr/>
           </a:p>
         </p:txBody>
       </p:sp>
@@ -3558,10 +3888,8 @@
               <a:defRPr/>
             </a:pPr>
             <a:r>
-              <a:rPr/>
               <a:t>Click to edit Master text styles</a:t>
             </a:r>
-            <a:endParaRPr/>
           </a:p>
         </p:txBody>
       </p:sp>
@@ -3617,50 +3945,40 @@
               <a:defRPr/>
             </a:pPr>
             <a:r>
-              <a:rPr/>
               <a:t>Click to edit Master text styles</a:t>
             </a:r>
-            <a:endParaRPr/>
           </a:p>
           <a:p>
             <a:pPr lvl="1">
               <a:defRPr/>
             </a:pPr>
             <a:r>
-              <a:rPr/>
               <a:t>Second level</a:t>
             </a:r>
-            <a:endParaRPr/>
           </a:p>
           <a:p>
             <a:pPr lvl="2">
               <a:defRPr/>
             </a:pPr>
             <a:r>
-              <a:rPr/>
               <a:t>Third level</a:t>
             </a:r>
-            <a:endParaRPr/>
           </a:p>
           <a:p>
             <a:pPr lvl="3">
               <a:defRPr/>
             </a:pPr>
             <a:r>
-              <a:rPr/>
               <a:t>Fourth level</a:t>
             </a:r>
-            <a:endParaRPr/>
           </a:p>
           <a:p>
             <a:pPr lvl="4">
               <a:defRPr/>
             </a:pPr>
             <a:r>
-              <a:rPr/>
               <a:t>Fifth level</a:t>
             </a:r>
-            <a:endParaRPr/>
           </a:p>
         </p:txBody>
       </p:sp>
@@ -3683,8 +4001,8 @@
               <a:defRPr/>
             </a:pPr>
             <a:fld id="{A69D51E0-3758-456B-809F-07B187805C7D}" type="datetimeFigureOut">
-              <a:rPr/>
-              <a:t>22.10.2013</a:t>
+              <a:rPr lang="ru-RU"/>
+              <a:t>23.04.2025</a:t>
             </a:fld>
             <a:endParaRPr/>
           </a:p>
@@ -3747,7 +4065,7 @@
 </file>
 
 <file path=ppt/slideLayouts/slideLayout6.xml><?xml version="1.0" encoding="utf-8"?>
-<p:sldLayout xmlns:a="http://schemas.openxmlformats.org/drawingml/2006/main" xmlns:r="http://schemas.openxmlformats.org/officeDocument/2006/relationships" xmlns:p="http://schemas.openxmlformats.org/presentationml/2006/main" xmlns:m="http://schemas.openxmlformats.org/officeDocument/2006/math" xmlns:w="http://schemas.openxmlformats.org/wordprocessingml/2006/main" matchingName="" preserve="0" showMasterPhAnim="0" showMasterSp="1" type="titleOnly" userDrawn="1">
+<p:sldLayout xmlns:a="http://schemas.openxmlformats.org/drawingml/2006/main" xmlns:r="http://schemas.openxmlformats.org/officeDocument/2006/relationships" xmlns:p="http://schemas.openxmlformats.org/presentationml/2006/main" showMasterPhAnim="0" type="titleOnly" userDrawn="1">
   <p:cSld name="Title Only">
     <p:spTree>
       <p:nvGrpSpPr>
@@ -3782,10 +4100,8 @@
               <a:defRPr/>
             </a:pPr>
             <a:r>
-              <a:rPr/>
               <a:t>Click to edit Master title style</a:t>
             </a:r>
-            <a:endParaRPr/>
           </a:p>
         </p:txBody>
       </p:sp>
@@ -3808,8 +4124,8 @@
               <a:defRPr/>
             </a:pPr>
             <a:fld id="{A69D51E0-3758-456B-809F-07B187805C7D}" type="datetimeFigureOut">
-              <a:rPr/>
-              <a:t>22.10.2013</a:t>
+              <a:rPr lang="ru-RU"/>
+              <a:t>23.04.2025</a:t>
             </a:fld>
             <a:endParaRPr/>
           </a:p>
@@ -3872,7 +4188,7 @@
 </file>
 
 <file path=ppt/slideLayouts/slideLayout7.xml><?xml version="1.0" encoding="utf-8"?>
-<p:sldLayout xmlns:a="http://schemas.openxmlformats.org/drawingml/2006/main" xmlns:r="http://schemas.openxmlformats.org/officeDocument/2006/relationships" xmlns:p="http://schemas.openxmlformats.org/presentationml/2006/main" xmlns:m="http://schemas.openxmlformats.org/officeDocument/2006/math" xmlns:w="http://schemas.openxmlformats.org/wordprocessingml/2006/main" matchingName="" preserve="0" showMasterPhAnim="0" showMasterSp="1" type="blank" userDrawn="1">
+<p:sldLayout xmlns:a="http://schemas.openxmlformats.org/drawingml/2006/main" xmlns:r="http://schemas.openxmlformats.org/officeDocument/2006/relationships" xmlns:p="http://schemas.openxmlformats.org/presentationml/2006/main" showMasterPhAnim="0" type="blank" userDrawn="1">
   <p:cSld name="Blank">
     <p:spTree>
       <p:nvGrpSpPr>
@@ -3907,8 +4223,8 @@
               <a:defRPr/>
             </a:pPr>
             <a:fld id="{A69D51E0-3758-456B-809F-07B187805C7D}" type="datetimeFigureOut">
-              <a:rPr/>
-              <a:t>22.10.2013</a:t>
+              <a:rPr lang="ru-RU"/>
+              <a:t>23.04.2025</a:t>
             </a:fld>
             <a:endParaRPr/>
           </a:p>
@@ -3971,7 +4287,7 @@
 </file>
 
 <file path=ppt/slideLayouts/slideLayout8.xml><?xml version="1.0" encoding="utf-8"?>
-<p:sldLayout xmlns:a="http://schemas.openxmlformats.org/drawingml/2006/main" xmlns:r="http://schemas.openxmlformats.org/officeDocument/2006/relationships" xmlns:p="http://schemas.openxmlformats.org/presentationml/2006/main" xmlns:m="http://schemas.openxmlformats.org/officeDocument/2006/math" xmlns:w="http://schemas.openxmlformats.org/wordprocessingml/2006/main" matchingName="" preserve="0" showMasterPhAnim="0" showMasterSp="1" type="objTx" userDrawn="1">
+<p:sldLayout xmlns:a="http://schemas.openxmlformats.org/drawingml/2006/main" xmlns:r="http://schemas.openxmlformats.org/officeDocument/2006/relationships" xmlns:p="http://schemas.openxmlformats.org/presentationml/2006/main" showMasterPhAnim="0" type="objTx" userDrawn="1">
   <p:cSld name="Content with Caption">
     <p:spTree>
       <p:nvGrpSpPr>
@@ -4015,10 +4331,8 @@
               <a:defRPr/>
             </a:pPr>
             <a:r>
-              <a:rPr/>
               <a:t>Click to edit Master title style</a:t>
             </a:r>
-            <a:endParaRPr/>
           </a:p>
         </p:txBody>
       </p:sp>
@@ -4074,50 +4388,40 @@
               <a:defRPr/>
             </a:pPr>
             <a:r>
-              <a:rPr/>
               <a:t>Click to edit Master text styles</a:t>
             </a:r>
-            <a:endParaRPr/>
           </a:p>
           <a:p>
             <a:pPr lvl="1">
               <a:defRPr/>
             </a:pPr>
             <a:r>
-              <a:rPr/>
               <a:t>Second level</a:t>
             </a:r>
-            <a:endParaRPr/>
           </a:p>
           <a:p>
             <a:pPr lvl="2">
               <a:defRPr/>
             </a:pPr>
             <a:r>
-              <a:rPr/>
               <a:t>Third level</a:t>
             </a:r>
-            <a:endParaRPr/>
           </a:p>
           <a:p>
             <a:pPr lvl="3">
               <a:defRPr/>
             </a:pPr>
             <a:r>
-              <a:rPr/>
               <a:t>Fourth level</a:t>
             </a:r>
-            <a:endParaRPr/>
           </a:p>
           <a:p>
             <a:pPr lvl="4">
               <a:defRPr/>
             </a:pPr>
             <a:r>
-              <a:rPr/>
               <a:t>Fifth level</a:t>
             </a:r>
-            <a:endParaRPr/>
           </a:p>
         </p:txBody>
       </p:sp>
@@ -4182,10 +4486,8 @@
               <a:defRPr/>
             </a:pPr>
             <a:r>
-              <a:rPr/>
               <a:t>Click to edit Master text styles</a:t>
             </a:r>
-            <a:endParaRPr/>
           </a:p>
         </p:txBody>
       </p:sp>
@@ -4208,8 +4510,8 @@
               <a:defRPr/>
             </a:pPr>
             <a:fld id="{A69D51E0-3758-456B-809F-07B187805C7D}" type="datetimeFigureOut">
-              <a:rPr/>
-              <a:t>22.10.2013</a:t>
+              <a:rPr lang="ru-RU"/>
+              <a:t>23.04.2025</a:t>
             </a:fld>
             <a:endParaRPr/>
           </a:p>
@@ -4272,7 +4574,7 @@
 </file>
 
 <file path=ppt/slideLayouts/slideLayout9.xml><?xml version="1.0" encoding="utf-8"?>
-<p:sldLayout xmlns:a="http://schemas.openxmlformats.org/drawingml/2006/main" xmlns:r="http://schemas.openxmlformats.org/officeDocument/2006/relationships" xmlns:p="http://schemas.openxmlformats.org/presentationml/2006/main" xmlns:m="http://schemas.openxmlformats.org/officeDocument/2006/math" xmlns:w="http://schemas.openxmlformats.org/wordprocessingml/2006/main" matchingName="" preserve="0" showMasterPhAnim="0" showMasterSp="1" type="picTx" userDrawn="1">
+<p:sldLayout xmlns:a="http://schemas.openxmlformats.org/drawingml/2006/main" xmlns:r="http://schemas.openxmlformats.org/officeDocument/2006/relationships" xmlns:p="http://schemas.openxmlformats.org/presentationml/2006/main" showMasterPhAnim="0" type="picTx" userDrawn="1">
   <p:cSld name="Picture with Caption">
     <p:spTree>
       <p:nvGrpSpPr>
@@ -4316,10 +4618,8 @@
               <a:defRPr/>
             </a:pPr>
             <a:r>
-              <a:rPr/>
               <a:t>Click to edit Master title style</a:t>
             </a:r>
-            <a:endParaRPr/>
           </a:p>
         </p:txBody>
       </p:sp>
@@ -4448,10 +4748,8 @@
               <a:defRPr/>
             </a:pPr>
             <a:r>
-              <a:rPr/>
               <a:t>Click to edit Master text styles</a:t>
             </a:r>
-            <a:endParaRPr/>
           </a:p>
         </p:txBody>
       </p:sp>
@@ -4474,8 +4772,8 @@
               <a:defRPr/>
             </a:pPr>
             <a:fld id="{A69D51E0-3758-456B-809F-07B187805C7D}" type="datetimeFigureOut">
-              <a:rPr/>
-              <a:t>22.10.2013</a:t>
+              <a:rPr lang="ru-RU"/>
+              <a:t>23.04.2025</a:t>
             </a:fld>
             <a:endParaRPr/>
           </a:p>
@@ -4538,8 +4836,8 @@
 </file>
 
 <file path=ppt/slideMasters/slideMaster1.xml><?xml version="1.0" encoding="utf-8"?>
-<p:sldMaster xmlns:a="http://schemas.openxmlformats.org/drawingml/2006/main" xmlns:r="http://schemas.openxmlformats.org/officeDocument/2006/relationships" xmlns:p="http://schemas.openxmlformats.org/presentationml/2006/main" xmlns:m="http://schemas.openxmlformats.org/officeDocument/2006/math" xmlns:w="http://schemas.openxmlformats.org/wordprocessingml/2006/main" preserve="0">
-  <p:cSld name="">
+<p:sldMaster xmlns:a="http://schemas.openxmlformats.org/drawingml/2006/main" xmlns:r="http://schemas.openxmlformats.org/officeDocument/2006/relationships" xmlns:p="http://schemas.openxmlformats.org/presentationml/2006/main">
+  <p:cSld>
     <p:bg>
       <p:bgRef idx="1001">
         <a:schemeClr val="bg1"/>
@@ -4563,7 +4861,7 @@
         <p:nvSpPr>
           <p:cNvPr id="7" name="Shape 1059"/>
           <p:cNvSpPr>
-            <a:spLocks noChangeArrowheads="1" noGrp="1"/>
+            <a:spLocks noGrp="1" noChangeArrowheads="1"/>
           </p:cNvSpPr>
           <p:nvPr userDrawn="1"/>
         </p:nvSpPr>
@@ -4579,7 +4877,7 @@
             <a:cxnLst/>
             <a:rect l="l" t="t" r="r" b="b"/>
             <a:pathLst>
-              <a:path w="43200" h="43200" fill="norm" stroke="0" extrusionOk="0">
+              <a:path w="43200" h="43200" stroke="0" extrusionOk="0">
                 <a:moveTo>
                   <a:pt x="0" y="0"/>
                 </a:moveTo>
@@ -4641,7 +4939,7 @@
         <p:nvSpPr>
           <p:cNvPr id="8" name="Shape 1060"/>
           <p:cNvSpPr>
-            <a:spLocks noChangeArrowheads="1" noGrp="1"/>
+            <a:spLocks noGrp="1" noChangeArrowheads="1"/>
           </p:cNvSpPr>
           <p:nvPr userDrawn="1"/>
         </p:nvSpPr>
@@ -4657,7 +4955,7 @@
             <a:cxnLst/>
             <a:rect l="l" t="t" r="r" b="b"/>
             <a:pathLst>
-              <a:path w="43200" h="43200" fill="norm" stroke="0" extrusionOk="0">
+              <a:path w="43200" h="43200" stroke="0" extrusionOk="0">
                 <a:moveTo>
                   <a:pt x="31743" y="2484"/>
                 </a:moveTo>
@@ -4722,7 +5020,7 @@
         <p:nvSpPr>
           <p:cNvPr id="9" name="Shape 1061"/>
           <p:cNvSpPr>
-            <a:spLocks noChangeArrowheads="1" noGrp="1"/>
+            <a:spLocks noGrp="1" noChangeArrowheads="1"/>
           </p:cNvSpPr>
           <p:nvPr userDrawn="1"/>
         </p:nvSpPr>
@@ -4738,7 +5036,7 @@
             <a:cxnLst/>
             <a:rect l="l" t="t" r="r" b="b"/>
             <a:pathLst>
-              <a:path w="43200" h="43200" fill="norm" stroke="0" extrusionOk="0">
+              <a:path w="43200" h="43200" stroke="0" extrusionOk="0">
                 <a:moveTo>
                   <a:pt x="32864" y="0"/>
                 </a:moveTo>
@@ -4865,10 +5163,8 @@
               <a:defRPr/>
             </a:pPr>
             <a:r>
-              <a:rPr/>
               <a:t>Click to edit Master title style</a:t>
             </a:r>
-            <a:endParaRPr/>
           </a:p>
         </p:txBody>
       </p:sp>
@@ -4901,50 +5197,40 @@
               <a:defRPr/>
             </a:pPr>
             <a:r>
-              <a:rPr/>
               <a:t>Click to edit Master text styles</a:t>
             </a:r>
-            <a:endParaRPr/>
           </a:p>
           <a:p>
             <a:pPr lvl="1">
               <a:defRPr/>
             </a:pPr>
             <a:r>
-              <a:rPr/>
               <a:t>Second level</a:t>
             </a:r>
-            <a:endParaRPr/>
           </a:p>
           <a:p>
             <a:pPr lvl="2">
               <a:defRPr/>
             </a:pPr>
             <a:r>
-              <a:rPr/>
               <a:t>Third level</a:t>
             </a:r>
-            <a:endParaRPr/>
           </a:p>
           <a:p>
             <a:pPr lvl="3">
               <a:defRPr/>
             </a:pPr>
             <a:r>
-              <a:rPr/>
               <a:t>Fourth level</a:t>
             </a:r>
-            <a:endParaRPr/>
           </a:p>
           <a:p>
             <a:pPr lvl="4">
               <a:defRPr/>
             </a:pPr>
             <a:r>
-              <a:rPr/>
               <a:t>Fifth level</a:t>
             </a:r>
-            <a:endParaRPr/>
           </a:p>
         </p:txBody>
       </p:sp>
@@ -4985,8 +5271,8 @@
               <a:defRPr/>
             </a:pPr>
             <a:fld id="{A69D51E0-3758-456B-809F-07B187805C7D}" type="datetimeFigureOut">
-              <a:rPr/>
-              <a:t>22.10.2013</a:t>
+              <a:rPr lang="ru-RU"/>
+              <a:t>23.04.2025</a:t>
             </a:fld>
             <a:endParaRPr/>
           </a:p>
@@ -5364,8 +5650,8 @@
 </file>
 
 <file path=ppt/slides/slide1.xml><?xml version="1.0" encoding="utf-8"?>
-<p:sld xmlns:a="http://schemas.openxmlformats.org/drawingml/2006/main" xmlns:r="http://schemas.openxmlformats.org/officeDocument/2006/relationships" xmlns:p="http://schemas.openxmlformats.org/presentationml/2006/main" xmlns:m="http://schemas.openxmlformats.org/officeDocument/2006/math" xmlns:w="http://schemas.openxmlformats.org/wordprocessingml/2006/main" xmlns:mc="http://schemas.openxmlformats.org/markup-compatibility/2006" showMasterPhAnim="0" showMasterSp="1" show="1">
-  <p:cSld name="">
+<p:sld xmlns:a="http://schemas.openxmlformats.org/drawingml/2006/main" xmlns:r="http://schemas.openxmlformats.org/officeDocument/2006/relationships" xmlns:p="http://schemas.openxmlformats.org/presentationml/2006/main" showMasterPhAnim="0">
+  <p:cSld>
     <p:spTree>
       <p:nvGrpSpPr>
         <p:cNvPr id="1" name=""/>
@@ -5552,20 +5838,20 @@
               <a:defRPr/>
             </a:pPr>
             <a:r>
-              <a:rPr lang="ru-RU" u="sng">
+              <a:rPr lang="ru-RU" u="sng" dirty="0">
                 <a:latin typeface="Times New Roman"/>
                 <a:cs typeface="Times New Roman"/>
               </a:rPr>
               <a:t>Разработал</a:t>
             </a:r>
             <a:r>
-              <a:rPr lang="ru-RU">
+              <a:rPr lang="ru-RU" dirty="0">
                 <a:latin typeface="Times New Roman"/>
                 <a:cs typeface="Times New Roman"/>
               </a:rPr>
               <a:t>: </a:t>
             </a:r>
-            <a:endParaRPr/>
+            <a:endParaRPr dirty="0"/>
           </a:p>
           <a:p>
             <a:pPr>
@@ -5574,68 +5860,78 @@
               <a:defRPr/>
             </a:pPr>
             <a:r>
-              <a:rPr lang="ru-RU">
+              <a:rPr lang="ru-RU" dirty="0">
                 <a:latin typeface="Times New Roman"/>
                 <a:cs typeface="Times New Roman"/>
               </a:rPr>
               <a:t>студент группы 3КСК-</a:t>
             </a:r>
             <a:r>
-              <a:rPr lang="en-US">
+              <a:rPr lang="en-US" dirty="0">
                 <a:latin typeface="Times New Roman"/>
                 <a:cs typeface="Times New Roman"/>
               </a:rPr>
               <a:t>2</a:t>
             </a:r>
             <a:r>
-              <a:rPr lang="ru-RU">
+              <a:rPr lang="ru-RU" dirty="0">
                 <a:latin typeface="Times New Roman"/>
                 <a:cs typeface="Times New Roman"/>
               </a:rPr>
               <a:t>2                                       </a:t>
             </a:r>
             <a:r>
-              <a:rPr lang="ru-RU">
+              <a:rPr lang="ru-RU" dirty="0" err="1">
                 <a:solidFill>
                   <a:schemeClr val="tx1"/>
                 </a:solidFill>
                 <a:latin typeface="Times New Roman"/>
                 <a:cs typeface="Times New Roman"/>
               </a:rPr>
-              <a:t>Валюк А.В.</a:t>
-            </a:r>
-            <a:r>
-              <a:rPr lang="ru-RU">
-                <a:solidFill>
-                  <a:srgbClr val="FF0000"/>
+              <a:t>Валюк</a:t>
+            </a:r>
+            <a:r>
+              <a:rPr lang="ru-RU" dirty="0">
+                <a:solidFill>
+                  <a:schemeClr val="tx1"/>
                 </a:solidFill>
                 <a:latin typeface="Times New Roman"/>
                 <a:cs typeface="Times New Roman"/>
               </a:rPr>
-              <a:t>	</a:t>
-            </a:r>
-            <a:r>
-              <a:rPr lang="ru-RU">
+              <a:t> А.В.</a:t>
+            </a:r>
+            <a:r>
+              <a:rPr lang="ru-RU" dirty="0">
+                <a:solidFill>
+                  <a:srgbClr val="FF0000"/>
+                </a:solidFill>
                 <a:latin typeface="Times New Roman"/>
                 <a:cs typeface="Times New Roman"/>
               </a:rPr>
-              <a:t>	                                                        </a:t>
-            </a:r>
-            <a:r>
-              <a:rPr lang="ru-RU" u="sng">
+              <a:t>	</a:t>
+            </a:r>
+            <a:r>
+              <a:rPr lang="ru-RU" dirty="0">
                 <a:latin typeface="Times New Roman"/>
                 <a:cs typeface="Times New Roman"/>
               </a:rPr>
-              <a:t>Руководитель КП</a:t>
-            </a:r>
-            <a:r>
-              <a:rPr lang="ru-RU">
+              <a:t>	                                                        </a:t>
+            </a:r>
+            <a:r>
+              <a:rPr lang="ru-RU" u="sng" dirty="0">
                 <a:latin typeface="Times New Roman"/>
                 <a:cs typeface="Times New Roman"/>
               </a:rPr>
+              <a:t>Руководитель КП</a:t>
+            </a:r>
+            <a:r>
+              <a:rPr lang="ru-RU" dirty="0">
+                <a:latin typeface="Times New Roman"/>
+                <a:cs typeface="Times New Roman"/>
+              </a:rPr>
               <a:t>:</a:t>
             </a:r>
-            <a:endParaRPr/>
+            <a:endParaRPr dirty="0"/>
           </a:p>
           <a:p>
             <a:pPr>
@@ -5644,13 +5940,13 @@
               <a:defRPr/>
             </a:pPr>
             <a:r>
-              <a:rPr lang="ru-RU">
+              <a:rPr lang="ru-RU" dirty="0">
                 <a:latin typeface="Times New Roman"/>
                 <a:cs typeface="Times New Roman"/>
               </a:rPr>
               <a:t>преподаватель ГБПОУ «ИЭК»</a:t>
             </a:r>
-            <a:endParaRPr/>
+            <a:endParaRPr dirty="0"/>
           </a:p>
           <a:p>
             <a:pPr>
@@ -5659,34 +5955,20 @@
               <a:defRPr/>
             </a:pPr>
             <a:r>
-              <a:rPr lang="ru-RU">
+              <a:rPr lang="ru-RU" dirty="0" err="1">
                 <a:latin typeface="Times New Roman"/>
                 <a:cs typeface="Times New Roman"/>
               </a:rPr>
               <a:t>Шекунов</a:t>
             </a:r>
             <a:r>
-              <a:rPr lang="ru-RU">
+              <a:rPr lang="ru-RU" dirty="0">
                 <a:latin typeface="Times New Roman"/>
                 <a:cs typeface="Times New Roman"/>
               </a:rPr>
-              <a:t> </a:t>
-            </a:r>
-            <a:r>
-              <a:rPr lang="ru-RU">
-                <a:latin typeface="Times New Roman"/>
-                <a:cs typeface="Times New Roman"/>
-              </a:rPr>
-              <a:t>Е.А</a:t>
-            </a:r>
-            <a:r>
-              <a:rPr lang="ru-RU">
-                <a:latin typeface="Times New Roman"/>
-                <a:cs typeface="Times New Roman"/>
-              </a:rPr>
-              <a:t>.</a:t>
-            </a:r>
-            <a:endParaRPr/>
+              <a:t> Е.А.</a:t>
+            </a:r>
+            <a:endParaRPr dirty="0"/>
           </a:p>
         </p:txBody>
       </p:sp>
@@ -5907,20 +6189,12 @@
   <p:clrMapOvr>
     <a:masterClrMapping/>
   </p:clrMapOvr>
-  <mc:AlternateContent xmlns:mc="http://schemas.openxmlformats.org/markup-compatibility/2006">
-    <mc:Choice xmlns:p159="http://schemas.microsoft.com/office/powerpoint/2015/09/main" xmlns:p14="http://schemas.microsoft.com/office/powerpoint/2010/main" Requires="p159">
-      <p:transition p14:dur="2000" advClick="1"/>
-    </mc:Choice>
-    <mc:Fallback>
-      <p:transition advClick="1"/>
-    </mc:Fallback>
-  </mc:AlternateContent>
 </p:sld>
 </file>
 
 <file path=ppt/slides/slide10.xml><?xml version="1.0" encoding="utf-8"?>
-<p:sld xmlns:a="http://schemas.openxmlformats.org/drawingml/2006/main" xmlns:r="http://schemas.openxmlformats.org/officeDocument/2006/relationships" xmlns:p="http://schemas.openxmlformats.org/presentationml/2006/main" xmlns:m="http://schemas.openxmlformats.org/officeDocument/2006/math" xmlns:w="http://schemas.openxmlformats.org/wordprocessingml/2006/main" xmlns:mc="http://schemas.openxmlformats.org/markup-compatibility/2006" showMasterPhAnim="0" showMasterSp="1" show="1">
-  <p:cSld name="">
+<p:sld xmlns:a="http://schemas.openxmlformats.org/drawingml/2006/main" xmlns:r="http://schemas.openxmlformats.org/officeDocument/2006/relationships" xmlns:p="http://schemas.openxmlformats.org/presentationml/2006/main" showMasterPhAnim="0">
+  <p:cSld>
     <p:spTree>
       <p:nvGrpSpPr>
         <p:cNvPr id="1" name=""/>
@@ -5937,7 +6211,7 @@
       </p:grpSpPr>
       <p:sp>
         <p:nvSpPr>
-          <p:cNvPr id="1439800375" name="Title 1"/>
+          <p:cNvPr id="231014510" name="Title 1"/>
           <p:cNvSpPr>
             <a:spLocks noGrp="1"/>
           </p:cNvSpPr>
@@ -5954,6 +6228,173 @@
               <a:defRPr/>
             </a:pPr>
             <a:r>
+              <a:rPr lang="ru-RU" dirty="0">
+                <a:latin typeface="Times New Roman" panose="02020603050405020304" pitchFamily="18" charset="0"/>
+                <a:cs typeface="Times New Roman" panose="02020603050405020304" pitchFamily="18" charset="0"/>
+              </a:rPr>
+              <a:t>Принципиальная схема</a:t>
+            </a:r>
+            <a:endParaRPr dirty="0">
+              <a:latin typeface="Times New Roman" panose="02020603050405020304" pitchFamily="18" charset="0"/>
+              <a:cs typeface="Times New Roman" panose="02020603050405020304" pitchFamily="18" charset="0"/>
+            </a:endParaRPr>
+          </a:p>
+        </p:txBody>
+      </p:sp>
+      <p:pic>
+        <p:nvPicPr>
+          <p:cNvPr id="1899470062" name="Рисунок 1899470061"/>
+          <p:cNvPicPr>
+            <a:picLocks noChangeAspect="1"/>
+          </p:cNvPicPr>
+          <p:nvPr/>
+        </p:nvPicPr>
+        <p:blipFill>
+          <a:blip r:embed="rId3"/>
+          <a:stretch/>
+        </p:blipFill>
+        <p:spPr bwMode="auto">
+          <a:xfrm>
+            <a:off x="2015970" y="1690687"/>
+            <a:ext cx="3461721" cy="4647459"/>
+          </a:xfrm>
+          <a:prstGeom prst="rect">
+            <a:avLst/>
+          </a:prstGeom>
+        </p:spPr>
+      </p:pic>
+      <p:sp>
+        <p:nvSpPr>
+          <p:cNvPr id="73772463" name="TextBox 73772462"/>
+          <p:cNvSpPr txBox="1"/>
+          <p:nvPr/>
+        </p:nvSpPr>
+        <p:spPr bwMode="auto">
+          <a:xfrm>
+            <a:off x="6049171" y="2505477"/>
+            <a:ext cx="4349286" cy="2569486"/>
+          </a:xfrm>
+          <a:prstGeom prst="rect">
+            <a:avLst/>
+          </a:prstGeom>
+          <a:noFill/>
+        </p:spPr>
+        <p:txBody>
+          <a:bodyPr vertOverflow="overflow" horzOverflow="overflow" vert="horz" wrap="square" lIns="91440" tIns="45720" rIns="91440" bIns="45720" numCol="1" spcCol="0" rtlCol="0" fromWordArt="0" anchor="t" anchorCtr="0" forceAA="0" compatLnSpc="0">
+            <a:spAutoFit/>
+          </a:bodyPr>
+          <a:lstStyle/>
+          <a:p>
+            <a:pPr marL="0" indent="450000" algn="just">
+              <a:lnSpc>
+                <a:spcPct val="100000"/>
+              </a:lnSpc>
+              <a:buFont typeface="Arial"/>
+              <a:buNone/>
+              <a:defRPr/>
+            </a:pPr>
+            <a:r>
+              <a:rPr lang="ru-RU" sz="2400" b="0" i="0" u="none" dirty="0">
+                <a:solidFill>
+                  <a:srgbClr val="000000"/>
+                </a:solidFill>
+                <a:latin typeface="Times New Roman" panose="02020603050405020304" pitchFamily="18" charset="0"/>
+                <a:ea typeface="Arial"/>
+                <a:cs typeface="Times New Roman" panose="02020603050405020304" pitchFamily="18" charset="0"/>
+              </a:rPr>
+              <a:t>Для работы был применен микроконтроллер </a:t>
+            </a:r>
+            <a:r>
+              <a:rPr lang="en-US" sz="2400" b="0" i="0" u="none" dirty="0">
+                <a:solidFill>
+                  <a:srgbClr val="000000"/>
+                </a:solidFill>
+                <a:latin typeface="Times New Roman" panose="02020603050405020304" pitchFamily="18" charset="0"/>
+                <a:ea typeface="Arial"/>
+                <a:cs typeface="Times New Roman" panose="02020603050405020304" pitchFamily="18" charset="0"/>
+              </a:rPr>
+              <a:t>Attiny85-20PU. </a:t>
+            </a:r>
+            <a:r>
+              <a:rPr lang="ru-RU" sz="2400" b="0" i="0" u="none" dirty="0">
+                <a:solidFill>
+                  <a:srgbClr val="000000"/>
+                </a:solidFill>
+                <a:latin typeface="Times New Roman" panose="02020603050405020304" pitchFamily="18" charset="0"/>
+                <a:ea typeface="Arial"/>
+                <a:cs typeface="Times New Roman" panose="02020603050405020304" pitchFamily="18" charset="0"/>
+              </a:rPr>
+              <a:t>Дисплей с панелью управления с кнопками и узлы питания 5</a:t>
+            </a:r>
+            <a:r>
+              <a:rPr lang="en-US" sz="2400" b="0" i="0" u="none" dirty="0">
+                <a:solidFill>
+                  <a:srgbClr val="000000"/>
+                </a:solidFill>
+                <a:latin typeface="Times New Roman" panose="02020603050405020304" pitchFamily="18" charset="0"/>
+                <a:ea typeface="Arial"/>
+                <a:cs typeface="Times New Roman" panose="02020603050405020304" pitchFamily="18" charset="0"/>
+              </a:rPr>
+              <a:t>V</a:t>
+            </a:r>
+            <a:r>
+              <a:rPr lang="ru-RU" sz="2400" dirty="0">
+                <a:latin typeface="Times New Roman" panose="02020603050405020304" pitchFamily="18" charset="0"/>
+                <a:cs typeface="Times New Roman" panose="02020603050405020304" pitchFamily="18" charset="0"/>
+              </a:rPr>
+              <a:t>, кнопки аппаратной перезагрузки и подключения щупа.</a:t>
+            </a:r>
+            <a:endParaRPr dirty="0">
+              <a:latin typeface="Times New Roman" panose="02020603050405020304" pitchFamily="18" charset="0"/>
+              <a:cs typeface="Times New Roman" panose="02020603050405020304" pitchFamily="18" charset="0"/>
+            </a:endParaRPr>
+          </a:p>
+        </p:txBody>
+      </p:sp>
+    </p:spTree>
+  </p:cSld>
+  <p:clrMapOvr>
+    <a:masterClrMapping/>
+  </p:clrMapOvr>
+</p:sld>
+</file>
+
+<file path=ppt/slides/slide11.xml><?xml version="1.0" encoding="utf-8"?>
+<p:sld xmlns:a="http://schemas.openxmlformats.org/drawingml/2006/main" xmlns:r="http://schemas.openxmlformats.org/officeDocument/2006/relationships" xmlns:p="http://schemas.openxmlformats.org/presentationml/2006/main" showMasterPhAnim="0">
+  <p:cSld>
+    <p:spTree>
+      <p:nvGrpSpPr>
+        <p:cNvPr id="1" name=""/>
+        <p:cNvGrpSpPr/>
+        <p:nvPr/>
+      </p:nvGrpSpPr>
+      <p:grpSpPr bwMode="auto">
+        <a:xfrm>
+          <a:off x="0" y="0"/>
+          <a:ext cx="0" cy="0"/>
+          <a:chOff x="0" y="0"/>
+          <a:chExt cx="0" cy="0"/>
+        </a:xfrm>
+      </p:grpSpPr>
+      <p:sp>
+        <p:nvSpPr>
+          <p:cNvPr id="1439800375" name="Title 1"/>
+          <p:cNvSpPr>
+            <a:spLocks noGrp="1"/>
+          </p:cNvSpPr>
+          <p:nvPr>
+            <p:ph type="title"/>
+          </p:nvPr>
+        </p:nvSpPr>
+        <p:spPr bwMode="auto"/>
+        <p:txBody>
+          <a:bodyPr/>
+          <a:lstStyle/>
+          <a:p>
+            <a:pPr>
+              <a:defRPr/>
+            </a:pPr>
+            <a:r>
               <a:rPr lang="ru-RU"/>
               <a:t>Экран отображения</a:t>
             </a:r>
@@ -5963,7 +6404,7 @@
       </p:sp>
       <p:pic>
         <p:nvPicPr>
-          <p:cNvPr id="1034200566" name=""/>
+          <p:cNvPr id="1034200566" name="Рисунок 1034200565"/>
           <p:cNvPicPr>
             <a:picLocks noChangeAspect="1"/>
           </p:cNvPicPr>
@@ -5985,7 +6426,7 @@
       </p:pic>
       <p:pic>
         <p:nvPicPr>
-          <p:cNvPr id="673684076" name=""/>
+          <p:cNvPr id="673684076" name="Рисунок 673684075"/>
           <p:cNvPicPr>
             <a:picLocks noChangeAspect="1"/>
           </p:cNvPicPr>
@@ -6007,14 +6448,14 @@
       </p:pic>
       <p:sp>
         <p:nvSpPr>
-          <p:cNvPr id="2107726064" name=""/>
+          <p:cNvPr id="2107726064" name="TextBox 2107726063"/>
           <p:cNvSpPr txBox="1"/>
           <p:nvPr/>
         </p:nvSpPr>
         <p:spPr bwMode="auto">
-          <a:xfrm flipH="0" flipV="0">
+          <a:xfrm>
             <a:off x="1397442" y="5317576"/>
-            <a:ext cx="4423293" cy="914760"/>
+            <a:ext cx="4423293" cy="623248"/>
           </a:xfrm>
           <a:prstGeom prst="rect">
             <a:avLst/>
@@ -6022,9 +6463,10 @@
           <a:noFill/>
         </p:spPr>
         <p:txBody>
-          <a:bodyPr vertOverflow="overflow" horzOverflow="overflow" vert="horz" wrap="square" lIns="91440" tIns="45720" rIns="91440" bIns="45720" numCol="1" spcCol="0" rtlCol="0" fromWordArt="0" anchor="t" anchorCtr="0" forceAA="0" upright="0" compatLnSpc="0">
+          <a:bodyPr vertOverflow="overflow" horzOverflow="overflow" vert="horz" wrap="square" lIns="91440" tIns="45720" rIns="91440" bIns="45720" numCol="1" spcCol="0" rtlCol="0" fromWordArt="0" anchor="t" anchorCtr="0" forceAA="0" compatLnSpc="0">
             <a:spAutoFit/>
           </a:bodyPr>
+          <a:lstStyle/>
           <a:p>
             <a:pPr marL="0" indent="0" algn="ctr">
               <a:lnSpc>
@@ -6035,43 +6477,49 @@
               <a:defRPr/>
             </a:pPr>
             <a:r>
-              <a:rPr lang="ru-RU" b="0" i="0" u="none">
-                <a:solidFill>
-                  <a:srgbClr val="000000"/>
-                </a:solidFill>
-                <a:latin typeface="Arial"/>
-                <a:ea typeface="Arial"/>
-                <a:cs typeface="Arial"/>
+              <a:rPr lang="ru-RU" b="0" i="0" u="none" dirty="0">
+                <a:solidFill>
+                  <a:srgbClr val="000000"/>
+                </a:solidFill>
+                <a:latin typeface="Times New Roman" panose="02020603050405020304" pitchFamily="18" charset="0"/>
+                <a:ea typeface="Arial"/>
+                <a:cs typeface="Times New Roman" panose="02020603050405020304" pitchFamily="18" charset="0"/>
               </a:rPr>
               <a:t>Принципиальная схема платы дисплея, с учетом внутреннего подключения кнопок</a:t>
             </a:r>
-            <a:endParaRPr/>
-          </a:p>
-        </p:txBody>
-      </p:sp>
-      <p:sp>
-        <p:nvSpPr>
-          <p:cNvPr id="1419468225" name=""/>
+            <a:endParaRPr dirty="0">
+              <a:latin typeface="Times New Roman" panose="02020603050405020304" pitchFamily="18" charset="0"/>
+              <a:cs typeface="Times New Roman" panose="02020603050405020304" pitchFamily="18" charset="0"/>
+            </a:endParaRPr>
+          </a:p>
+        </p:txBody>
+      </p:sp>
+      <p:sp>
+        <p:nvSpPr>
+          <p:cNvPr id="1419468225" name=" 1419468224"/>
           <p:cNvSpPr/>
           <p:nvPr/>
         </p:nvSpPr>
         <p:spPr bwMode="auto">
-          <a:xfrm flipH="0" flipV="0">
+          <a:xfrm>
             <a:off x="6767141" y="5132431"/>
             <a:ext cx="4410879" cy="366119"/>
           </a:xfrm>
         </p:spPr>
         <p:txBody>
-          <a:bodyPr rot="0" spcFirstLastPara="0" vertOverflow="overflow" horzOverflow="overflow" vert="horz" wrap="square" lIns="91440" tIns="45720" rIns="91440" bIns="45720" numCol="1" spcCol="0" rtlCol="0" fromWordArt="0" anchor="t" anchorCtr="0" forceAA="0" upright="0" compatLnSpc="1">
-            <a:prstTxWarp prst="textNoShape"/>
+          <a:bodyPr rot="0" spcFirstLastPara="0" vertOverflow="overflow" horzOverflow="overflow" vert="horz" wrap="square" lIns="91440" tIns="45720" rIns="91440" bIns="45720" numCol="1" spcCol="0" rtlCol="0" fromWordArt="0" anchor="t" anchorCtr="0" forceAA="0" compatLnSpc="1">
+            <a:prstTxWarp prst="textNoShape">
+              <a:avLst/>
+            </a:prstTxWarp>
             <a:spAutoFit/>
           </a:bodyPr>
+          <a:lstStyle/>
           <a:p>
             <a:pPr algn="ctr">
               <a:defRPr/>
             </a:pPr>
             <a:r>
-              <a:rPr sz="1800" b="0" i="0" u="none">
+              <a:rPr sz="1800" b="0" i="0" u="none" dirty="0">
                 <a:solidFill>
                   <a:srgbClr val="000000"/>
                 </a:solidFill>
@@ -6079,31 +6527,67 @@
                 <a:ea typeface="Arial"/>
                 <a:cs typeface="Arial"/>
               </a:rPr>
-              <a:t> 0,96 дюймов OLED </a:t>
-            </a:r>
-            <a:r>
-              <a:rPr lang="ru-RU" sz="1800" b="0" i="0" u="none">
-                <a:solidFill>
-                  <a:srgbClr val="000000"/>
-                </a:solidFill>
-                <a:latin typeface="Arial"/>
-                <a:ea typeface="Arial"/>
-                <a:cs typeface="Arial"/>
+              <a:t> </a:t>
+            </a:r>
+            <a:r>
+              <a:rPr sz="1800" b="0" i="0" u="none" dirty="0">
+                <a:solidFill>
+                  <a:srgbClr val="000000"/>
+                </a:solidFill>
+                <a:latin typeface="Times New Roman" panose="02020603050405020304" pitchFamily="18" charset="0"/>
+                <a:ea typeface="Arial"/>
+                <a:cs typeface="Times New Roman" panose="02020603050405020304" pitchFamily="18" charset="0"/>
+              </a:rPr>
+              <a:t>0,96 </a:t>
+            </a:r>
+            <a:r>
+              <a:rPr sz="1800" b="0" i="0" u="none" dirty="0" err="1">
+                <a:solidFill>
+                  <a:srgbClr val="000000"/>
+                </a:solidFill>
+                <a:latin typeface="Times New Roman" panose="02020603050405020304" pitchFamily="18" charset="0"/>
+                <a:ea typeface="Arial"/>
+                <a:cs typeface="Times New Roman" panose="02020603050405020304" pitchFamily="18" charset="0"/>
+              </a:rPr>
+              <a:t>дюймов</a:t>
+            </a:r>
+            <a:r>
+              <a:rPr sz="1800" b="0" i="0" u="none" dirty="0">
+                <a:solidFill>
+                  <a:srgbClr val="000000"/>
+                </a:solidFill>
+                <a:latin typeface="Times New Roman" panose="02020603050405020304" pitchFamily="18" charset="0"/>
+                <a:ea typeface="Arial"/>
+                <a:cs typeface="Times New Roman" panose="02020603050405020304" pitchFamily="18" charset="0"/>
+              </a:rPr>
+              <a:t> OLED </a:t>
+            </a:r>
+            <a:r>
+              <a:rPr lang="ru-RU" sz="1800" b="0" i="0" u="none" dirty="0">
+                <a:solidFill>
+                  <a:srgbClr val="000000"/>
+                </a:solidFill>
+                <a:latin typeface="Times New Roman" panose="02020603050405020304" pitchFamily="18" charset="0"/>
+                <a:ea typeface="Arial"/>
+                <a:cs typeface="Times New Roman" panose="02020603050405020304" pitchFamily="18" charset="0"/>
               </a:rPr>
               <a:t>дисплей</a:t>
             </a:r>
             <a:r>
-              <a:rPr sz="1800" b="0" i="0" u="none">
-                <a:solidFill>
-                  <a:srgbClr val="000000"/>
-                </a:solidFill>
-                <a:latin typeface="Arial"/>
-                <a:ea typeface="Arial"/>
-                <a:cs typeface="Arial"/>
+              <a:rPr sz="1800" b="0" i="0" u="none" dirty="0">
+                <a:solidFill>
+                  <a:srgbClr val="000000"/>
+                </a:solidFill>
+                <a:latin typeface="Times New Roman" panose="02020603050405020304" pitchFamily="18" charset="0"/>
+                <a:ea typeface="Arial"/>
+                <a:cs typeface="Times New Roman" panose="02020603050405020304" pitchFamily="18" charset="0"/>
               </a:rPr>
               <a:t> 12864</a:t>
             </a:r>
-            <a:endParaRPr/>
+            <a:endParaRPr dirty="0">
+              <a:latin typeface="Times New Roman" panose="02020603050405020304" pitchFamily="18" charset="0"/>
+              <a:cs typeface="Times New Roman" panose="02020603050405020304" pitchFamily="18" charset="0"/>
+            </a:endParaRPr>
           </a:p>
         </p:txBody>
       </p:sp>
@@ -6112,20 +6596,12 @@
   <p:clrMapOvr>
     <a:masterClrMapping/>
   </p:clrMapOvr>
-  <mc:AlternateContent xmlns:mc="http://schemas.openxmlformats.org/markup-compatibility/2006">
-    <mc:Choice xmlns:p159="http://schemas.microsoft.com/office/powerpoint/2015/09/main" xmlns:p14="http://schemas.microsoft.com/office/powerpoint/2010/main" Requires="p159">
-      <p:transition p14:dur="2000" advClick="1"/>
-    </mc:Choice>
-    <mc:Fallback>
-      <p:transition advClick="1"/>
-    </mc:Fallback>
-  </mc:AlternateContent>
 </p:sld>
 </file>
 
-<file path=ppt/slides/slide11.xml><?xml version="1.0" encoding="utf-8"?>
-<p:sld xmlns:a="http://schemas.openxmlformats.org/drawingml/2006/main" xmlns:r="http://schemas.openxmlformats.org/officeDocument/2006/relationships" xmlns:p="http://schemas.openxmlformats.org/presentationml/2006/main" xmlns:m="http://schemas.openxmlformats.org/officeDocument/2006/math" xmlns:w="http://schemas.openxmlformats.org/wordprocessingml/2006/main" xmlns:mc="http://schemas.openxmlformats.org/markup-compatibility/2006" showMasterPhAnim="0" showMasterSp="1" show="1">
-  <p:cSld name="">
+<file path=ppt/slides/slide12.xml><?xml version="1.0" encoding="utf-8"?>
+<p:sld xmlns:a="http://schemas.openxmlformats.org/drawingml/2006/main" xmlns:r="http://schemas.openxmlformats.org/officeDocument/2006/relationships" xmlns:p="http://schemas.openxmlformats.org/presentationml/2006/main" showMasterPhAnim="0">
+  <p:cSld>
     <p:spTree>
       <p:nvGrpSpPr>
         <p:cNvPr id="1" name=""/>
@@ -6159,16 +6635,22 @@
               <a:defRPr/>
             </a:pPr>
             <a:r>
-              <a:rPr lang="ru-RU"/>
+              <a:rPr lang="ru-RU" dirty="0">
+                <a:latin typeface="Times New Roman" panose="02020603050405020304" pitchFamily="18" charset="0"/>
+                <a:cs typeface="Times New Roman" panose="02020603050405020304" pitchFamily="18" charset="0"/>
+              </a:rPr>
               <a:t>Трассировка платы</a:t>
             </a:r>
-            <a:endParaRPr/>
+            <a:endParaRPr dirty="0">
+              <a:latin typeface="Times New Roman" panose="02020603050405020304" pitchFamily="18" charset="0"/>
+              <a:cs typeface="Times New Roman" panose="02020603050405020304" pitchFamily="18" charset="0"/>
+            </a:endParaRPr>
           </a:p>
         </p:txBody>
       </p:sp>
       <p:pic>
         <p:nvPicPr>
-          <p:cNvPr id="1952310284" name=""/>
+          <p:cNvPr id="1952310284" name="Рисунок 1952310283"/>
           <p:cNvPicPr>
             <a:picLocks noChangeAspect="1"/>
           </p:cNvPicPr>
@@ -6179,8 +6661,8 @@
           <a:stretch/>
         </p:blipFill>
         <p:spPr bwMode="auto">
-          <a:xfrm flipH="0" flipV="0">
-            <a:off x="6761824" y="1562839"/>
+          <a:xfrm>
+            <a:off x="6597922" y="1502454"/>
             <a:ext cx="4358726" cy="4697951"/>
           </a:xfrm>
           <a:prstGeom prst="rect">
@@ -6190,14 +6672,14 @@
       </p:pic>
       <p:sp>
         <p:nvSpPr>
-          <p:cNvPr id="270511386" name=""/>
+          <p:cNvPr id="270511386" name="TextBox 270511385"/>
           <p:cNvSpPr txBox="1"/>
           <p:nvPr/>
         </p:nvSpPr>
         <p:spPr bwMode="auto">
-          <a:xfrm flipH="0" flipV="0">
-            <a:off x="1024415" y="3134395"/>
-            <a:ext cx="4998141" cy="1189080"/>
+          <a:xfrm>
+            <a:off x="1033041" y="2651316"/>
+            <a:ext cx="4998141" cy="1863074"/>
           </a:xfrm>
           <a:prstGeom prst="rect">
             <a:avLst/>
@@ -6205,11 +6687,12 @@
           <a:noFill/>
         </p:spPr>
         <p:txBody>
-          <a:bodyPr vertOverflow="overflow" horzOverflow="overflow" vert="horz" wrap="square" lIns="91440" tIns="45720" rIns="91440" bIns="45720" numCol="1" spcCol="0" rtlCol="0" fromWordArt="0" anchor="t" anchorCtr="0" forceAA="0" upright="0" compatLnSpc="0">
+          <a:bodyPr vertOverflow="overflow" horzOverflow="overflow" vert="horz" wrap="square" lIns="91440" tIns="45720" rIns="91440" bIns="45720" numCol="1" spcCol="0" rtlCol="0" fromWordArt="0" anchor="t" anchorCtr="0" forceAA="0" compatLnSpc="0">
             <a:spAutoFit/>
           </a:bodyPr>
-          <a:p>
-            <a:pPr marL="0" indent="0" algn="just">
+          <a:lstStyle/>
+          <a:p>
+            <a:pPr marL="0" indent="450000" algn="just">
               <a:lnSpc>
                 <a:spcPct val="100000"/>
               </a:lnSpc>
@@ -6218,17 +6701,31 @@
               <a:defRPr/>
             </a:pPr>
             <a:r>
-              <a:rPr lang="ru-RU" sz="2400" b="0" i="0" u="none">
-                <a:solidFill>
-                  <a:srgbClr val="000000"/>
-                </a:solidFill>
-                <a:latin typeface="Arial"/>
-                <a:ea typeface="Arial"/>
-                <a:cs typeface="Arial"/>
-              </a:rPr>
-              <a:t>	Была произведена трассировка платы и создание топологии компонентов на ней.</a:t>
-            </a:r>
-            <a:endParaRPr/>
+              <a:rPr lang="ru-RU" sz="2400" b="0" i="0" u="none" dirty="0">
+                <a:solidFill>
+                  <a:srgbClr val="000000"/>
+                </a:solidFill>
+                <a:latin typeface="Times New Roman" panose="02020603050405020304" pitchFamily="18" charset="0"/>
+                <a:ea typeface="Arial"/>
+                <a:cs typeface="Times New Roman" panose="02020603050405020304" pitchFamily="18" charset="0"/>
+              </a:rPr>
+              <a:t>Была произведена трассировка платы и распределение топологии компонентов на ней. Дл</a:t>
+            </a:r>
+            <a:r>
+              <a:rPr lang="ru-RU" sz="2400" dirty="0">
+                <a:solidFill>
+                  <a:srgbClr val="000000"/>
+                </a:solidFill>
+                <a:latin typeface="Times New Roman" panose="02020603050405020304" pitchFamily="18" charset="0"/>
+                <a:ea typeface="Arial"/>
+                <a:cs typeface="Times New Roman" panose="02020603050405020304" pitchFamily="18" charset="0"/>
+              </a:rPr>
+              <a:t>я создания должен быть применен двухсторонний текстолит</a:t>
+            </a:r>
+            <a:endParaRPr dirty="0">
+              <a:latin typeface="Times New Roman" panose="02020603050405020304" pitchFamily="18" charset="0"/>
+              <a:cs typeface="Times New Roman" panose="02020603050405020304" pitchFamily="18" charset="0"/>
+            </a:endParaRPr>
           </a:p>
         </p:txBody>
       </p:sp>
@@ -6237,20 +6734,116 @@
   <p:clrMapOvr>
     <a:masterClrMapping/>
   </p:clrMapOvr>
-  <mc:AlternateContent xmlns:mc="http://schemas.openxmlformats.org/markup-compatibility/2006">
-    <mc:Choice xmlns:p159="http://schemas.microsoft.com/office/powerpoint/2015/09/main" xmlns:p14="http://schemas.microsoft.com/office/powerpoint/2010/main" Requires="p159">
-      <p:transition p14:dur="2000" advClick="1"/>
-    </mc:Choice>
-    <mc:Fallback>
-      <p:transition advClick="1"/>
-    </mc:Fallback>
-  </mc:AlternateContent>
 </p:sld>
 </file>
 
-<file path=ppt/slides/slide2.xml><?xml version="1.0" encoding="utf-8"?>
-<p:sld xmlns:a="http://schemas.openxmlformats.org/drawingml/2006/main" xmlns:r="http://schemas.openxmlformats.org/officeDocument/2006/relationships" xmlns:p="http://schemas.openxmlformats.org/presentationml/2006/main" xmlns:m="http://schemas.openxmlformats.org/officeDocument/2006/math" xmlns:w="http://schemas.openxmlformats.org/wordprocessingml/2006/main" xmlns:mc="http://schemas.openxmlformats.org/markup-compatibility/2006" showMasterPhAnim="0" showMasterSp="1" show="1">
-  <p:cSld name="">
+<file path=ppt/slides/slide13.xml><?xml version="1.0" encoding="utf-8"?>
+<p:sld xmlns:a="http://schemas.openxmlformats.org/drawingml/2006/main" xmlns:r="http://schemas.openxmlformats.org/officeDocument/2006/relationships" xmlns:p="http://schemas.openxmlformats.org/presentationml/2006/main" showMasterPhAnim="0">
+  <p:cSld>
+    <p:spTree>
+      <p:nvGrpSpPr>
+        <p:cNvPr id="1" name="">
+          <a:extLst>
+            <a:ext uri="{FF2B5EF4-FFF2-40B4-BE49-F238E27FC236}">
+              <a16:creationId xmlns:a16="http://schemas.microsoft.com/office/drawing/2014/main" id="{87180A55-6B31-2308-2FDB-BB3CC3F2ED42}"/>
+            </a:ext>
+          </a:extLst>
+        </p:cNvPr>
+        <p:cNvGrpSpPr/>
+        <p:nvPr/>
+      </p:nvGrpSpPr>
+      <p:grpSpPr bwMode="auto">
+        <a:xfrm>
+          <a:off x="0" y="0"/>
+          <a:ext cx="0" cy="0"/>
+          <a:chOff x="0" y="0"/>
+          <a:chExt cx="0" cy="0"/>
+        </a:xfrm>
+      </p:grpSpPr>
+      <p:sp>
+        <p:nvSpPr>
+          <p:cNvPr id="862851913" name="Title 1">
+            <a:extLst>
+              <a:ext uri="{FF2B5EF4-FFF2-40B4-BE49-F238E27FC236}">
+                <a16:creationId xmlns:a16="http://schemas.microsoft.com/office/drawing/2014/main" id="{F7E1AD6C-C4F8-38CC-AE96-B7278B946B14}"/>
+              </a:ext>
+            </a:extLst>
+          </p:cNvPr>
+          <p:cNvSpPr>
+            <a:spLocks noGrp="1"/>
+          </p:cNvSpPr>
+          <p:nvPr>
+            <p:ph type="title"/>
+          </p:nvPr>
+        </p:nvSpPr>
+        <p:spPr bwMode="auto"/>
+        <p:txBody>
+          <a:bodyPr/>
+          <a:lstStyle/>
+          <a:p>
+            <a:pPr>
+              <a:defRPr/>
+            </a:pPr>
+            <a:r>
+              <a:rPr lang="ru-RU" dirty="0">
+                <a:latin typeface="Times New Roman" panose="02020603050405020304" pitchFamily="18" charset="0"/>
+                <a:cs typeface="Times New Roman" panose="02020603050405020304" pitchFamily="18" charset="0"/>
+              </a:rPr>
+              <a:t>Трассировка платы</a:t>
+            </a:r>
+            <a:endParaRPr dirty="0">
+              <a:latin typeface="Times New Roman" panose="02020603050405020304" pitchFamily="18" charset="0"/>
+              <a:cs typeface="Times New Roman" panose="02020603050405020304" pitchFamily="18" charset="0"/>
+            </a:endParaRPr>
+          </a:p>
+        </p:txBody>
+      </p:sp>
+      <p:pic>
+        <p:nvPicPr>
+          <p:cNvPr id="7" name="Рисунок 6">
+            <a:extLst>
+              <a:ext uri="{FF2B5EF4-FFF2-40B4-BE49-F238E27FC236}">
+                <a16:creationId xmlns:a16="http://schemas.microsoft.com/office/drawing/2014/main" id="{D405675D-E0C1-EAA2-5551-0722AB77BA63}"/>
+              </a:ext>
+            </a:extLst>
+          </p:cNvPr>
+          <p:cNvPicPr>
+            <a:picLocks noChangeAspect="1"/>
+          </p:cNvPicPr>
+          <p:nvPr/>
+        </p:nvPicPr>
+        <p:blipFill>
+          <a:blip r:embed="rId3"/>
+          <a:stretch>
+            <a:fillRect/>
+          </a:stretch>
+        </p:blipFill>
+        <p:spPr>
+          <a:xfrm>
+            <a:off x="3553328" y="1417638"/>
+            <a:ext cx="5085344" cy="4970981"/>
+          </a:xfrm>
+          <a:prstGeom prst="rect">
+            <a:avLst/>
+          </a:prstGeom>
+        </p:spPr>
+      </p:pic>
+    </p:spTree>
+    <p:extLst>
+      <p:ext uri="{BB962C8B-B14F-4D97-AF65-F5344CB8AC3E}">
+        <p14:creationId xmlns:p14="http://schemas.microsoft.com/office/powerpoint/2010/main" val="1602295547"/>
+      </p:ext>
+    </p:extLst>
+  </p:cSld>
+  <p:clrMapOvr>
+    <a:masterClrMapping/>
+  </p:clrMapOvr>
+</p:sld>
+</file>
+
+<file path=ppt/slides/slide14.xml><?xml version="1.0" encoding="utf-8"?>
+<p:sld xmlns:a="http://schemas.openxmlformats.org/drawingml/2006/main" xmlns:r="http://schemas.openxmlformats.org/officeDocument/2006/relationships" xmlns:p="http://schemas.openxmlformats.org/presentationml/2006/main" showMasterPhAnim="0">
+  <p:cSld>
     <p:spTree>
       <p:nvGrpSpPr>
         <p:cNvPr id="1" name=""/>
@@ -6267,7 +6860,7 @@
       </p:grpSpPr>
       <p:sp>
         <p:nvSpPr>
-          <p:cNvPr id="824845909" name="Title 1"/>
+          <p:cNvPr id="862851913" name="Title 1"/>
           <p:cNvSpPr>
             <a:spLocks noGrp="1"/>
           </p:cNvSpPr>
@@ -6284,75 +6877,1663 @@
               <a:defRPr/>
             </a:pPr>
             <a:r>
-              <a:rPr lang="ru-RU"/>
-              <a:t>Цель курсового проекта</a:t>
-            </a:r>
-            <a:endParaRPr/>
-          </a:p>
-        </p:txBody>
-      </p:sp>
-      <p:sp>
-        <p:nvSpPr>
-          <p:cNvPr id="296746449" name="Content Placeholder 2"/>
-          <p:cNvSpPr>
-            <a:spLocks noGrp="1"/>
-          </p:cNvSpPr>
-          <p:nvPr>
-            <p:ph idx="1"/>
-          </p:nvPr>
-        </p:nvSpPr>
-        <p:spPr bwMode="auto"/>
-        <p:txBody>
-          <a:bodyPr/>
+              <a:rPr lang="ru-RU" dirty="0" err="1">
+                <a:latin typeface="Times New Roman" panose="02020603050405020304" pitchFamily="18" charset="0"/>
+                <a:cs typeface="Times New Roman" panose="02020603050405020304" pitchFamily="18" charset="0"/>
+              </a:rPr>
+              <a:t>Прототипирование</a:t>
+            </a:r>
+            <a:endParaRPr dirty="0">
+              <a:latin typeface="Times New Roman" panose="02020603050405020304" pitchFamily="18" charset="0"/>
+              <a:cs typeface="Times New Roman" panose="02020603050405020304" pitchFamily="18" charset="0"/>
+            </a:endParaRPr>
+          </a:p>
+        </p:txBody>
+      </p:sp>
+      <p:pic>
+        <p:nvPicPr>
+          <p:cNvPr id="2" name="Рисунок 1"/>
+          <p:cNvPicPr>
+            <a:picLocks noChangeAspect="1"/>
+          </p:cNvPicPr>
+          <p:nvPr/>
+        </p:nvPicPr>
+        <p:blipFill>
+          <a:blip r:embed="rId3" cstate="print">
+            <a:extLst>
+              <a:ext uri="{28A0092B-C50C-407E-A947-70E740481C1C}">
+                <a14:useLocalDpi xmlns:a14="http://schemas.microsoft.com/office/drawing/2010/main" val="0"/>
+              </a:ext>
+            </a:extLst>
+          </a:blip>
+          <a:stretch>
+            <a:fillRect/>
+          </a:stretch>
+        </p:blipFill>
+        <p:spPr>
+          <a:xfrm>
+            <a:off x="609599" y="1417638"/>
+            <a:ext cx="4908057" cy="2760782"/>
+          </a:xfrm>
+          <a:prstGeom prst="rect">
+            <a:avLst/>
+          </a:prstGeom>
+        </p:spPr>
+      </p:pic>
+      <p:pic>
+        <p:nvPicPr>
+          <p:cNvPr id="3" name="Рисунок 2"/>
+          <p:cNvPicPr>
+            <a:picLocks noChangeAspect="1"/>
+          </p:cNvPicPr>
+          <p:nvPr/>
+        </p:nvPicPr>
+        <p:blipFill>
+          <a:blip r:embed="rId4" cstate="print">
+            <a:extLst>
+              <a:ext uri="{28A0092B-C50C-407E-A947-70E740481C1C}">
+                <a14:useLocalDpi xmlns:a14="http://schemas.microsoft.com/office/drawing/2010/main" val="0"/>
+              </a:ext>
+            </a:extLst>
+          </a:blip>
+          <a:stretch>
+            <a:fillRect/>
+          </a:stretch>
+        </p:blipFill>
+        <p:spPr>
+          <a:xfrm>
+            <a:off x="6095999" y="1417638"/>
+            <a:ext cx="4905554" cy="2759374"/>
+          </a:xfrm>
+          <a:prstGeom prst="rect">
+            <a:avLst/>
+          </a:prstGeom>
+        </p:spPr>
+      </p:pic>
+      <p:sp>
+        <p:nvSpPr>
+          <p:cNvPr id="4" name="Прямоугольник 3"/>
+          <p:cNvSpPr/>
+          <p:nvPr/>
+        </p:nvSpPr>
+        <p:spPr>
+          <a:xfrm>
+            <a:off x="604593" y="4175327"/>
+            <a:ext cx="4908057" cy="1200329"/>
+          </a:xfrm>
+          <a:prstGeom prst="rect">
+            <a:avLst/>
+          </a:prstGeom>
+        </p:spPr>
+        <p:txBody>
+          <a:bodyPr wrap="square">
+            <a:spAutoFit/>
+          </a:bodyPr>
           <a:lstStyle/>
           <a:p>
-            <a:pPr marL="0" indent="0" algn="just">
-              <a:lnSpc>
-                <a:spcPct val="100000"/>
-              </a:lnSpc>
-              <a:buFont typeface="Arial"/>
-              <a:buNone/>
-              <a:defRPr/>
-            </a:pPr>
-            <a:r>
-              <a:rPr lang="ru-RU" sz="2400"/>
-              <a:t>	Разработать принципиальную и функциональную схемы цифрового осциллографа, на основе микроконтроллера и цифровой </a:t>
-            </a:r>
-            <a:r>
-              <a:rPr lang="en-US" sz="2400"/>
-              <a:t>O</a:t>
-            </a:r>
-            <a:r>
-              <a:rPr lang="en-US" sz="2400"/>
-              <a:t>LED </a:t>
-            </a:r>
-            <a:r>
-              <a:rPr lang="ru-RU" sz="2400"/>
-              <a:t>матрицы. С возможностью отображения формы сигнала, сохранения в память и чтения сохраненного сигнала, с выводом значений на матрицу.</a:t>
-            </a:r>
-            <a:endParaRPr/>
+            <a:pPr indent="450000" algn="just">
+              <a:defRPr/>
+            </a:pPr>
+            <a:r>
+              <a:rPr lang="ru-RU" dirty="0">
+                <a:solidFill>
+                  <a:srgbClr val="000000"/>
+                </a:solidFill>
+                <a:latin typeface="Times New Roman" panose="02020603050405020304" pitchFamily="18" charset="0"/>
+                <a:cs typeface="Times New Roman" panose="02020603050405020304" pitchFamily="18" charset="0"/>
+              </a:rPr>
+              <a:t>Создание рабочего прототипа с применением доступных компонентов. В среде разработки </a:t>
+            </a:r>
+            <a:r>
+              <a:rPr lang="en-US" b="1" dirty="0" err="1">
+                <a:solidFill>
+                  <a:srgbClr val="000000"/>
+                </a:solidFill>
+                <a:latin typeface="Times New Roman" panose="02020603050405020304" pitchFamily="18" charset="0"/>
+                <a:cs typeface="Times New Roman" panose="02020603050405020304" pitchFamily="18" charset="0"/>
+              </a:rPr>
+              <a:t>PlatformIO</a:t>
+            </a:r>
+            <a:r>
+              <a:rPr lang="en-US" dirty="0">
+                <a:solidFill>
+                  <a:srgbClr val="000000"/>
+                </a:solidFill>
+                <a:latin typeface="Times New Roman" panose="02020603050405020304" pitchFamily="18" charset="0"/>
+                <a:cs typeface="Times New Roman" panose="02020603050405020304" pitchFamily="18" charset="0"/>
+              </a:rPr>
+              <a:t> </a:t>
+            </a:r>
+            <a:r>
+              <a:rPr lang="ru-RU" dirty="0">
+                <a:solidFill>
+                  <a:srgbClr val="000000"/>
+                </a:solidFill>
+                <a:latin typeface="Times New Roman" panose="02020603050405020304" pitchFamily="18" charset="0"/>
+                <a:cs typeface="Times New Roman" panose="02020603050405020304" pitchFamily="18" charset="0"/>
+              </a:rPr>
+              <a:t>и </a:t>
+            </a:r>
+            <a:r>
+              <a:rPr lang="ru-RU" dirty="0" err="1">
+                <a:solidFill>
+                  <a:srgbClr val="000000"/>
+                </a:solidFill>
+                <a:latin typeface="Times New Roman" panose="02020603050405020304" pitchFamily="18" charset="0"/>
+                <a:cs typeface="Times New Roman" panose="02020603050405020304" pitchFamily="18" charset="0"/>
+              </a:rPr>
+              <a:t>фреймворка</a:t>
+            </a:r>
+            <a:r>
+              <a:rPr lang="ru-RU" dirty="0">
+                <a:solidFill>
+                  <a:srgbClr val="000000"/>
+                </a:solidFill>
+                <a:latin typeface="Times New Roman" panose="02020603050405020304" pitchFamily="18" charset="0"/>
+                <a:cs typeface="Times New Roman" panose="02020603050405020304" pitchFamily="18" charset="0"/>
+              </a:rPr>
+              <a:t> </a:t>
+            </a:r>
+            <a:r>
+              <a:rPr lang="en-US" b="1" dirty="0" err="1">
+                <a:solidFill>
+                  <a:srgbClr val="000000"/>
+                </a:solidFill>
+                <a:latin typeface="Times New Roman" panose="02020603050405020304" pitchFamily="18" charset="0"/>
+                <a:cs typeface="Times New Roman" panose="02020603050405020304" pitchFamily="18" charset="0"/>
+              </a:rPr>
+              <a:t>Arduino</a:t>
+            </a:r>
+            <a:r>
+              <a:rPr lang="en-US" dirty="0">
+                <a:solidFill>
+                  <a:srgbClr val="000000"/>
+                </a:solidFill>
+                <a:latin typeface="Times New Roman" panose="02020603050405020304" pitchFamily="18" charset="0"/>
+                <a:cs typeface="Times New Roman" panose="02020603050405020304" pitchFamily="18" charset="0"/>
+              </a:rPr>
+              <a:t> </a:t>
+            </a:r>
+            <a:r>
+              <a:rPr lang="ru-RU" dirty="0">
+                <a:solidFill>
+                  <a:srgbClr val="000000"/>
+                </a:solidFill>
+                <a:latin typeface="Times New Roman" panose="02020603050405020304" pitchFamily="18" charset="0"/>
+                <a:cs typeface="Times New Roman" panose="02020603050405020304" pitchFamily="18" charset="0"/>
+              </a:rPr>
+              <a:t>для архитектуры </a:t>
+            </a:r>
+            <a:r>
+              <a:rPr lang="en-US" b="1" dirty="0" err="1">
+                <a:solidFill>
+                  <a:srgbClr val="000000"/>
+                </a:solidFill>
+                <a:latin typeface="Times New Roman" panose="02020603050405020304" pitchFamily="18" charset="0"/>
+                <a:cs typeface="Times New Roman" panose="02020603050405020304" pitchFamily="18" charset="0"/>
+              </a:rPr>
+              <a:t>Espressiff</a:t>
+            </a:r>
+            <a:r>
+              <a:rPr lang="en-US" dirty="0">
+                <a:solidFill>
+                  <a:srgbClr val="000000"/>
+                </a:solidFill>
+                <a:latin typeface="Times New Roman" panose="02020603050405020304" pitchFamily="18" charset="0"/>
+                <a:cs typeface="Times New Roman" panose="02020603050405020304" pitchFamily="18" charset="0"/>
+              </a:rPr>
+              <a:t> (ESP8266).</a:t>
+            </a:r>
+            <a:endParaRPr lang="ru-RU" dirty="0">
+              <a:latin typeface="Times New Roman" panose="02020603050405020304" pitchFamily="18" charset="0"/>
+              <a:cs typeface="Times New Roman" panose="02020603050405020304" pitchFamily="18" charset="0"/>
+            </a:endParaRPr>
+          </a:p>
+        </p:txBody>
+      </p:sp>
+      <p:sp>
+        <p:nvSpPr>
+          <p:cNvPr id="9" name="Прямоугольник 8"/>
+          <p:cNvSpPr/>
+          <p:nvPr/>
+        </p:nvSpPr>
+        <p:spPr bwMode="auto">
+          <a:xfrm>
+            <a:off x="6093496" y="4175327"/>
+            <a:ext cx="4908057" cy="646331"/>
+          </a:xfrm>
+          <a:prstGeom prst="rect">
+            <a:avLst/>
+          </a:prstGeom>
+        </p:spPr>
+        <p:txBody>
+          <a:bodyPr wrap="square">
+            <a:spAutoFit/>
+          </a:bodyPr>
+          <a:lstStyle/>
+          <a:p>
+            <a:pPr indent="450000" algn="just">
+              <a:defRPr/>
+            </a:pPr>
+            <a:r>
+              <a:rPr lang="ru-RU" dirty="0">
+                <a:solidFill>
+                  <a:srgbClr val="000000"/>
+                </a:solidFill>
+                <a:latin typeface="Times New Roman" panose="02020603050405020304" pitchFamily="18" charset="0"/>
+                <a:cs typeface="Times New Roman" panose="02020603050405020304" pitchFamily="18" charset="0"/>
+              </a:rPr>
+              <a:t>Передача данных по </a:t>
+            </a:r>
+            <a:r>
+              <a:rPr lang="en-US" dirty="0">
+                <a:solidFill>
+                  <a:srgbClr val="000000"/>
+                </a:solidFill>
+                <a:latin typeface="Times New Roman" panose="02020603050405020304" pitchFamily="18" charset="0"/>
+                <a:cs typeface="Times New Roman" panose="02020603050405020304" pitchFamily="18" charset="0"/>
+              </a:rPr>
+              <a:t>Serial</a:t>
+            </a:r>
+            <a:r>
+              <a:rPr lang="ru-RU" dirty="0">
+                <a:solidFill>
+                  <a:srgbClr val="000000"/>
+                </a:solidFill>
+                <a:latin typeface="Times New Roman" panose="02020603050405020304" pitchFamily="18" charset="0"/>
+                <a:cs typeface="Times New Roman" panose="02020603050405020304" pitchFamily="18" charset="0"/>
+              </a:rPr>
+              <a:t> через конвертер </a:t>
+            </a:r>
+            <a:r>
+              <a:rPr lang="en-US" dirty="0">
+                <a:solidFill>
+                  <a:srgbClr val="000000"/>
+                </a:solidFill>
+                <a:latin typeface="Times New Roman" panose="02020603050405020304" pitchFamily="18" charset="0"/>
+                <a:cs typeface="Times New Roman" panose="02020603050405020304" pitchFamily="18" charset="0"/>
+              </a:rPr>
+              <a:t>TTL &lt;=&gt; Serial</a:t>
+            </a:r>
+            <a:r>
+              <a:rPr lang="ru-RU" dirty="0">
+                <a:solidFill>
+                  <a:srgbClr val="000000"/>
+                </a:solidFill>
+                <a:latin typeface="Times New Roman" panose="02020603050405020304" pitchFamily="18" charset="0"/>
+                <a:cs typeface="Times New Roman" panose="02020603050405020304" pitchFamily="18" charset="0"/>
+              </a:rPr>
+              <a:t>. По шине </a:t>
+            </a:r>
+            <a:r>
+              <a:rPr lang="en-US" dirty="0">
+                <a:solidFill>
+                  <a:srgbClr val="000000"/>
+                </a:solidFill>
+                <a:latin typeface="Times New Roman" panose="02020603050405020304" pitchFamily="18" charset="0"/>
+                <a:cs typeface="Times New Roman" panose="02020603050405020304" pitchFamily="18" charset="0"/>
+              </a:rPr>
+              <a:t>USB.</a:t>
+            </a:r>
+            <a:endParaRPr lang="ru-RU" dirty="0">
+              <a:latin typeface="Times New Roman" panose="02020603050405020304" pitchFamily="18" charset="0"/>
+              <a:cs typeface="Times New Roman" panose="02020603050405020304" pitchFamily="18" charset="0"/>
+            </a:endParaRPr>
           </a:p>
         </p:txBody>
       </p:sp>
     </p:spTree>
+    <p:extLst>
+      <p:ext uri="{BB962C8B-B14F-4D97-AF65-F5344CB8AC3E}">
+        <p14:creationId xmlns:p14="http://schemas.microsoft.com/office/powerpoint/2010/main" val="1796658892"/>
+      </p:ext>
+    </p:extLst>
   </p:cSld>
   <p:clrMapOvr>
     <a:masterClrMapping/>
   </p:clrMapOvr>
-  <mc:AlternateContent xmlns:mc="http://schemas.openxmlformats.org/markup-compatibility/2006">
-    <mc:Choice xmlns:p159="http://schemas.microsoft.com/office/powerpoint/2015/09/main" xmlns:p14="http://schemas.microsoft.com/office/powerpoint/2010/main" Requires="p159">
-      <p:transition p14:dur="2000" advClick="1"/>
-    </mc:Choice>
-    <mc:Fallback>
-      <p:transition advClick="1"/>
-    </mc:Fallback>
-  </mc:AlternateContent>
+  <p:transition/>
 </p:sld>
 </file>
 
-<file path=ppt/slides/slide3.xml><?xml version="1.0" encoding="utf-8"?>
-<p:sld xmlns:a="http://schemas.openxmlformats.org/drawingml/2006/main" xmlns:r="http://schemas.openxmlformats.org/officeDocument/2006/relationships" xmlns:p="http://schemas.openxmlformats.org/presentationml/2006/main" xmlns:m="http://schemas.openxmlformats.org/officeDocument/2006/math" xmlns:w="http://schemas.openxmlformats.org/wordprocessingml/2006/main" xmlns:mc="http://schemas.openxmlformats.org/markup-compatibility/2006" showMasterPhAnim="0" showMasterSp="1" show="1">
-  <p:cSld name="">
+<file path=ppt/slides/slide15.xml><?xml version="1.0" encoding="utf-8"?>
+<p:sld xmlns:a="http://schemas.openxmlformats.org/drawingml/2006/main" xmlns:r="http://schemas.openxmlformats.org/officeDocument/2006/relationships" xmlns:p="http://schemas.openxmlformats.org/presentationml/2006/main">
+  <p:cSld>
+    <p:spTree>
+      <p:nvGrpSpPr>
+        <p:cNvPr id="1" name=""/>
+        <p:cNvGrpSpPr/>
+        <p:nvPr/>
+      </p:nvGrpSpPr>
+      <p:grpSpPr>
+        <a:xfrm>
+          <a:off x="0" y="0"/>
+          <a:ext cx="0" cy="0"/>
+          <a:chOff x="0" y="0"/>
+          <a:chExt cx="0" cy="0"/>
+        </a:xfrm>
+      </p:grpSpPr>
+      <p:sp>
+        <p:nvSpPr>
+          <p:cNvPr id="2" name="Заголовок 1"/>
+          <p:cNvSpPr>
+            <a:spLocks noGrp="1"/>
+          </p:cNvSpPr>
+          <p:nvPr>
+            <p:ph type="title"/>
+          </p:nvPr>
+        </p:nvSpPr>
+        <p:spPr/>
+        <p:txBody>
+          <a:bodyPr/>
+          <a:lstStyle/>
+          <a:p>
+            <a:r>
+              <a:rPr lang="ru-RU" dirty="0">
+                <a:latin typeface="Times New Roman" panose="02020603050405020304" pitchFamily="18" charset="0"/>
+                <a:cs typeface="Times New Roman" panose="02020603050405020304" pitchFamily="18" charset="0"/>
+              </a:rPr>
+              <a:t>Программное расширение</a:t>
+            </a:r>
+            <a:r>
+              <a:rPr lang="en-US" dirty="0">
+                <a:latin typeface="Times New Roman" panose="02020603050405020304" pitchFamily="18" charset="0"/>
+                <a:cs typeface="Times New Roman" panose="02020603050405020304" pitchFamily="18" charset="0"/>
+              </a:rPr>
+              <a:t>: </a:t>
+            </a:r>
+            <a:r>
+              <a:rPr lang="ru-RU" dirty="0">
+                <a:latin typeface="Times New Roman" panose="02020603050405020304" pitchFamily="18" charset="0"/>
+                <a:cs typeface="Times New Roman" panose="02020603050405020304" pitchFamily="18" charset="0"/>
+              </a:rPr>
+              <a:t>интерфейс</a:t>
+            </a:r>
+          </a:p>
+        </p:txBody>
+      </p:sp>
+      <p:pic>
+        <p:nvPicPr>
+          <p:cNvPr id="1026" name="Picture 2" descr="interface_1.png"/>
+          <p:cNvPicPr>
+            <a:picLocks noChangeAspect="1" noChangeArrowheads="1"/>
+          </p:cNvPicPr>
+          <p:nvPr/>
+        </p:nvPicPr>
+        <p:blipFill>
+          <a:blip r:embed="rId2">
+            <a:extLst>
+              <a:ext uri="{28A0092B-C50C-407E-A947-70E740481C1C}">
+                <a14:useLocalDpi xmlns:a14="http://schemas.microsoft.com/office/drawing/2010/main" val="0"/>
+              </a:ext>
+            </a:extLst>
+          </a:blip>
+          <a:srcRect/>
+          <a:stretch>
+            <a:fillRect/>
+          </a:stretch>
+        </p:blipFill>
+        <p:spPr bwMode="auto">
+          <a:xfrm>
+            <a:off x="609599" y="1496600"/>
+            <a:ext cx="5187352" cy="4586379"/>
+          </a:xfrm>
+          <a:prstGeom prst="rect">
+            <a:avLst/>
+          </a:prstGeom>
+          <a:noFill/>
+          <a:extLst>
+            <a:ext uri="{909E8E84-426E-40DD-AFC4-6F175D3DCCD1}">
+              <a14:hiddenFill xmlns:a14="http://schemas.microsoft.com/office/drawing/2010/main">
+                <a:solidFill>
+                  <a:srgbClr val="FFFFFF"/>
+                </a:solidFill>
+              </a14:hiddenFill>
+            </a:ext>
+          </a:extLst>
+        </p:spPr>
+      </p:pic>
+      <p:sp>
+        <p:nvSpPr>
+          <p:cNvPr id="4" name="Прямоугольник 3"/>
+          <p:cNvSpPr/>
+          <p:nvPr/>
+        </p:nvSpPr>
+        <p:spPr>
+          <a:xfrm>
+            <a:off x="5796951" y="1496599"/>
+            <a:ext cx="5785448" cy="2585323"/>
+          </a:xfrm>
+          <a:prstGeom prst="rect">
+            <a:avLst/>
+          </a:prstGeom>
+        </p:spPr>
+        <p:txBody>
+          <a:bodyPr wrap="square">
+            <a:spAutoFit/>
+          </a:bodyPr>
+          <a:lstStyle/>
+          <a:p>
+            <a:pPr indent="450000" algn="just">
+              <a:defRPr/>
+            </a:pPr>
+            <a:r>
+              <a:rPr lang="ru-RU" dirty="0">
+                <a:solidFill>
+                  <a:srgbClr val="000000"/>
+                </a:solidFill>
+                <a:latin typeface="Times New Roman" panose="02020603050405020304" pitchFamily="18" charset="0"/>
+                <a:cs typeface="Times New Roman" panose="02020603050405020304" pitchFamily="18" charset="0"/>
+              </a:rPr>
+              <a:t>Для работы с прототипом на внешнем компьютере предусмотрен консольный </a:t>
+            </a:r>
+            <a:r>
+              <a:rPr lang="ru-RU" dirty="0" err="1">
+                <a:solidFill>
+                  <a:srgbClr val="000000"/>
+                </a:solidFill>
+                <a:latin typeface="Times New Roman" panose="02020603050405020304" pitchFamily="18" charset="0"/>
+                <a:cs typeface="Times New Roman" panose="02020603050405020304" pitchFamily="18" charset="0"/>
+              </a:rPr>
+              <a:t>туллкит</a:t>
+            </a:r>
+            <a:r>
+              <a:rPr lang="ru-RU" dirty="0">
+                <a:solidFill>
+                  <a:srgbClr val="000000"/>
+                </a:solidFill>
+                <a:latin typeface="Times New Roman" panose="02020603050405020304" pitchFamily="18" charset="0"/>
+                <a:cs typeface="Times New Roman" panose="02020603050405020304" pitchFamily="18" charset="0"/>
+              </a:rPr>
+              <a:t>, отображающий измеряемые значения.</a:t>
+            </a:r>
+          </a:p>
+          <a:p>
+            <a:pPr indent="450000" algn="just">
+              <a:defRPr/>
+            </a:pPr>
+            <a:r>
+              <a:rPr lang="ru-RU" dirty="0">
+                <a:solidFill>
+                  <a:srgbClr val="000000"/>
+                </a:solidFill>
+                <a:latin typeface="Times New Roman" panose="02020603050405020304" pitchFamily="18" charset="0"/>
+                <a:cs typeface="Times New Roman" panose="02020603050405020304" pitchFamily="18" charset="0"/>
+              </a:rPr>
+              <a:t>В графическом формате, с дополнением в виде параметрической информации сигнала</a:t>
+            </a:r>
+            <a:r>
+              <a:rPr lang="en-US" dirty="0">
+                <a:solidFill>
+                  <a:srgbClr val="000000"/>
+                </a:solidFill>
+                <a:latin typeface="Times New Roman" panose="02020603050405020304" pitchFamily="18" charset="0"/>
+                <a:cs typeface="Times New Roman" panose="02020603050405020304" pitchFamily="18" charset="0"/>
+              </a:rPr>
+              <a:t>:</a:t>
+            </a:r>
+            <a:r>
+              <a:rPr lang="ru-RU" dirty="0">
+                <a:latin typeface="Times New Roman" panose="02020603050405020304" pitchFamily="18" charset="0"/>
+                <a:cs typeface="Times New Roman" panose="02020603050405020304" pitchFamily="18" charset="0"/>
+              </a:rPr>
+              <a:t> среднее</a:t>
+            </a:r>
+            <a:r>
+              <a:rPr lang="en-US" dirty="0">
+                <a:latin typeface="Times New Roman" panose="02020603050405020304" pitchFamily="18" charset="0"/>
+                <a:cs typeface="Times New Roman" panose="02020603050405020304" pitchFamily="18" charset="0"/>
+              </a:rPr>
+              <a:t>, </a:t>
+            </a:r>
+            <a:r>
+              <a:rPr lang="ru-RU" dirty="0">
+                <a:latin typeface="Times New Roman" panose="02020603050405020304" pitchFamily="18" charset="0"/>
+                <a:cs typeface="Times New Roman" panose="02020603050405020304" pitchFamily="18" charset="0"/>
+              </a:rPr>
+              <a:t>пик напряжения, степень заполнения сигнала во времени, минимальное значение, среднее квадратичное.</a:t>
+            </a:r>
+          </a:p>
+          <a:p>
+            <a:pPr indent="450000" algn="just">
+              <a:defRPr/>
+            </a:pPr>
+            <a:r>
+              <a:rPr lang="ru-RU" dirty="0">
+                <a:solidFill>
+                  <a:srgbClr val="000000"/>
+                </a:solidFill>
+                <a:latin typeface="Times New Roman" panose="02020603050405020304" pitchFamily="18" charset="0"/>
+                <a:cs typeface="Times New Roman" panose="02020603050405020304" pitchFamily="18" charset="0"/>
+              </a:rPr>
+              <a:t>Программный </a:t>
+            </a:r>
+            <a:r>
+              <a:rPr lang="ru-RU" dirty="0" err="1">
+                <a:solidFill>
+                  <a:srgbClr val="000000"/>
+                </a:solidFill>
+                <a:latin typeface="Times New Roman" panose="02020603050405020304" pitchFamily="18" charset="0"/>
+                <a:cs typeface="Times New Roman" panose="02020603050405020304" pitchFamily="18" charset="0"/>
+              </a:rPr>
+              <a:t>туллкит</a:t>
+            </a:r>
+            <a:r>
+              <a:rPr lang="ru-RU" dirty="0">
+                <a:solidFill>
+                  <a:srgbClr val="000000"/>
+                </a:solidFill>
+                <a:latin typeface="Times New Roman" panose="02020603050405020304" pitchFamily="18" charset="0"/>
+                <a:cs typeface="Times New Roman" panose="02020603050405020304" pitchFamily="18" charset="0"/>
+              </a:rPr>
+              <a:t> написан с применением языка программирования – </a:t>
+            </a:r>
+            <a:r>
+              <a:rPr lang="en-US" dirty="0" err="1">
+                <a:solidFill>
+                  <a:srgbClr val="000000"/>
+                </a:solidFill>
+                <a:latin typeface="Times New Roman" panose="02020603050405020304" pitchFamily="18" charset="0"/>
+                <a:cs typeface="Times New Roman" panose="02020603050405020304" pitchFamily="18" charset="0"/>
+              </a:rPr>
+              <a:t>GoLang</a:t>
+            </a:r>
+            <a:r>
+              <a:rPr lang="en-US" dirty="0">
+                <a:solidFill>
+                  <a:srgbClr val="000000"/>
+                </a:solidFill>
+                <a:latin typeface="Times New Roman" panose="02020603050405020304" pitchFamily="18" charset="0"/>
+                <a:cs typeface="Times New Roman" panose="02020603050405020304" pitchFamily="18" charset="0"/>
+              </a:rPr>
+              <a:t>.</a:t>
+            </a:r>
+          </a:p>
+        </p:txBody>
+      </p:sp>
+      <p:pic>
+        <p:nvPicPr>
+          <p:cNvPr id="1030" name="Picture 6" descr="Picture background"/>
+          <p:cNvPicPr>
+            <a:picLocks noChangeAspect="1" noChangeArrowheads="1"/>
+          </p:cNvPicPr>
+          <p:nvPr/>
+        </p:nvPicPr>
+        <p:blipFill>
+          <a:blip r:embed="rId3" cstate="print">
+            <a:extLst>
+              <a:ext uri="{28A0092B-C50C-407E-A947-70E740481C1C}">
+                <a14:useLocalDpi xmlns:a14="http://schemas.microsoft.com/office/drawing/2010/main" val="0"/>
+              </a:ext>
+            </a:extLst>
+          </a:blip>
+          <a:srcRect/>
+          <a:stretch>
+            <a:fillRect/>
+          </a:stretch>
+        </p:blipFill>
+        <p:spPr bwMode="auto">
+          <a:xfrm>
+            <a:off x="5796951" y="4081923"/>
+            <a:ext cx="5785448" cy="1806346"/>
+          </a:xfrm>
+          <a:prstGeom prst="rect">
+            <a:avLst/>
+          </a:prstGeom>
+          <a:noFill/>
+          <a:extLst>
+            <a:ext uri="{909E8E84-426E-40DD-AFC4-6F175D3DCCD1}">
+              <a14:hiddenFill xmlns:a14="http://schemas.microsoft.com/office/drawing/2010/main">
+                <a:solidFill>
+                  <a:srgbClr val="FFFFFF"/>
+                </a:solidFill>
+              </a14:hiddenFill>
+            </a:ext>
+          </a:extLst>
+        </p:spPr>
+      </p:pic>
+    </p:spTree>
+    <p:extLst>
+      <p:ext uri="{BB962C8B-B14F-4D97-AF65-F5344CB8AC3E}">
+        <p14:creationId xmlns:p14="http://schemas.microsoft.com/office/powerpoint/2010/main" val="2556559379"/>
+      </p:ext>
+    </p:extLst>
+  </p:cSld>
+  <p:clrMapOvr>
+    <a:masterClrMapping/>
+  </p:clrMapOvr>
+</p:sld>
+</file>
+
+<file path=ppt/slides/slide16.xml><?xml version="1.0" encoding="utf-8"?>
+<p:sld xmlns:a="http://schemas.openxmlformats.org/drawingml/2006/main" xmlns:r="http://schemas.openxmlformats.org/officeDocument/2006/relationships" xmlns:p="http://schemas.openxmlformats.org/presentationml/2006/main">
+  <p:cSld>
+    <p:spTree>
+      <p:nvGrpSpPr>
+        <p:cNvPr id="1" name=""/>
+        <p:cNvGrpSpPr/>
+        <p:nvPr/>
+      </p:nvGrpSpPr>
+      <p:grpSpPr>
+        <a:xfrm>
+          <a:off x="0" y="0"/>
+          <a:ext cx="0" cy="0"/>
+          <a:chOff x="0" y="0"/>
+          <a:chExt cx="0" cy="0"/>
+        </a:xfrm>
+      </p:grpSpPr>
+      <p:sp>
+        <p:nvSpPr>
+          <p:cNvPr id="2" name="Заголовок 1"/>
+          <p:cNvSpPr>
+            <a:spLocks noGrp="1"/>
+          </p:cNvSpPr>
+          <p:nvPr>
+            <p:ph type="title"/>
+          </p:nvPr>
+        </p:nvSpPr>
+        <p:spPr/>
+        <p:txBody>
+          <a:bodyPr/>
+          <a:lstStyle/>
+          <a:p>
+            <a:r>
+              <a:rPr lang="ru-RU" dirty="0">
+                <a:latin typeface="Times New Roman" panose="02020603050405020304" pitchFamily="18" charset="0"/>
+                <a:cs typeface="Times New Roman" panose="02020603050405020304" pitchFamily="18" charset="0"/>
+              </a:rPr>
+              <a:t>Программное расширение</a:t>
+            </a:r>
+            <a:r>
+              <a:rPr lang="en-US" dirty="0">
+                <a:latin typeface="Times New Roman" panose="02020603050405020304" pitchFamily="18" charset="0"/>
+                <a:cs typeface="Times New Roman" panose="02020603050405020304" pitchFamily="18" charset="0"/>
+              </a:rPr>
+              <a:t>: </a:t>
+            </a:r>
+            <a:r>
+              <a:rPr lang="ru-RU" dirty="0" err="1">
+                <a:latin typeface="Times New Roman" panose="02020603050405020304" pitchFamily="18" charset="0"/>
+                <a:cs typeface="Times New Roman" panose="02020603050405020304" pitchFamily="18" charset="0"/>
+              </a:rPr>
+              <a:t>сериализация</a:t>
+            </a:r>
+            <a:endParaRPr lang="ru-RU" dirty="0">
+              <a:latin typeface="Times New Roman" panose="02020603050405020304" pitchFamily="18" charset="0"/>
+              <a:cs typeface="Times New Roman" panose="02020603050405020304" pitchFamily="18" charset="0"/>
+            </a:endParaRPr>
+          </a:p>
+        </p:txBody>
+      </p:sp>
+      <p:sp>
+        <p:nvSpPr>
+          <p:cNvPr id="4" name="Прямоугольник 3"/>
+          <p:cNvSpPr/>
+          <p:nvPr/>
+        </p:nvSpPr>
+        <p:spPr>
+          <a:xfrm>
+            <a:off x="609599" y="2471384"/>
+            <a:ext cx="10972800" cy="923330"/>
+          </a:xfrm>
+          <a:prstGeom prst="rect">
+            <a:avLst/>
+          </a:prstGeom>
+        </p:spPr>
+        <p:txBody>
+          <a:bodyPr wrap="square">
+            <a:spAutoFit/>
+          </a:bodyPr>
+          <a:lstStyle/>
+          <a:p>
+            <a:pPr indent="450000" algn="just">
+              <a:defRPr/>
+            </a:pPr>
+            <a:r>
+              <a:rPr lang="ru-RU" dirty="0">
+                <a:solidFill>
+                  <a:srgbClr val="000000"/>
+                </a:solidFill>
+                <a:latin typeface="Times New Roman" panose="02020603050405020304" pitchFamily="18" charset="0"/>
+                <a:cs typeface="Times New Roman" panose="02020603050405020304" pitchFamily="18" charset="0"/>
+              </a:rPr>
+              <a:t>Отображение параметров в среде терминала обеспечено посредством передачи данных через </a:t>
+            </a:r>
+            <a:r>
+              <a:rPr lang="en-US" dirty="0">
+                <a:solidFill>
+                  <a:srgbClr val="000000"/>
+                </a:solidFill>
+                <a:latin typeface="Times New Roman" panose="02020603050405020304" pitchFamily="18" charset="0"/>
+                <a:cs typeface="Times New Roman" panose="02020603050405020304" pitchFamily="18" charset="0"/>
+              </a:rPr>
+              <a:t>Serial Port </a:t>
+            </a:r>
+            <a:r>
+              <a:rPr lang="ru-RU" dirty="0">
+                <a:solidFill>
+                  <a:srgbClr val="000000"/>
+                </a:solidFill>
+                <a:latin typeface="Times New Roman" panose="02020603050405020304" pitchFamily="18" charset="0"/>
+                <a:cs typeface="Times New Roman" panose="02020603050405020304" pitchFamily="18" charset="0"/>
+              </a:rPr>
+              <a:t>и инкапсуляции данных в удобный для </a:t>
+            </a:r>
+            <a:r>
+              <a:rPr lang="ru-RU" dirty="0" err="1">
+                <a:solidFill>
+                  <a:srgbClr val="000000"/>
+                </a:solidFill>
+                <a:latin typeface="Times New Roman" panose="02020603050405020304" pitchFamily="18" charset="0"/>
+                <a:cs typeface="Times New Roman" panose="02020603050405020304" pitchFamily="18" charset="0"/>
+              </a:rPr>
+              <a:t>десериализации</a:t>
+            </a:r>
+            <a:r>
+              <a:rPr lang="ru-RU" dirty="0">
+                <a:solidFill>
+                  <a:srgbClr val="000000"/>
+                </a:solidFill>
+                <a:latin typeface="Times New Roman" panose="02020603050405020304" pitchFamily="18" charset="0"/>
+                <a:cs typeface="Times New Roman" panose="02020603050405020304" pitchFamily="18" charset="0"/>
+              </a:rPr>
+              <a:t> и обработки формат. На момент презентации применяется </a:t>
+            </a:r>
+            <a:r>
+              <a:rPr lang="en-US" dirty="0">
+                <a:solidFill>
+                  <a:srgbClr val="000000"/>
+                </a:solidFill>
+                <a:latin typeface="Times New Roman" panose="02020603050405020304" pitchFamily="18" charset="0"/>
+                <a:cs typeface="Times New Roman" panose="02020603050405020304" pitchFamily="18" charset="0"/>
+              </a:rPr>
+              <a:t>JSON – Java Script Object Notation. </a:t>
+            </a:r>
+          </a:p>
+        </p:txBody>
+      </p:sp>
+      <p:grpSp>
+        <p:nvGrpSpPr>
+          <p:cNvPr id="32" name="Группа 31"/>
+          <p:cNvGrpSpPr/>
+          <p:nvPr/>
+        </p:nvGrpSpPr>
+        <p:grpSpPr>
+          <a:xfrm>
+            <a:off x="1685443" y="3697177"/>
+            <a:ext cx="8821111" cy="2316757"/>
+            <a:chOff x="768917" y="3602287"/>
+            <a:chExt cx="8821111" cy="2316757"/>
+          </a:xfrm>
+        </p:grpSpPr>
+        <p:sp>
+          <p:nvSpPr>
+            <p:cNvPr id="5" name="Прямоугольник 4"/>
+            <p:cNvSpPr/>
+            <p:nvPr/>
+          </p:nvSpPr>
+          <p:spPr>
+            <a:xfrm>
+              <a:off x="768917" y="4026568"/>
+              <a:ext cx="1965603" cy="369332"/>
+            </a:xfrm>
+            <a:prstGeom prst="rect">
+              <a:avLst/>
+            </a:prstGeom>
+          </p:spPr>
+          <p:txBody>
+            <a:bodyPr wrap="none">
+              <a:spAutoFit/>
+            </a:bodyPr>
+            <a:lstStyle/>
+            <a:p>
+              <a:r>
+                <a:rPr lang="en-US" dirty="0">
+                  <a:solidFill>
+                    <a:srgbClr val="000000"/>
+                  </a:solidFill>
+                  <a:latin typeface="Arial Rounded MT Bold" panose="020F0704030504030204" pitchFamily="34" charset="0"/>
+                  <a:cs typeface="Times New Roman" panose="02020603050405020304" pitchFamily="18" charset="0"/>
+                </a:rPr>
+                <a:t>Bare Metal ADC</a:t>
+              </a:r>
+              <a:endParaRPr lang="ru-RU" dirty="0"/>
+            </a:p>
+          </p:txBody>
+        </p:sp>
+        <p:sp>
+          <p:nvSpPr>
+            <p:cNvPr id="10" name="Прямоугольник 9"/>
+            <p:cNvSpPr/>
+            <p:nvPr/>
+          </p:nvSpPr>
+          <p:spPr>
+            <a:xfrm>
+              <a:off x="2988364" y="4026568"/>
+              <a:ext cx="1438214" cy="369332"/>
+            </a:xfrm>
+            <a:prstGeom prst="rect">
+              <a:avLst/>
+            </a:prstGeom>
+          </p:spPr>
+          <p:txBody>
+            <a:bodyPr wrap="none">
+              <a:spAutoFit/>
+            </a:bodyPr>
+            <a:lstStyle/>
+            <a:p>
+              <a:r>
+                <a:rPr lang="en-US" dirty="0">
+                  <a:solidFill>
+                    <a:srgbClr val="000000"/>
+                  </a:solidFill>
+                  <a:latin typeface="Arial Rounded MT Bold" panose="020F0704030504030204" pitchFamily="34" charset="0"/>
+                  <a:cs typeface="Times New Roman" panose="02020603050405020304" pitchFamily="18" charset="0"/>
+                </a:rPr>
+                <a:t>Data </a:t>
+              </a:r>
+              <a:r>
+                <a:rPr lang="en-US" dirty="0" err="1">
+                  <a:solidFill>
+                    <a:srgbClr val="000000"/>
+                  </a:solidFill>
+                  <a:latin typeface="Arial Rounded MT Bold" panose="020F0704030504030204" pitchFamily="34" charset="0"/>
+                  <a:cs typeface="Times New Roman" panose="02020603050405020304" pitchFamily="18" charset="0"/>
+                </a:rPr>
+                <a:t>struct</a:t>
+              </a:r>
+              <a:endParaRPr lang="ru-RU" dirty="0"/>
+            </a:p>
+          </p:txBody>
+        </p:sp>
+        <p:sp>
+          <p:nvSpPr>
+            <p:cNvPr id="11" name="Прямоугольник 10"/>
+            <p:cNvSpPr/>
+            <p:nvPr/>
+          </p:nvSpPr>
+          <p:spPr>
+            <a:xfrm>
+              <a:off x="4680422" y="4026568"/>
+              <a:ext cx="829073" cy="369332"/>
+            </a:xfrm>
+            <a:prstGeom prst="rect">
+              <a:avLst/>
+            </a:prstGeom>
+          </p:spPr>
+          <p:txBody>
+            <a:bodyPr wrap="none">
+              <a:spAutoFit/>
+            </a:bodyPr>
+            <a:lstStyle/>
+            <a:p>
+              <a:r>
+                <a:rPr lang="en-US" dirty="0">
+                  <a:solidFill>
+                    <a:srgbClr val="000000"/>
+                  </a:solidFill>
+                  <a:latin typeface="Arial Rounded MT Bold" panose="020F0704030504030204" pitchFamily="34" charset="0"/>
+                  <a:cs typeface="Times New Roman" panose="02020603050405020304" pitchFamily="18" charset="0"/>
+                </a:rPr>
+                <a:t>JSON</a:t>
+              </a:r>
+              <a:endParaRPr lang="ru-RU" dirty="0"/>
+            </a:p>
+          </p:txBody>
+        </p:sp>
+        <p:sp>
+          <p:nvSpPr>
+            <p:cNvPr id="12" name="Прямоугольник 11"/>
+            <p:cNvSpPr/>
+            <p:nvPr/>
+          </p:nvSpPr>
+          <p:spPr>
+            <a:xfrm>
+              <a:off x="768917" y="5549712"/>
+              <a:ext cx="3026791" cy="369332"/>
+            </a:xfrm>
+            <a:prstGeom prst="rect">
+              <a:avLst/>
+            </a:prstGeom>
+          </p:spPr>
+          <p:txBody>
+            <a:bodyPr wrap="none">
+              <a:spAutoFit/>
+            </a:bodyPr>
+            <a:lstStyle/>
+            <a:p>
+              <a:r>
+                <a:rPr lang="en-US" dirty="0">
+                  <a:solidFill>
+                    <a:srgbClr val="000000"/>
+                  </a:solidFill>
+                  <a:latin typeface="Arial Rounded MT Bold" panose="020F0704030504030204" pitchFamily="34" charset="0"/>
+                  <a:cs typeface="Times New Roman" panose="02020603050405020304" pitchFamily="18" charset="0"/>
+                </a:rPr>
+                <a:t>OS Serial implementation</a:t>
+              </a:r>
+              <a:endParaRPr lang="ru-RU" dirty="0"/>
+            </a:p>
+          </p:txBody>
+        </p:sp>
+        <p:sp>
+          <p:nvSpPr>
+            <p:cNvPr id="13" name="Прямоугольник 12"/>
+            <p:cNvSpPr/>
+            <p:nvPr/>
+          </p:nvSpPr>
+          <p:spPr>
+            <a:xfrm>
+              <a:off x="5763339" y="4026568"/>
+              <a:ext cx="3826689" cy="369332"/>
+            </a:xfrm>
+            <a:prstGeom prst="rect">
+              <a:avLst/>
+            </a:prstGeom>
+          </p:spPr>
+          <p:txBody>
+            <a:bodyPr wrap="none">
+              <a:spAutoFit/>
+            </a:bodyPr>
+            <a:lstStyle/>
+            <a:p>
+              <a:r>
+                <a:rPr lang="en-US" dirty="0">
+                  <a:solidFill>
+                    <a:srgbClr val="000000"/>
+                  </a:solidFill>
+                  <a:latin typeface="Arial Rounded MT Bold" panose="020F0704030504030204" pitchFamily="34" charset="0"/>
+                  <a:cs typeface="Times New Roman" panose="02020603050405020304" pitchFamily="18" charset="0"/>
+                </a:rPr>
+                <a:t>Controller Serial implementation</a:t>
+              </a:r>
+              <a:endParaRPr lang="ru-RU" dirty="0"/>
+            </a:p>
+          </p:txBody>
+        </p:sp>
+        <p:sp>
+          <p:nvSpPr>
+            <p:cNvPr id="14" name="Прямоугольник 13"/>
+            <p:cNvSpPr/>
+            <p:nvPr/>
+          </p:nvSpPr>
+          <p:spPr>
+            <a:xfrm>
+              <a:off x="4040941" y="5549711"/>
+              <a:ext cx="2149948" cy="369332"/>
+            </a:xfrm>
+            <a:prstGeom prst="rect">
+              <a:avLst/>
+            </a:prstGeom>
+          </p:spPr>
+          <p:txBody>
+            <a:bodyPr wrap="none">
+              <a:spAutoFit/>
+            </a:bodyPr>
+            <a:lstStyle/>
+            <a:p>
+              <a:r>
+                <a:rPr lang="en-US" dirty="0">
+                  <a:solidFill>
+                    <a:srgbClr val="000000"/>
+                  </a:solidFill>
+                  <a:latin typeface="Arial Rounded MT Bold" panose="020F0704030504030204" pitchFamily="34" charset="0"/>
+                  <a:cs typeface="Times New Roman" panose="02020603050405020304" pitchFamily="18" charset="0"/>
+                </a:rPr>
+                <a:t>In program </a:t>
+              </a:r>
+              <a:r>
+                <a:rPr lang="en-US" dirty="0" err="1">
+                  <a:solidFill>
+                    <a:srgbClr val="000000"/>
+                  </a:solidFill>
+                  <a:latin typeface="Arial Rounded MT Bold" panose="020F0704030504030204" pitchFamily="34" charset="0"/>
+                  <a:cs typeface="Times New Roman" panose="02020603050405020304" pitchFamily="18" charset="0"/>
+                </a:rPr>
+                <a:t>struct</a:t>
+              </a:r>
+              <a:endParaRPr lang="ru-RU" dirty="0"/>
+            </a:p>
+          </p:txBody>
+        </p:sp>
+        <p:sp>
+          <p:nvSpPr>
+            <p:cNvPr id="15" name="Прямоугольник 14"/>
+            <p:cNvSpPr/>
+            <p:nvPr/>
+          </p:nvSpPr>
+          <p:spPr>
+            <a:xfrm>
+              <a:off x="6436123" y="5549711"/>
+              <a:ext cx="2605200" cy="369332"/>
+            </a:xfrm>
+            <a:prstGeom prst="rect">
+              <a:avLst/>
+            </a:prstGeom>
+          </p:spPr>
+          <p:txBody>
+            <a:bodyPr wrap="none">
+              <a:spAutoFit/>
+            </a:bodyPr>
+            <a:lstStyle/>
+            <a:p>
+              <a:r>
+                <a:rPr lang="en-US" dirty="0">
+                  <a:latin typeface="Arial Rounded MT Bold" panose="020F0704030504030204" pitchFamily="34" charset="0"/>
+                </a:rPr>
+                <a:t>Graphical processing</a:t>
+              </a:r>
+              <a:endParaRPr lang="ru-RU" dirty="0"/>
+            </a:p>
+          </p:txBody>
+        </p:sp>
+        <p:cxnSp>
+          <p:nvCxnSpPr>
+            <p:cNvPr id="7" name="Прямая со стрелкой 6"/>
+            <p:cNvCxnSpPr>
+              <a:stCxn id="5" idx="3"/>
+              <a:endCxn id="10" idx="1"/>
+            </p:cNvCxnSpPr>
+            <p:nvPr/>
+          </p:nvCxnSpPr>
+          <p:spPr>
+            <a:xfrm>
+              <a:off x="2734520" y="4211234"/>
+              <a:ext cx="253844" cy="0"/>
+            </a:xfrm>
+            <a:prstGeom prst="straightConnector1">
+              <a:avLst/>
+            </a:prstGeom>
+            <a:ln w="38100">
+              <a:tailEnd type="triangle"/>
+            </a:ln>
+          </p:spPr>
+          <p:style>
+            <a:lnRef idx="1">
+              <a:schemeClr val="accent1"/>
+            </a:lnRef>
+            <a:fillRef idx="0">
+              <a:schemeClr val="accent1"/>
+            </a:fillRef>
+            <a:effectRef idx="0">
+              <a:schemeClr val="accent1"/>
+            </a:effectRef>
+            <a:fontRef idx="minor">
+              <a:schemeClr val="tx1"/>
+            </a:fontRef>
+          </p:style>
+        </p:cxnSp>
+        <p:cxnSp>
+          <p:nvCxnSpPr>
+            <p:cNvPr id="9" name="Прямая со стрелкой 8"/>
+            <p:cNvCxnSpPr>
+              <a:stCxn id="10" idx="3"/>
+              <a:endCxn id="11" idx="1"/>
+            </p:cNvCxnSpPr>
+            <p:nvPr/>
+          </p:nvCxnSpPr>
+          <p:spPr>
+            <a:xfrm>
+              <a:off x="4426578" y="4211234"/>
+              <a:ext cx="253844" cy="0"/>
+            </a:xfrm>
+            <a:prstGeom prst="straightConnector1">
+              <a:avLst/>
+            </a:prstGeom>
+            <a:ln w="38100">
+              <a:tailEnd type="triangle"/>
+            </a:ln>
+          </p:spPr>
+          <p:style>
+            <a:lnRef idx="1">
+              <a:schemeClr val="accent1"/>
+            </a:lnRef>
+            <a:fillRef idx="0">
+              <a:schemeClr val="accent1"/>
+            </a:fillRef>
+            <a:effectRef idx="0">
+              <a:schemeClr val="accent1"/>
+            </a:effectRef>
+            <a:fontRef idx="minor">
+              <a:schemeClr val="tx1"/>
+            </a:fontRef>
+          </p:style>
+        </p:cxnSp>
+        <p:cxnSp>
+          <p:nvCxnSpPr>
+            <p:cNvPr id="17" name="Прямая со стрелкой 16"/>
+            <p:cNvCxnSpPr>
+              <a:stCxn id="11" idx="3"/>
+              <a:endCxn id="13" idx="1"/>
+            </p:cNvCxnSpPr>
+            <p:nvPr/>
+          </p:nvCxnSpPr>
+          <p:spPr>
+            <a:xfrm>
+              <a:off x="5509495" y="4211234"/>
+              <a:ext cx="253844" cy="0"/>
+            </a:xfrm>
+            <a:prstGeom prst="straightConnector1">
+              <a:avLst/>
+            </a:prstGeom>
+            <a:ln w="38100">
+              <a:tailEnd type="triangle"/>
+            </a:ln>
+          </p:spPr>
+          <p:style>
+            <a:lnRef idx="1">
+              <a:schemeClr val="accent1"/>
+            </a:lnRef>
+            <a:fillRef idx="0">
+              <a:schemeClr val="accent1"/>
+            </a:fillRef>
+            <a:effectRef idx="0">
+              <a:schemeClr val="accent1"/>
+            </a:effectRef>
+            <a:fontRef idx="minor">
+              <a:schemeClr val="tx1"/>
+            </a:fontRef>
+          </p:style>
+        </p:cxnSp>
+        <p:cxnSp>
+          <p:nvCxnSpPr>
+            <p:cNvPr id="21" name="Прямая со стрелкой 20"/>
+            <p:cNvCxnSpPr>
+              <a:stCxn id="12" idx="3"/>
+              <a:endCxn id="14" idx="1"/>
+            </p:cNvCxnSpPr>
+            <p:nvPr/>
+          </p:nvCxnSpPr>
+          <p:spPr>
+            <a:xfrm flipV="1">
+              <a:off x="3795708" y="5734377"/>
+              <a:ext cx="245233" cy="1"/>
+            </a:xfrm>
+            <a:prstGeom prst="straightConnector1">
+              <a:avLst/>
+            </a:prstGeom>
+            <a:ln w="38100">
+              <a:tailEnd type="triangle"/>
+            </a:ln>
+          </p:spPr>
+          <p:style>
+            <a:lnRef idx="1">
+              <a:schemeClr val="accent1"/>
+            </a:lnRef>
+            <a:fillRef idx="0">
+              <a:schemeClr val="accent1"/>
+            </a:fillRef>
+            <a:effectRef idx="0">
+              <a:schemeClr val="accent1"/>
+            </a:effectRef>
+            <a:fontRef idx="minor">
+              <a:schemeClr val="tx1"/>
+            </a:fontRef>
+          </p:style>
+        </p:cxnSp>
+        <p:cxnSp>
+          <p:nvCxnSpPr>
+            <p:cNvPr id="23" name="Прямая со стрелкой 22"/>
+            <p:cNvCxnSpPr>
+              <a:stCxn id="14" idx="3"/>
+              <a:endCxn id="15" idx="1"/>
+            </p:cNvCxnSpPr>
+            <p:nvPr/>
+          </p:nvCxnSpPr>
+          <p:spPr>
+            <a:xfrm>
+              <a:off x="6190889" y="5734377"/>
+              <a:ext cx="245234" cy="0"/>
+            </a:xfrm>
+            <a:prstGeom prst="straightConnector1">
+              <a:avLst/>
+            </a:prstGeom>
+            <a:ln w="38100">
+              <a:tailEnd type="triangle"/>
+            </a:ln>
+          </p:spPr>
+          <p:style>
+            <a:lnRef idx="1">
+              <a:schemeClr val="accent1"/>
+            </a:lnRef>
+            <a:fillRef idx="0">
+              <a:schemeClr val="accent1"/>
+            </a:fillRef>
+            <a:effectRef idx="0">
+              <a:schemeClr val="accent1"/>
+            </a:effectRef>
+            <a:fontRef idx="minor">
+              <a:schemeClr val="tx1"/>
+            </a:fontRef>
+          </p:style>
+        </p:cxnSp>
+        <p:cxnSp>
+          <p:nvCxnSpPr>
+            <p:cNvPr id="28" name="Соединительная линия уступом 27"/>
+            <p:cNvCxnSpPr>
+              <a:stCxn id="13" idx="2"/>
+              <a:endCxn id="12" idx="0"/>
+            </p:cNvCxnSpPr>
+            <p:nvPr/>
+          </p:nvCxnSpPr>
+          <p:spPr>
+            <a:xfrm rot="5400000">
+              <a:off x="4402593" y="2275621"/>
+              <a:ext cx="1153812" cy="5394371"/>
+            </a:xfrm>
+            <a:prstGeom prst="bentConnector3">
+              <a:avLst/>
+            </a:prstGeom>
+            <a:ln w="38100">
+              <a:tailEnd type="triangle"/>
+            </a:ln>
+          </p:spPr>
+          <p:style>
+            <a:lnRef idx="1">
+              <a:schemeClr val="accent1"/>
+            </a:lnRef>
+            <a:fillRef idx="0">
+              <a:schemeClr val="accent1"/>
+            </a:fillRef>
+            <a:effectRef idx="0">
+              <a:schemeClr val="accent1"/>
+            </a:effectRef>
+            <a:fontRef idx="minor">
+              <a:schemeClr val="tx1"/>
+            </a:fontRef>
+          </p:style>
+        </p:cxnSp>
+        <p:sp>
+          <p:nvSpPr>
+            <p:cNvPr id="30" name="Прямоугольник 29"/>
+            <p:cNvSpPr/>
+            <p:nvPr/>
+          </p:nvSpPr>
+          <p:spPr>
+            <a:xfrm>
+              <a:off x="3183216" y="4548525"/>
+              <a:ext cx="3823483" cy="369332"/>
+            </a:xfrm>
+            <a:prstGeom prst="rect">
+              <a:avLst/>
+            </a:prstGeom>
+          </p:spPr>
+          <p:txBody>
+            <a:bodyPr wrap="none">
+              <a:spAutoFit/>
+            </a:bodyPr>
+            <a:lstStyle/>
+            <a:p>
+              <a:r>
+                <a:rPr lang="ru-RU" dirty="0">
+                  <a:solidFill>
+                    <a:srgbClr val="000000"/>
+                  </a:solidFill>
+                  <a:latin typeface="Times New Roman" panose="02020603050405020304" pitchFamily="18" charset="0"/>
+                  <a:cs typeface="Times New Roman" panose="02020603050405020304" pitchFamily="18" charset="0"/>
+                </a:rPr>
+                <a:t>Канальный уровень взаимодействия </a:t>
+              </a:r>
+              <a:endParaRPr lang="ru-RU" dirty="0"/>
+            </a:p>
+          </p:txBody>
+        </p:sp>
+        <p:sp>
+          <p:nvSpPr>
+            <p:cNvPr id="31" name="Прямоугольник 30"/>
+            <p:cNvSpPr/>
+            <p:nvPr/>
+          </p:nvSpPr>
+          <p:spPr>
+            <a:xfrm>
+              <a:off x="3985476" y="3602287"/>
+              <a:ext cx="1988045" cy="369332"/>
+            </a:xfrm>
+            <a:prstGeom prst="rect">
+              <a:avLst/>
+            </a:prstGeom>
+          </p:spPr>
+          <p:txBody>
+            <a:bodyPr wrap="none">
+              <a:spAutoFit/>
+            </a:bodyPr>
+            <a:lstStyle/>
+            <a:p>
+              <a:r>
+                <a:rPr lang="ru-RU" dirty="0">
+                  <a:solidFill>
+                    <a:srgbClr val="000000"/>
+                  </a:solidFill>
+                  <a:latin typeface="Times New Roman" panose="02020603050405020304" pitchFamily="18" charset="0"/>
+                  <a:cs typeface="Times New Roman" panose="02020603050405020304" pitchFamily="18" charset="0"/>
+                </a:rPr>
+                <a:t>Микроконтроллер</a:t>
+              </a:r>
+              <a:endParaRPr lang="ru-RU" dirty="0"/>
+            </a:p>
+          </p:txBody>
+        </p:sp>
+        <p:sp>
+          <p:nvSpPr>
+            <p:cNvPr id="36" name="Прямоугольник 35"/>
+            <p:cNvSpPr/>
+            <p:nvPr/>
+          </p:nvSpPr>
+          <p:spPr>
+            <a:xfrm>
+              <a:off x="3846816" y="5180379"/>
+              <a:ext cx="2265364" cy="369332"/>
+            </a:xfrm>
+            <a:prstGeom prst="rect">
+              <a:avLst/>
+            </a:prstGeom>
+          </p:spPr>
+          <p:txBody>
+            <a:bodyPr wrap="none">
+              <a:spAutoFit/>
+            </a:bodyPr>
+            <a:lstStyle/>
+            <a:p>
+              <a:r>
+                <a:rPr lang="ru-RU" dirty="0">
+                  <a:solidFill>
+                    <a:srgbClr val="000000"/>
+                  </a:solidFill>
+                  <a:latin typeface="Times New Roman" panose="02020603050405020304" pitchFamily="18" charset="0"/>
+                  <a:cs typeface="Times New Roman" panose="02020603050405020304" pitchFamily="18" charset="0"/>
+                </a:rPr>
+                <a:t>Внешний компьютер</a:t>
+              </a:r>
+              <a:endParaRPr lang="ru-RU" dirty="0"/>
+            </a:p>
+          </p:txBody>
+        </p:sp>
+      </p:grpSp>
+    </p:spTree>
+    <p:extLst>
+      <p:ext uri="{BB962C8B-B14F-4D97-AF65-F5344CB8AC3E}">
+        <p14:creationId xmlns:p14="http://schemas.microsoft.com/office/powerpoint/2010/main" val="164598796"/>
+      </p:ext>
+    </p:extLst>
+  </p:cSld>
+  <p:clrMapOvr>
+    <a:masterClrMapping/>
+  </p:clrMapOvr>
+</p:sld>
+</file>
+
+<file path=ppt/slides/slide17.xml><?xml version="1.0" encoding="utf-8"?>
+<p:sld xmlns:a="http://schemas.openxmlformats.org/drawingml/2006/main" xmlns:r="http://schemas.openxmlformats.org/officeDocument/2006/relationships" xmlns:p="http://schemas.openxmlformats.org/presentationml/2006/main">
+  <p:cSld>
+    <p:spTree>
+      <p:nvGrpSpPr>
+        <p:cNvPr id="1" name=""/>
+        <p:cNvGrpSpPr/>
+        <p:nvPr/>
+      </p:nvGrpSpPr>
+      <p:grpSpPr>
+        <a:xfrm>
+          <a:off x="0" y="0"/>
+          <a:ext cx="0" cy="0"/>
+          <a:chOff x="0" y="0"/>
+          <a:chExt cx="0" cy="0"/>
+        </a:xfrm>
+      </p:grpSpPr>
+      <p:sp>
+        <p:nvSpPr>
+          <p:cNvPr id="2" name="Заголовок 1"/>
+          <p:cNvSpPr>
+            <a:spLocks noGrp="1"/>
+          </p:cNvSpPr>
+          <p:nvPr>
+            <p:ph type="title"/>
+          </p:nvPr>
+        </p:nvSpPr>
+        <p:spPr/>
+        <p:txBody>
+          <a:bodyPr/>
+          <a:lstStyle/>
+          <a:p>
+            <a:r>
+              <a:rPr lang="ru-RU" dirty="0">
+                <a:latin typeface="Times New Roman" panose="02020603050405020304" pitchFamily="18" charset="0"/>
+                <a:cs typeface="Times New Roman" panose="02020603050405020304" pitchFamily="18" charset="0"/>
+              </a:rPr>
+              <a:t>Программное расширение</a:t>
+            </a:r>
+            <a:r>
+              <a:rPr lang="en-US" dirty="0">
+                <a:latin typeface="Times New Roman" panose="02020603050405020304" pitchFamily="18" charset="0"/>
+                <a:cs typeface="Times New Roman" panose="02020603050405020304" pitchFamily="18" charset="0"/>
+              </a:rPr>
+              <a:t>:</a:t>
+            </a:r>
+            <a:r>
+              <a:rPr lang="ru-RU" dirty="0">
+                <a:latin typeface="Times New Roman" panose="02020603050405020304" pitchFamily="18" charset="0"/>
+                <a:cs typeface="Times New Roman" panose="02020603050405020304" pitchFamily="18" charset="0"/>
+              </a:rPr>
+              <a:t> </a:t>
+            </a:r>
+            <a:r>
+              <a:rPr lang="ru-RU" dirty="0" err="1">
+                <a:latin typeface="Times New Roman" panose="02020603050405020304" pitchFamily="18" charset="0"/>
+                <a:cs typeface="Times New Roman" panose="02020603050405020304" pitchFamily="18" charset="0"/>
+              </a:rPr>
+              <a:t>репозиторий</a:t>
+            </a:r>
+            <a:endParaRPr lang="ru-RU" dirty="0">
+              <a:latin typeface="Times New Roman" panose="02020603050405020304" pitchFamily="18" charset="0"/>
+              <a:cs typeface="Times New Roman" panose="02020603050405020304" pitchFamily="18" charset="0"/>
+            </a:endParaRPr>
+          </a:p>
+        </p:txBody>
+      </p:sp>
+      <p:pic>
+        <p:nvPicPr>
+          <p:cNvPr id="3" name="Рисунок 2"/>
+          <p:cNvPicPr>
+            <a:picLocks noChangeAspect="1"/>
+          </p:cNvPicPr>
+          <p:nvPr/>
+        </p:nvPicPr>
+        <p:blipFill>
+          <a:blip r:embed="rId2"/>
+          <a:stretch>
+            <a:fillRect/>
+          </a:stretch>
+        </p:blipFill>
+        <p:spPr>
+          <a:xfrm>
+            <a:off x="2363408" y="1417638"/>
+            <a:ext cx="7465182" cy="4753886"/>
+          </a:xfrm>
+          <a:prstGeom prst="rect">
+            <a:avLst/>
+          </a:prstGeom>
+        </p:spPr>
+      </p:pic>
+    </p:spTree>
+    <p:extLst>
+      <p:ext uri="{BB962C8B-B14F-4D97-AF65-F5344CB8AC3E}">
+        <p14:creationId xmlns:p14="http://schemas.microsoft.com/office/powerpoint/2010/main" val="2847787440"/>
+      </p:ext>
+    </p:extLst>
+  </p:cSld>
+  <p:clrMapOvr>
+    <a:masterClrMapping/>
+  </p:clrMapOvr>
+</p:sld>
+</file>
+
+<file path=ppt/slides/slide18.xml><?xml version="1.0" encoding="utf-8"?>
+<p:sld xmlns:a="http://schemas.openxmlformats.org/drawingml/2006/main" xmlns:r="http://schemas.openxmlformats.org/officeDocument/2006/relationships" xmlns:p="http://schemas.openxmlformats.org/presentationml/2006/main">
+  <p:cSld>
+    <p:spTree>
+      <p:nvGrpSpPr>
+        <p:cNvPr id="1" name=""/>
+        <p:cNvGrpSpPr/>
+        <p:nvPr/>
+      </p:nvGrpSpPr>
+      <p:grpSpPr>
+        <a:xfrm>
+          <a:off x="0" y="0"/>
+          <a:ext cx="0" cy="0"/>
+          <a:chOff x="0" y="0"/>
+          <a:chExt cx="0" cy="0"/>
+        </a:xfrm>
+      </p:grpSpPr>
+      <p:sp>
+        <p:nvSpPr>
+          <p:cNvPr id="2" name="Заголовок 1"/>
+          <p:cNvSpPr>
+            <a:spLocks noGrp="1"/>
+          </p:cNvSpPr>
+          <p:nvPr>
+            <p:ph type="title"/>
+          </p:nvPr>
+        </p:nvSpPr>
+        <p:spPr/>
+        <p:txBody>
+          <a:bodyPr/>
+          <a:lstStyle/>
+          <a:p>
+            <a:r>
+              <a:rPr lang="ru-RU" dirty="0">
+                <a:latin typeface="Times New Roman" panose="02020603050405020304" pitchFamily="18" charset="0"/>
+                <a:cs typeface="Times New Roman" panose="02020603050405020304" pitchFamily="18" charset="0"/>
+              </a:rPr>
+              <a:t>Программное расширение</a:t>
+            </a:r>
+            <a:r>
+              <a:rPr lang="en-US" dirty="0">
+                <a:latin typeface="Times New Roman" panose="02020603050405020304" pitchFamily="18" charset="0"/>
+                <a:cs typeface="Times New Roman" panose="02020603050405020304" pitchFamily="18" charset="0"/>
+              </a:rPr>
+              <a:t>:</a:t>
+            </a:r>
+            <a:r>
+              <a:rPr lang="ru-RU" dirty="0">
+                <a:latin typeface="Times New Roman" panose="02020603050405020304" pitchFamily="18" charset="0"/>
+                <a:cs typeface="Times New Roman" panose="02020603050405020304" pitchFamily="18" charset="0"/>
+              </a:rPr>
+              <a:t> </a:t>
+            </a:r>
+            <a:r>
+              <a:rPr lang="ru-RU" dirty="0" err="1">
+                <a:latin typeface="Times New Roman" panose="02020603050405020304" pitchFamily="18" charset="0"/>
+                <a:cs typeface="Times New Roman" panose="02020603050405020304" pitchFamily="18" charset="0"/>
+              </a:rPr>
+              <a:t>репозиторий</a:t>
+            </a:r>
+            <a:endParaRPr lang="ru-RU" dirty="0">
+              <a:latin typeface="Times New Roman" panose="02020603050405020304" pitchFamily="18" charset="0"/>
+              <a:cs typeface="Times New Roman" panose="02020603050405020304" pitchFamily="18" charset="0"/>
+            </a:endParaRPr>
+          </a:p>
+        </p:txBody>
+      </p:sp>
+      <p:pic>
+        <p:nvPicPr>
+          <p:cNvPr id="4" name="Рисунок 3"/>
+          <p:cNvPicPr>
+            <a:picLocks noChangeAspect="1"/>
+          </p:cNvPicPr>
+          <p:nvPr/>
+        </p:nvPicPr>
+        <p:blipFill>
+          <a:blip r:embed="rId2"/>
+          <a:stretch>
+            <a:fillRect/>
+          </a:stretch>
+        </p:blipFill>
+        <p:spPr>
+          <a:xfrm>
+            <a:off x="2498281" y="1417638"/>
+            <a:ext cx="7195435" cy="4964966"/>
+          </a:xfrm>
+          <a:prstGeom prst="rect">
+            <a:avLst/>
+          </a:prstGeom>
+        </p:spPr>
+      </p:pic>
+    </p:spTree>
+    <p:extLst>
+      <p:ext uri="{BB962C8B-B14F-4D97-AF65-F5344CB8AC3E}">
+        <p14:creationId xmlns:p14="http://schemas.microsoft.com/office/powerpoint/2010/main" val="3123033729"/>
+      </p:ext>
+    </p:extLst>
+  </p:cSld>
+  <p:clrMapOvr>
+    <a:masterClrMapping/>
+  </p:clrMapOvr>
+</p:sld>
+</file>
+
+<file path=ppt/slides/slide19.xml><?xml version="1.0" encoding="utf-8"?>
+<p:sld xmlns:a="http://schemas.openxmlformats.org/drawingml/2006/main" xmlns:r="http://schemas.openxmlformats.org/officeDocument/2006/relationships" xmlns:p="http://schemas.openxmlformats.org/presentationml/2006/main">
+  <p:cSld>
+    <p:spTree>
+      <p:nvGrpSpPr>
+        <p:cNvPr id="1" name=""/>
+        <p:cNvGrpSpPr/>
+        <p:nvPr/>
+      </p:nvGrpSpPr>
+      <p:grpSpPr>
+        <a:xfrm>
+          <a:off x="0" y="0"/>
+          <a:ext cx="0" cy="0"/>
+          <a:chOff x="0" y="0"/>
+          <a:chExt cx="0" cy="0"/>
+        </a:xfrm>
+      </p:grpSpPr>
+      <p:sp>
+        <p:nvSpPr>
+          <p:cNvPr id="2" name="Заголовок 1"/>
+          <p:cNvSpPr>
+            <a:spLocks noGrp="1"/>
+          </p:cNvSpPr>
+          <p:nvPr>
+            <p:ph type="title"/>
+          </p:nvPr>
+        </p:nvSpPr>
+        <p:spPr>
+          <a:xfrm>
+            <a:off x="3252158" y="2646902"/>
+            <a:ext cx="5569788" cy="1143000"/>
+          </a:xfrm>
+        </p:spPr>
+        <p:txBody>
+          <a:bodyPr/>
+          <a:lstStyle/>
+          <a:p>
+            <a:pPr algn="ctr"/>
+            <a:r>
+              <a:rPr lang="ru-RU" dirty="0">
+                <a:latin typeface="Times New Roman" panose="02020603050405020304" pitchFamily="18" charset="0"/>
+                <a:cs typeface="Times New Roman" panose="02020603050405020304" pitchFamily="18" charset="0"/>
+              </a:rPr>
+              <a:t>Спасибо за внимание</a:t>
+            </a:r>
+          </a:p>
+        </p:txBody>
+      </p:sp>
+    </p:spTree>
+    <p:extLst>
+      <p:ext uri="{BB962C8B-B14F-4D97-AF65-F5344CB8AC3E}">
+        <p14:creationId xmlns:p14="http://schemas.microsoft.com/office/powerpoint/2010/main" val="1240178356"/>
+      </p:ext>
+    </p:extLst>
+  </p:cSld>
+  <p:clrMapOvr>
+    <a:masterClrMapping/>
+  </p:clrMapOvr>
+</p:sld>
+</file>
+
+<file path=ppt/slides/slide2.xml><?xml version="1.0" encoding="utf-8"?>
+<p:sld xmlns:a="http://schemas.openxmlformats.org/drawingml/2006/main" xmlns:r="http://schemas.openxmlformats.org/officeDocument/2006/relationships" xmlns:p="http://schemas.openxmlformats.org/presentationml/2006/main" showMasterPhAnim="0">
+  <p:cSld>
     <p:spTree>
       <p:nvGrpSpPr>
         <p:cNvPr id="1" name=""/>
@@ -6369,7 +8550,7 @@
       </p:grpSpPr>
       <p:sp>
         <p:nvSpPr>
-          <p:cNvPr id="1722270747" name="Title 1"/>
+          <p:cNvPr id="824845909" name="Title 1"/>
           <p:cNvSpPr>
             <a:spLocks noGrp="1"/>
           </p:cNvSpPr>
@@ -6386,16 +8567,22 @@
               <a:defRPr/>
             </a:pPr>
             <a:r>
-              <a:rPr lang="ru-RU"/>
-              <a:t>Осциллограф</a:t>
-            </a:r>
-            <a:endParaRPr/>
-          </a:p>
-        </p:txBody>
-      </p:sp>
-      <p:sp>
-        <p:nvSpPr>
-          <p:cNvPr id="1852236567" name="Content Placeholder 2"/>
+              <a:rPr lang="ru-RU" dirty="0">
+                <a:latin typeface="Times New Roman" panose="02020603050405020304" pitchFamily="18" charset="0"/>
+                <a:cs typeface="Times New Roman" panose="02020603050405020304" pitchFamily="18" charset="0"/>
+              </a:rPr>
+              <a:t>Цель курсового проекта</a:t>
+            </a:r>
+            <a:endParaRPr dirty="0">
+              <a:latin typeface="Times New Roman" panose="02020603050405020304" pitchFamily="18" charset="0"/>
+              <a:cs typeface="Times New Roman" panose="02020603050405020304" pitchFamily="18" charset="0"/>
+            </a:endParaRPr>
+          </a:p>
+        </p:txBody>
+      </p:sp>
+      <p:sp>
+        <p:nvSpPr>
+          <p:cNvPr id="296746449" name="Content Placeholder 2"/>
           <p:cNvSpPr>
             <a:spLocks noGrp="1"/>
           </p:cNvSpPr>
@@ -6404,18 +8591,16 @@
           </p:nvPr>
         </p:nvSpPr>
         <p:spPr bwMode="auto">
-          <a:xfrm flipH="0" flipV="0">
-            <a:off x="838198" y="1825624"/>
-            <a:ext cx="5312382" cy="4351338"/>
+          <a:xfrm>
+            <a:off x="609600" y="1600201"/>
+            <a:ext cx="5178726" cy="3446252"/>
           </a:xfrm>
         </p:spPr>
         <p:txBody>
-          <a:bodyPr vertOverflow="overflow" horzOverflow="overflow" vert="horz" wrap="square" lIns="91440" tIns="45720" rIns="91440" bIns="45720" numCol="1" spcCol="0" rtlCol="0" fromWordArt="0" anchor="t" anchorCtr="0" forceAA="0" upright="0" compatLnSpc="0">
-            <a:normAutofit fontScale="95000" lnSpcReduction="1000"/>
-          </a:bodyPr>
+          <a:bodyPr/>
           <a:lstStyle/>
           <a:p>
-            <a:pPr marL="0" indent="0" algn="just">
+            <a:pPr marL="0" indent="450000" algn="just">
               <a:lnSpc>
                 <a:spcPct val="100000"/>
               </a:lnSpc>
@@ -6424,23 +8609,864 @@
               <a:defRPr/>
             </a:pPr>
             <a:r>
-              <a:rPr sz="2400" b="0" i="0" u="none">
-                <a:solidFill>
-                  <a:srgbClr val="000000"/>
-                </a:solidFill>
-                <a:latin typeface="Arial"/>
-                <a:ea typeface="Arial"/>
-                <a:cs typeface="Arial"/>
-              </a:rPr>
-              <a:t>	Основное назначение осциллографа – предоставление пользователю  визуального отображения сигналов, поступающих на вход прибора с целью их  последующего измерения и анализа в частотной, временной и логической  области. Эти картинки можно сохранять, преобразовывать, что актуально  при последующем исследовании, сравнении.</a:t>
-            </a:r>
-            <a:endParaRPr/>
+              <a:rPr lang="ru-RU" sz="2400" dirty="0">
+                <a:latin typeface="Times New Roman" panose="02020603050405020304" pitchFamily="18" charset="0"/>
+                <a:cs typeface="Times New Roman" panose="02020603050405020304" pitchFamily="18" charset="0"/>
+              </a:rPr>
+              <a:t>Разработать принципиальную и функциональную схемы цифрового осциллографа, на основе микроконтроллера и цифровой </a:t>
+            </a:r>
+            <a:r>
+              <a:rPr lang="en-US" sz="2400" dirty="0">
+                <a:latin typeface="Times New Roman" panose="02020603050405020304" pitchFamily="18" charset="0"/>
+                <a:cs typeface="Times New Roman" panose="02020603050405020304" pitchFamily="18" charset="0"/>
+              </a:rPr>
+              <a:t>OLED </a:t>
+            </a:r>
+            <a:r>
+              <a:rPr lang="ru-RU" sz="2400" dirty="0">
+                <a:latin typeface="Times New Roman" panose="02020603050405020304" pitchFamily="18" charset="0"/>
+                <a:cs typeface="Times New Roman" panose="02020603050405020304" pitchFamily="18" charset="0"/>
+              </a:rPr>
+              <a:t>матрицы. С возможностью отображения формы сигнала, сохранения в память и чтения сохраненного сигнала, с выводом значений на матрицу.</a:t>
+            </a:r>
+            <a:endParaRPr dirty="0">
+              <a:latin typeface="Times New Roman" panose="02020603050405020304" pitchFamily="18" charset="0"/>
+              <a:cs typeface="Times New Roman" panose="02020603050405020304" pitchFamily="18" charset="0"/>
+            </a:endParaRPr>
           </a:p>
         </p:txBody>
       </p:sp>
       <p:pic>
         <p:nvPicPr>
-          <p:cNvPr id="1270727501" name=""/>
+          <p:cNvPr id="3" name="Рисунок 2"/>
+          <p:cNvPicPr>
+            <a:picLocks noChangeAspect="1"/>
+          </p:cNvPicPr>
+          <p:nvPr/>
+        </p:nvPicPr>
+        <p:blipFill>
+          <a:blip r:embed="rId3" cstate="print">
+            <a:extLst>
+              <a:ext uri="{28A0092B-C50C-407E-A947-70E740481C1C}">
+                <a14:useLocalDpi xmlns:a14="http://schemas.microsoft.com/office/drawing/2010/main" val="0"/>
+              </a:ext>
+            </a:extLst>
+          </a:blip>
+          <a:stretch>
+            <a:fillRect/>
+          </a:stretch>
+        </p:blipFill>
+        <p:spPr>
+          <a:xfrm>
+            <a:off x="6159260" y="2141508"/>
+            <a:ext cx="5624422" cy="3163737"/>
+          </a:xfrm>
+          <a:prstGeom prst="rect">
+            <a:avLst/>
+          </a:prstGeom>
+        </p:spPr>
+      </p:pic>
+    </p:spTree>
+  </p:cSld>
+  <p:clrMapOvr>
+    <a:masterClrMapping/>
+  </p:clrMapOvr>
+</p:sld>
+</file>
+
+<file path=ppt/slides/slide3.xml><?xml version="1.0" encoding="utf-8"?>
+<p:sld xmlns:a="http://schemas.openxmlformats.org/drawingml/2006/main" xmlns:r="http://schemas.openxmlformats.org/officeDocument/2006/relationships" xmlns:p="http://schemas.openxmlformats.org/presentationml/2006/main" showMasterPhAnim="0">
+  <p:cSld>
+    <p:spTree>
+      <p:nvGrpSpPr>
+        <p:cNvPr id="1" name=""/>
+        <p:cNvGrpSpPr/>
+        <p:nvPr/>
+      </p:nvGrpSpPr>
+      <p:grpSpPr bwMode="auto">
+        <a:xfrm>
+          <a:off x="0" y="0"/>
+          <a:ext cx="0" cy="0"/>
+          <a:chOff x="0" y="0"/>
+          <a:chExt cx="0" cy="0"/>
+        </a:xfrm>
+      </p:grpSpPr>
+      <p:sp>
+        <p:nvSpPr>
+          <p:cNvPr id="1722270747" name="Title 1"/>
+          <p:cNvSpPr>
+            <a:spLocks noGrp="1"/>
+          </p:cNvSpPr>
+          <p:nvPr>
+            <p:ph type="title"/>
+          </p:nvPr>
+        </p:nvSpPr>
+        <p:spPr bwMode="auto"/>
+        <p:txBody>
+          <a:bodyPr/>
+          <a:lstStyle/>
+          <a:p>
+            <a:pPr>
+              <a:defRPr/>
+            </a:pPr>
+            <a:r>
+              <a:rPr lang="ru-RU" dirty="0">
+                <a:latin typeface="Times New Roman" panose="02020603050405020304" pitchFamily="18" charset="0"/>
+                <a:cs typeface="Times New Roman" panose="02020603050405020304" pitchFamily="18" charset="0"/>
+              </a:rPr>
+              <a:t>Теория разработки проекта</a:t>
+            </a:r>
+            <a:endParaRPr dirty="0">
+              <a:latin typeface="Times New Roman" panose="02020603050405020304" pitchFamily="18" charset="0"/>
+              <a:cs typeface="Times New Roman" panose="02020603050405020304" pitchFamily="18" charset="0"/>
+            </a:endParaRPr>
+          </a:p>
+        </p:txBody>
+      </p:sp>
+      <p:sp>
+        <p:nvSpPr>
+          <p:cNvPr id="1852236567" name="Content Placeholder 2"/>
+          <p:cNvSpPr>
+            <a:spLocks noGrp="1"/>
+          </p:cNvSpPr>
+          <p:nvPr>
+            <p:ph idx="1"/>
+          </p:nvPr>
+        </p:nvSpPr>
+        <p:spPr bwMode="auto">
+          <a:xfrm>
+            <a:off x="838198" y="1825624"/>
+            <a:ext cx="5312382" cy="4351338"/>
+          </a:xfrm>
+        </p:spPr>
+        <p:txBody>
+          <a:bodyPr vertOverflow="overflow" horzOverflow="overflow" vert="horz" wrap="square" lIns="91440" tIns="45720" rIns="91440" bIns="45720" numCol="1" spcCol="0" rtlCol="0" fromWordArt="0" anchor="t" anchorCtr="0" forceAA="0" compatLnSpc="0">
+            <a:normAutofit fontScale="95000" lnSpcReduction="1000"/>
+          </a:bodyPr>
+          <a:lstStyle/>
+          <a:p>
+            <a:pPr marL="0" indent="450000" algn="just">
+              <a:lnSpc>
+                <a:spcPct val="100000"/>
+              </a:lnSpc>
+              <a:buFont typeface="Arial"/>
+              <a:buNone/>
+              <a:defRPr/>
+            </a:pPr>
+            <a:r>
+              <a:rPr sz="2400" b="0" i="0" u="none" dirty="0" err="1">
+                <a:solidFill>
+                  <a:srgbClr val="000000"/>
+                </a:solidFill>
+                <a:latin typeface="Times New Roman" panose="02020603050405020304" pitchFamily="18" charset="0"/>
+                <a:ea typeface="Arial"/>
+                <a:cs typeface="Times New Roman" panose="02020603050405020304" pitchFamily="18" charset="0"/>
+              </a:rPr>
+              <a:t>Основное</a:t>
+            </a:r>
+            <a:r>
+              <a:rPr sz="2400" b="0" i="0" u="none" dirty="0">
+                <a:solidFill>
+                  <a:srgbClr val="000000"/>
+                </a:solidFill>
+                <a:latin typeface="Times New Roman" panose="02020603050405020304" pitchFamily="18" charset="0"/>
+                <a:ea typeface="Arial"/>
+                <a:cs typeface="Times New Roman" panose="02020603050405020304" pitchFamily="18" charset="0"/>
+              </a:rPr>
+              <a:t> </a:t>
+            </a:r>
+            <a:r>
+              <a:rPr sz="2400" b="0" i="0" u="none" dirty="0" err="1">
+                <a:solidFill>
+                  <a:srgbClr val="000000"/>
+                </a:solidFill>
+                <a:latin typeface="Times New Roman" panose="02020603050405020304" pitchFamily="18" charset="0"/>
+                <a:ea typeface="Arial"/>
+                <a:cs typeface="Times New Roman" panose="02020603050405020304" pitchFamily="18" charset="0"/>
+              </a:rPr>
+              <a:t>назначение</a:t>
+            </a:r>
+            <a:r>
+              <a:rPr sz="2400" b="0" i="0" u="none" dirty="0">
+                <a:solidFill>
+                  <a:srgbClr val="000000"/>
+                </a:solidFill>
+                <a:latin typeface="Times New Roman" panose="02020603050405020304" pitchFamily="18" charset="0"/>
+                <a:ea typeface="Arial"/>
+                <a:cs typeface="Times New Roman" panose="02020603050405020304" pitchFamily="18" charset="0"/>
+              </a:rPr>
+              <a:t> </a:t>
+            </a:r>
+            <a:r>
+              <a:rPr sz="2400" b="0" i="0" u="none" dirty="0" err="1">
+                <a:solidFill>
+                  <a:srgbClr val="000000"/>
+                </a:solidFill>
+                <a:latin typeface="Times New Roman" panose="02020603050405020304" pitchFamily="18" charset="0"/>
+                <a:ea typeface="Arial"/>
+                <a:cs typeface="Times New Roman" panose="02020603050405020304" pitchFamily="18" charset="0"/>
+              </a:rPr>
+              <a:t>осциллографа</a:t>
+            </a:r>
+            <a:r>
+              <a:rPr sz="2400" b="0" i="0" u="none" dirty="0">
+                <a:solidFill>
+                  <a:srgbClr val="000000"/>
+                </a:solidFill>
+                <a:latin typeface="Times New Roman" panose="02020603050405020304" pitchFamily="18" charset="0"/>
+                <a:ea typeface="Arial"/>
+                <a:cs typeface="Times New Roman" panose="02020603050405020304" pitchFamily="18" charset="0"/>
+              </a:rPr>
+              <a:t> – </a:t>
+            </a:r>
+            <a:r>
+              <a:rPr sz="2400" b="0" i="0" u="none" dirty="0" err="1">
+                <a:solidFill>
+                  <a:srgbClr val="000000"/>
+                </a:solidFill>
+                <a:latin typeface="Times New Roman" panose="02020603050405020304" pitchFamily="18" charset="0"/>
+                <a:ea typeface="Arial"/>
+                <a:cs typeface="Times New Roman" panose="02020603050405020304" pitchFamily="18" charset="0"/>
+              </a:rPr>
+              <a:t>предоставление</a:t>
+            </a:r>
+            <a:r>
+              <a:rPr sz="2400" b="0" i="0" u="none" dirty="0">
+                <a:solidFill>
+                  <a:srgbClr val="000000"/>
+                </a:solidFill>
+                <a:latin typeface="Times New Roman" panose="02020603050405020304" pitchFamily="18" charset="0"/>
+                <a:ea typeface="Arial"/>
+                <a:cs typeface="Times New Roman" panose="02020603050405020304" pitchFamily="18" charset="0"/>
+              </a:rPr>
+              <a:t> </a:t>
+            </a:r>
+            <a:r>
+              <a:rPr sz="2400" b="0" i="0" u="none" dirty="0" err="1">
+                <a:solidFill>
+                  <a:srgbClr val="000000"/>
+                </a:solidFill>
+                <a:latin typeface="Times New Roman" panose="02020603050405020304" pitchFamily="18" charset="0"/>
+                <a:ea typeface="Arial"/>
+                <a:cs typeface="Times New Roman" panose="02020603050405020304" pitchFamily="18" charset="0"/>
+              </a:rPr>
+              <a:t>пользователю</a:t>
+            </a:r>
+            <a:r>
+              <a:rPr sz="2400" b="0" i="0" u="none" dirty="0">
+                <a:solidFill>
+                  <a:srgbClr val="000000"/>
+                </a:solidFill>
+                <a:latin typeface="Times New Roman" panose="02020603050405020304" pitchFamily="18" charset="0"/>
+                <a:ea typeface="Arial"/>
+                <a:cs typeface="Times New Roman" panose="02020603050405020304" pitchFamily="18" charset="0"/>
+              </a:rPr>
+              <a:t>  </a:t>
+            </a:r>
+            <a:r>
+              <a:rPr sz="2400" b="0" i="0" u="none" dirty="0" err="1">
+                <a:solidFill>
+                  <a:srgbClr val="000000"/>
+                </a:solidFill>
+                <a:latin typeface="Times New Roman" panose="02020603050405020304" pitchFamily="18" charset="0"/>
+                <a:ea typeface="Arial"/>
+                <a:cs typeface="Times New Roman" panose="02020603050405020304" pitchFamily="18" charset="0"/>
+              </a:rPr>
+              <a:t>визуального</a:t>
+            </a:r>
+            <a:r>
+              <a:rPr sz="2400" b="0" i="0" u="none" dirty="0">
+                <a:solidFill>
+                  <a:srgbClr val="000000"/>
+                </a:solidFill>
+                <a:latin typeface="Times New Roman" panose="02020603050405020304" pitchFamily="18" charset="0"/>
+                <a:ea typeface="Arial"/>
+                <a:cs typeface="Times New Roman" panose="02020603050405020304" pitchFamily="18" charset="0"/>
+              </a:rPr>
+              <a:t> </a:t>
+            </a:r>
+            <a:r>
+              <a:rPr sz="2400" b="0" i="0" u="none" dirty="0" err="1">
+                <a:solidFill>
+                  <a:srgbClr val="000000"/>
+                </a:solidFill>
+                <a:latin typeface="Times New Roman" panose="02020603050405020304" pitchFamily="18" charset="0"/>
+                <a:ea typeface="Arial"/>
+                <a:cs typeface="Times New Roman" panose="02020603050405020304" pitchFamily="18" charset="0"/>
+              </a:rPr>
+              <a:t>отображения</a:t>
+            </a:r>
+            <a:r>
+              <a:rPr sz="2400" b="0" i="0" u="none" dirty="0">
+                <a:solidFill>
+                  <a:srgbClr val="000000"/>
+                </a:solidFill>
+                <a:latin typeface="Times New Roman" panose="02020603050405020304" pitchFamily="18" charset="0"/>
+                <a:ea typeface="Arial"/>
+                <a:cs typeface="Times New Roman" panose="02020603050405020304" pitchFamily="18" charset="0"/>
+              </a:rPr>
+              <a:t> </a:t>
+            </a:r>
+            <a:r>
+              <a:rPr sz="2400" b="0" i="0" u="none" dirty="0" err="1">
+                <a:solidFill>
+                  <a:srgbClr val="000000"/>
+                </a:solidFill>
+                <a:latin typeface="Times New Roman" panose="02020603050405020304" pitchFamily="18" charset="0"/>
+                <a:ea typeface="Arial"/>
+                <a:cs typeface="Times New Roman" panose="02020603050405020304" pitchFamily="18" charset="0"/>
+              </a:rPr>
+              <a:t>сигналов</a:t>
+            </a:r>
+            <a:r>
+              <a:rPr sz="2400" b="0" i="0" u="none" dirty="0">
+                <a:solidFill>
+                  <a:srgbClr val="000000"/>
+                </a:solidFill>
+                <a:latin typeface="Times New Roman" panose="02020603050405020304" pitchFamily="18" charset="0"/>
+                <a:ea typeface="Arial"/>
+                <a:cs typeface="Times New Roman" panose="02020603050405020304" pitchFamily="18" charset="0"/>
+              </a:rPr>
+              <a:t>, </a:t>
+            </a:r>
+            <a:r>
+              <a:rPr sz="2400" b="0" i="0" u="none" dirty="0" err="1">
+                <a:solidFill>
+                  <a:srgbClr val="000000"/>
+                </a:solidFill>
+                <a:latin typeface="Times New Roman" panose="02020603050405020304" pitchFamily="18" charset="0"/>
+                <a:ea typeface="Arial"/>
+                <a:cs typeface="Times New Roman" panose="02020603050405020304" pitchFamily="18" charset="0"/>
+              </a:rPr>
+              <a:t>поступающих</a:t>
+            </a:r>
+            <a:r>
+              <a:rPr sz="2400" b="0" i="0" u="none" dirty="0">
+                <a:solidFill>
+                  <a:srgbClr val="000000"/>
+                </a:solidFill>
+                <a:latin typeface="Times New Roman" panose="02020603050405020304" pitchFamily="18" charset="0"/>
+                <a:ea typeface="Arial"/>
+                <a:cs typeface="Times New Roman" panose="02020603050405020304" pitchFamily="18" charset="0"/>
+              </a:rPr>
+              <a:t> </a:t>
+            </a:r>
+            <a:r>
+              <a:rPr sz="2400" b="0" i="0" u="none" dirty="0" err="1">
+                <a:solidFill>
+                  <a:srgbClr val="000000"/>
+                </a:solidFill>
+                <a:latin typeface="Times New Roman" panose="02020603050405020304" pitchFamily="18" charset="0"/>
+                <a:ea typeface="Arial"/>
+                <a:cs typeface="Times New Roman" panose="02020603050405020304" pitchFamily="18" charset="0"/>
+              </a:rPr>
+              <a:t>на</a:t>
+            </a:r>
+            <a:r>
+              <a:rPr sz="2400" b="0" i="0" u="none" dirty="0">
+                <a:solidFill>
+                  <a:srgbClr val="000000"/>
+                </a:solidFill>
+                <a:latin typeface="Times New Roman" panose="02020603050405020304" pitchFamily="18" charset="0"/>
+                <a:ea typeface="Arial"/>
+                <a:cs typeface="Times New Roman" panose="02020603050405020304" pitchFamily="18" charset="0"/>
+              </a:rPr>
+              <a:t> </a:t>
+            </a:r>
+            <a:r>
+              <a:rPr sz="2400" b="0" i="0" u="none" dirty="0" err="1">
+                <a:solidFill>
+                  <a:srgbClr val="000000"/>
+                </a:solidFill>
+                <a:latin typeface="Times New Roman" panose="02020603050405020304" pitchFamily="18" charset="0"/>
+                <a:ea typeface="Arial"/>
+                <a:cs typeface="Times New Roman" panose="02020603050405020304" pitchFamily="18" charset="0"/>
+              </a:rPr>
+              <a:t>вход</a:t>
+            </a:r>
+            <a:r>
+              <a:rPr sz="2400" b="0" i="0" u="none" dirty="0">
+                <a:solidFill>
+                  <a:srgbClr val="000000"/>
+                </a:solidFill>
+                <a:latin typeface="Times New Roman" panose="02020603050405020304" pitchFamily="18" charset="0"/>
+                <a:ea typeface="Arial"/>
+                <a:cs typeface="Times New Roman" panose="02020603050405020304" pitchFamily="18" charset="0"/>
+              </a:rPr>
+              <a:t> </a:t>
+            </a:r>
+            <a:r>
+              <a:rPr sz="2400" b="0" i="0" u="none" dirty="0" err="1">
+                <a:solidFill>
+                  <a:srgbClr val="000000"/>
+                </a:solidFill>
+                <a:latin typeface="Times New Roman" panose="02020603050405020304" pitchFamily="18" charset="0"/>
+                <a:ea typeface="Arial"/>
+                <a:cs typeface="Times New Roman" panose="02020603050405020304" pitchFamily="18" charset="0"/>
+              </a:rPr>
+              <a:t>прибора</a:t>
+            </a:r>
+            <a:r>
+              <a:rPr sz="2400" b="0" i="0" u="none" dirty="0">
+                <a:solidFill>
+                  <a:srgbClr val="000000"/>
+                </a:solidFill>
+                <a:latin typeface="Times New Roman" panose="02020603050405020304" pitchFamily="18" charset="0"/>
+                <a:ea typeface="Arial"/>
+                <a:cs typeface="Times New Roman" panose="02020603050405020304" pitchFamily="18" charset="0"/>
+              </a:rPr>
+              <a:t> с </a:t>
+            </a:r>
+            <a:r>
+              <a:rPr sz="2400" b="0" i="0" u="none" dirty="0" err="1">
+                <a:solidFill>
+                  <a:srgbClr val="000000"/>
+                </a:solidFill>
+                <a:latin typeface="Times New Roman" panose="02020603050405020304" pitchFamily="18" charset="0"/>
+                <a:ea typeface="Arial"/>
+                <a:cs typeface="Times New Roman" panose="02020603050405020304" pitchFamily="18" charset="0"/>
+              </a:rPr>
+              <a:t>целью</a:t>
+            </a:r>
+            <a:r>
+              <a:rPr sz="2400" b="0" i="0" u="none" dirty="0">
+                <a:solidFill>
+                  <a:srgbClr val="000000"/>
+                </a:solidFill>
+                <a:latin typeface="Times New Roman" panose="02020603050405020304" pitchFamily="18" charset="0"/>
+                <a:ea typeface="Arial"/>
+                <a:cs typeface="Times New Roman" panose="02020603050405020304" pitchFamily="18" charset="0"/>
+              </a:rPr>
+              <a:t> </a:t>
+            </a:r>
+            <a:r>
+              <a:rPr sz="2400" b="0" i="0" u="none" dirty="0" err="1">
+                <a:solidFill>
+                  <a:srgbClr val="000000"/>
+                </a:solidFill>
+                <a:latin typeface="Times New Roman" panose="02020603050405020304" pitchFamily="18" charset="0"/>
+                <a:ea typeface="Arial"/>
+                <a:cs typeface="Times New Roman" panose="02020603050405020304" pitchFamily="18" charset="0"/>
+              </a:rPr>
+              <a:t>их</a:t>
+            </a:r>
+            <a:r>
+              <a:rPr sz="2400" b="0" i="0" u="none" dirty="0">
+                <a:solidFill>
+                  <a:srgbClr val="000000"/>
+                </a:solidFill>
+                <a:latin typeface="Times New Roman" panose="02020603050405020304" pitchFamily="18" charset="0"/>
+                <a:ea typeface="Arial"/>
+                <a:cs typeface="Times New Roman" panose="02020603050405020304" pitchFamily="18" charset="0"/>
+              </a:rPr>
+              <a:t>  </a:t>
+            </a:r>
+            <a:r>
+              <a:rPr sz="2400" b="0" i="0" u="none" dirty="0" err="1">
+                <a:solidFill>
+                  <a:srgbClr val="000000"/>
+                </a:solidFill>
+                <a:latin typeface="Times New Roman" panose="02020603050405020304" pitchFamily="18" charset="0"/>
+                <a:ea typeface="Arial"/>
+                <a:cs typeface="Times New Roman" panose="02020603050405020304" pitchFamily="18" charset="0"/>
+              </a:rPr>
+              <a:t>последующего</a:t>
+            </a:r>
+            <a:r>
+              <a:rPr sz="2400" b="0" i="0" u="none" dirty="0">
+                <a:solidFill>
+                  <a:srgbClr val="000000"/>
+                </a:solidFill>
+                <a:latin typeface="Times New Roman" panose="02020603050405020304" pitchFamily="18" charset="0"/>
+                <a:ea typeface="Arial"/>
+                <a:cs typeface="Times New Roman" panose="02020603050405020304" pitchFamily="18" charset="0"/>
+              </a:rPr>
+              <a:t> </a:t>
+            </a:r>
+            <a:r>
+              <a:rPr sz="2400" b="0" i="0" u="none" dirty="0" err="1">
+                <a:solidFill>
+                  <a:srgbClr val="000000"/>
+                </a:solidFill>
+                <a:latin typeface="Times New Roman" panose="02020603050405020304" pitchFamily="18" charset="0"/>
+                <a:ea typeface="Arial"/>
+                <a:cs typeface="Times New Roman" panose="02020603050405020304" pitchFamily="18" charset="0"/>
+              </a:rPr>
+              <a:t>измерения</a:t>
+            </a:r>
+            <a:r>
+              <a:rPr sz="2400" b="0" i="0" u="none" dirty="0">
+                <a:solidFill>
+                  <a:srgbClr val="000000"/>
+                </a:solidFill>
+                <a:latin typeface="Times New Roman" panose="02020603050405020304" pitchFamily="18" charset="0"/>
+                <a:ea typeface="Arial"/>
+                <a:cs typeface="Times New Roman" panose="02020603050405020304" pitchFamily="18" charset="0"/>
+              </a:rPr>
+              <a:t> и </a:t>
+            </a:r>
+            <a:r>
+              <a:rPr sz="2400" b="0" i="0" u="none" dirty="0" err="1">
+                <a:solidFill>
+                  <a:srgbClr val="000000"/>
+                </a:solidFill>
+                <a:latin typeface="Times New Roman" panose="02020603050405020304" pitchFamily="18" charset="0"/>
+                <a:ea typeface="Arial"/>
+                <a:cs typeface="Times New Roman" panose="02020603050405020304" pitchFamily="18" charset="0"/>
+              </a:rPr>
+              <a:t>анализа</a:t>
+            </a:r>
+            <a:r>
+              <a:rPr sz="2400" b="0" i="0" u="none" dirty="0">
+                <a:solidFill>
+                  <a:srgbClr val="000000"/>
+                </a:solidFill>
+                <a:latin typeface="Times New Roman" panose="02020603050405020304" pitchFamily="18" charset="0"/>
+                <a:ea typeface="Arial"/>
+                <a:cs typeface="Times New Roman" panose="02020603050405020304" pitchFamily="18" charset="0"/>
+              </a:rPr>
+              <a:t> в </a:t>
+            </a:r>
+            <a:r>
+              <a:rPr sz="2400" b="0" i="0" u="none" dirty="0" err="1">
+                <a:solidFill>
+                  <a:srgbClr val="000000"/>
+                </a:solidFill>
+                <a:latin typeface="Times New Roman" panose="02020603050405020304" pitchFamily="18" charset="0"/>
+                <a:ea typeface="Arial"/>
+                <a:cs typeface="Times New Roman" panose="02020603050405020304" pitchFamily="18" charset="0"/>
+              </a:rPr>
+              <a:t>частотной</a:t>
+            </a:r>
+            <a:r>
+              <a:rPr sz="2400" b="0" i="0" u="none" dirty="0">
+                <a:solidFill>
+                  <a:srgbClr val="000000"/>
+                </a:solidFill>
+                <a:latin typeface="Times New Roman" panose="02020603050405020304" pitchFamily="18" charset="0"/>
+                <a:ea typeface="Arial"/>
+                <a:cs typeface="Times New Roman" panose="02020603050405020304" pitchFamily="18" charset="0"/>
+              </a:rPr>
+              <a:t>, </a:t>
+            </a:r>
+            <a:r>
+              <a:rPr sz="2400" b="0" i="0" u="none" dirty="0" err="1">
+                <a:solidFill>
+                  <a:srgbClr val="000000"/>
+                </a:solidFill>
+                <a:latin typeface="Times New Roman" panose="02020603050405020304" pitchFamily="18" charset="0"/>
+                <a:ea typeface="Arial"/>
+                <a:cs typeface="Times New Roman" panose="02020603050405020304" pitchFamily="18" charset="0"/>
+              </a:rPr>
+              <a:t>временной</a:t>
+            </a:r>
+            <a:r>
+              <a:rPr sz="2400" b="0" i="0" u="none" dirty="0">
+                <a:solidFill>
+                  <a:srgbClr val="000000"/>
+                </a:solidFill>
+                <a:latin typeface="Times New Roman" panose="02020603050405020304" pitchFamily="18" charset="0"/>
+                <a:ea typeface="Arial"/>
+                <a:cs typeface="Times New Roman" panose="02020603050405020304" pitchFamily="18" charset="0"/>
+              </a:rPr>
+              <a:t> и </a:t>
+            </a:r>
+            <a:r>
+              <a:rPr sz="2400" b="0" i="0" u="none" dirty="0" err="1">
+                <a:solidFill>
+                  <a:srgbClr val="000000"/>
+                </a:solidFill>
+                <a:latin typeface="Times New Roman" panose="02020603050405020304" pitchFamily="18" charset="0"/>
+                <a:ea typeface="Arial"/>
+                <a:cs typeface="Times New Roman" panose="02020603050405020304" pitchFamily="18" charset="0"/>
+              </a:rPr>
+              <a:t>логической</a:t>
+            </a:r>
+            <a:r>
+              <a:rPr sz="2400" b="0" i="0" u="none" dirty="0">
+                <a:solidFill>
+                  <a:srgbClr val="000000"/>
+                </a:solidFill>
+                <a:latin typeface="Times New Roman" panose="02020603050405020304" pitchFamily="18" charset="0"/>
+                <a:ea typeface="Arial"/>
+                <a:cs typeface="Times New Roman" panose="02020603050405020304" pitchFamily="18" charset="0"/>
+              </a:rPr>
+              <a:t>  </a:t>
+            </a:r>
+            <a:r>
+              <a:rPr sz="2400" b="0" i="0" u="none" dirty="0" err="1">
+                <a:solidFill>
+                  <a:srgbClr val="000000"/>
+                </a:solidFill>
+                <a:latin typeface="Times New Roman" panose="02020603050405020304" pitchFamily="18" charset="0"/>
+                <a:ea typeface="Arial"/>
+                <a:cs typeface="Times New Roman" panose="02020603050405020304" pitchFamily="18" charset="0"/>
+              </a:rPr>
+              <a:t>области</a:t>
+            </a:r>
+            <a:r>
+              <a:rPr sz="2400" b="0" i="0" u="none" dirty="0">
+                <a:solidFill>
+                  <a:srgbClr val="000000"/>
+                </a:solidFill>
+                <a:latin typeface="Times New Roman" panose="02020603050405020304" pitchFamily="18" charset="0"/>
+                <a:ea typeface="Arial"/>
+                <a:cs typeface="Times New Roman" panose="02020603050405020304" pitchFamily="18" charset="0"/>
+              </a:rPr>
+              <a:t>. </a:t>
+            </a:r>
+            <a:r>
+              <a:rPr sz="2400" b="0" i="0" u="none" dirty="0" err="1">
+                <a:solidFill>
+                  <a:srgbClr val="000000"/>
+                </a:solidFill>
+                <a:latin typeface="Times New Roman" panose="02020603050405020304" pitchFamily="18" charset="0"/>
+                <a:ea typeface="Arial"/>
+                <a:cs typeface="Times New Roman" panose="02020603050405020304" pitchFamily="18" charset="0"/>
+              </a:rPr>
+              <a:t>Эти</a:t>
+            </a:r>
+            <a:r>
+              <a:rPr sz="2400" b="0" i="0" u="none" dirty="0">
+                <a:solidFill>
+                  <a:srgbClr val="000000"/>
+                </a:solidFill>
+                <a:latin typeface="Times New Roman" panose="02020603050405020304" pitchFamily="18" charset="0"/>
+                <a:ea typeface="Arial"/>
+                <a:cs typeface="Times New Roman" panose="02020603050405020304" pitchFamily="18" charset="0"/>
+              </a:rPr>
+              <a:t> </a:t>
+            </a:r>
+            <a:r>
+              <a:rPr sz="2400" b="0" i="0" u="none" dirty="0" err="1">
+                <a:solidFill>
+                  <a:srgbClr val="000000"/>
+                </a:solidFill>
+                <a:latin typeface="Times New Roman" panose="02020603050405020304" pitchFamily="18" charset="0"/>
+                <a:ea typeface="Arial"/>
+                <a:cs typeface="Times New Roman" panose="02020603050405020304" pitchFamily="18" charset="0"/>
+              </a:rPr>
+              <a:t>картинки</a:t>
+            </a:r>
+            <a:r>
+              <a:rPr sz="2400" b="0" i="0" u="none" dirty="0">
+                <a:solidFill>
+                  <a:srgbClr val="000000"/>
+                </a:solidFill>
+                <a:latin typeface="Times New Roman" panose="02020603050405020304" pitchFamily="18" charset="0"/>
+                <a:ea typeface="Arial"/>
+                <a:cs typeface="Times New Roman" panose="02020603050405020304" pitchFamily="18" charset="0"/>
+              </a:rPr>
+              <a:t> </a:t>
+            </a:r>
+            <a:r>
+              <a:rPr sz="2400" b="0" i="0" u="none" dirty="0" err="1">
+                <a:solidFill>
+                  <a:srgbClr val="000000"/>
+                </a:solidFill>
+                <a:latin typeface="Times New Roman" panose="02020603050405020304" pitchFamily="18" charset="0"/>
+                <a:ea typeface="Arial"/>
+                <a:cs typeface="Times New Roman" panose="02020603050405020304" pitchFamily="18" charset="0"/>
+              </a:rPr>
+              <a:t>можно</a:t>
+            </a:r>
+            <a:r>
+              <a:rPr sz="2400" b="0" i="0" u="none" dirty="0">
+                <a:solidFill>
+                  <a:srgbClr val="000000"/>
+                </a:solidFill>
+                <a:latin typeface="Times New Roman" panose="02020603050405020304" pitchFamily="18" charset="0"/>
+                <a:ea typeface="Arial"/>
+                <a:cs typeface="Times New Roman" panose="02020603050405020304" pitchFamily="18" charset="0"/>
+              </a:rPr>
+              <a:t> </a:t>
+            </a:r>
+            <a:r>
+              <a:rPr sz="2400" b="0" i="0" u="none" dirty="0" err="1">
+                <a:solidFill>
+                  <a:srgbClr val="000000"/>
+                </a:solidFill>
+                <a:latin typeface="Times New Roman" panose="02020603050405020304" pitchFamily="18" charset="0"/>
+                <a:ea typeface="Arial"/>
+                <a:cs typeface="Times New Roman" panose="02020603050405020304" pitchFamily="18" charset="0"/>
+              </a:rPr>
+              <a:t>сохранять</a:t>
+            </a:r>
+            <a:r>
+              <a:rPr sz="2400" b="0" i="0" u="none" dirty="0">
+                <a:solidFill>
+                  <a:srgbClr val="000000"/>
+                </a:solidFill>
+                <a:latin typeface="Times New Roman" panose="02020603050405020304" pitchFamily="18" charset="0"/>
+                <a:ea typeface="Arial"/>
+                <a:cs typeface="Times New Roman" panose="02020603050405020304" pitchFamily="18" charset="0"/>
+              </a:rPr>
+              <a:t>, </a:t>
+            </a:r>
+            <a:r>
+              <a:rPr sz="2400" b="0" i="0" u="none" dirty="0" err="1">
+                <a:solidFill>
+                  <a:srgbClr val="000000"/>
+                </a:solidFill>
+                <a:latin typeface="Times New Roman" panose="02020603050405020304" pitchFamily="18" charset="0"/>
+                <a:ea typeface="Arial"/>
+                <a:cs typeface="Times New Roman" panose="02020603050405020304" pitchFamily="18" charset="0"/>
+              </a:rPr>
+              <a:t>преобразовывать</a:t>
+            </a:r>
+            <a:r>
+              <a:rPr sz="2400" b="0" i="0" u="none" dirty="0">
+                <a:solidFill>
+                  <a:srgbClr val="000000"/>
+                </a:solidFill>
+                <a:latin typeface="Times New Roman" panose="02020603050405020304" pitchFamily="18" charset="0"/>
+                <a:ea typeface="Arial"/>
+                <a:cs typeface="Times New Roman" panose="02020603050405020304" pitchFamily="18" charset="0"/>
+              </a:rPr>
+              <a:t>, </a:t>
+            </a:r>
+            <a:r>
+              <a:rPr sz="2400" b="0" i="0" u="none" dirty="0" err="1">
+                <a:solidFill>
+                  <a:srgbClr val="000000"/>
+                </a:solidFill>
+                <a:latin typeface="Times New Roman" panose="02020603050405020304" pitchFamily="18" charset="0"/>
+                <a:ea typeface="Arial"/>
+                <a:cs typeface="Times New Roman" panose="02020603050405020304" pitchFamily="18" charset="0"/>
+              </a:rPr>
+              <a:t>что</a:t>
+            </a:r>
+            <a:r>
+              <a:rPr sz="2400" b="0" i="0" u="none" dirty="0">
+                <a:solidFill>
+                  <a:srgbClr val="000000"/>
+                </a:solidFill>
+                <a:latin typeface="Times New Roman" panose="02020603050405020304" pitchFamily="18" charset="0"/>
+                <a:ea typeface="Arial"/>
+                <a:cs typeface="Times New Roman" panose="02020603050405020304" pitchFamily="18" charset="0"/>
+              </a:rPr>
+              <a:t> </a:t>
+            </a:r>
+            <a:r>
+              <a:rPr sz="2400" b="0" i="0" u="none" dirty="0" err="1">
+                <a:solidFill>
+                  <a:srgbClr val="000000"/>
+                </a:solidFill>
+                <a:latin typeface="Times New Roman" panose="02020603050405020304" pitchFamily="18" charset="0"/>
+                <a:ea typeface="Arial"/>
+                <a:cs typeface="Times New Roman" panose="02020603050405020304" pitchFamily="18" charset="0"/>
+              </a:rPr>
+              <a:t>актуально</a:t>
+            </a:r>
+            <a:r>
+              <a:rPr sz="2400" b="0" i="0" u="none" dirty="0">
+                <a:solidFill>
+                  <a:srgbClr val="000000"/>
+                </a:solidFill>
+                <a:latin typeface="Times New Roman" panose="02020603050405020304" pitchFamily="18" charset="0"/>
+                <a:ea typeface="Arial"/>
+                <a:cs typeface="Times New Roman" panose="02020603050405020304" pitchFamily="18" charset="0"/>
+              </a:rPr>
+              <a:t>  </a:t>
+            </a:r>
+            <a:r>
+              <a:rPr sz="2400" b="0" i="0" u="none" dirty="0" err="1">
+                <a:solidFill>
+                  <a:srgbClr val="000000"/>
+                </a:solidFill>
+                <a:latin typeface="Times New Roman" panose="02020603050405020304" pitchFamily="18" charset="0"/>
+                <a:ea typeface="Arial"/>
+                <a:cs typeface="Times New Roman" panose="02020603050405020304" pitchFamily="18" charset="0"/>
+              </a:rPr>
+              <a:t>при</a:t>
+            </a:r>
+            <a:r>
+              <a:rPr sz="2400" b="0" i="0" u="none" dirty="0">
+                <a:solidFill>
+                  <a:srgbClr val="000000"/>
+                </a:solidFill>
+                <a:latin typeface="Times New Roman" panose="02020603050405020304" pitchFamily="18" charset="0"/>
+                <a:ea typeface="Arial"/>
+                <a:cs typeface="Times New Roman" panose="02020603050405020304" pitchFamily="18" charset="0"/>
+              </a:rPr>
+              <a:t> </a:t>
+            </a:r>
+            <a:r>
+              <a:rPr sz="2400" b="0" i="0" u="none" dirty="0" err="1">
+                <a:solidFill>
+                  <a:srgbClr val="000000"/>
+                </a:solidFill>
+                <a:latin typeface="Times New Roman" panose="02020603050405020304" pitchFamily="18" charset="0"/>
+                <a:ea typeface="Arial"/>
+                <a:cs typeface="Times New Roman" panose="02020603050405020304" pitchFamily="18" charset="0"/>
+              </a:rPr>
+              <a:t>последующем</a:t>
+            </a:r>
+            <a:r>
+              <a:rPr sz="2400" b="0" i="0" u="none" dirty="0">
+                <a:solidFill>
+                  <a:srgbClr val="000000"/>
+                </a:solidFill>
+                <a:latin typeface="Times New Roman" panose="02020603050405020304" pitchFamily="18" charset="0"/>
+                <a:ea typeface="Arial"/>
+                <a:cs typeface="Times New Roman" panose="02020603050405020304" pitchFamily="18" charset="0"/>
+              </a:rPr>
+              <a:t> </a:t>
+            </a:r>
+            <a:r>
+              <a:rPr sz="2400" b="0" i="0" u="none" dirty="0" err="1">
+                <a:solidFill>
+                  <a:srgbClr val="000000"/>
+                </a:solidFill>
+                <a:latin typeface="Times New Roman" panose="02020603050405020304" pitchFamily="18" charset="0"/>
+                <a:ea typeface="Arial"/>
+                <a:cs typeface="Times New Roman" panose="02020603050405020304" pitchFamily="18" charset="0"/>
+              </a:rPr>
+              <a:t>исследовании</a:t>
+            </a:r>
+            <a:r>
+              <a:rPr sz="2400" b="0" i="0" u="none" dirty="0">
+                <a:solidFill>
+                  <a:srgbClr val="000000"/>
+                </a:solidFill>
+                <a:latin typeface="Times New Roman" panose="02020603050405020304" pitchFamily="18" charset="0"/>
+                <a:ea typeface="Arial"/>
+                <a:cs typeface="Times New Roman" panose="02020603050405020304" pitchFamily="18" charset="0"/>
+              </a:rPr>
+              <a:t>, </a:t>
+            </a:r>
+            <a:r>
+              <a:rPr sz="2400" b="0" i="0" u="none" dirty="0" err="1">
+                <a:solidFill>
+                  <a:srgbClr val="000000"/>
+                </a:solidFill>
+                <a:latin typeface="Times New Roman" panose="02020603050405020304" pitchFamily="18" charset="0"/>
+                <a:ea typeface="Arial"/>
+                <a:cs typeface="Times New Roman" panose="02020603050405020304" pitchFamily="18" charset="0"/>
+              </a:rPr>
+              <a:t>сравнении</a:t>
+            </a:r>
+            <a:r>
+              <a:rPr sz="2400" b="0" i="0" u="none" dirty="0">
+                <a:solidFill>
+                  <a:srgbClr val="000000"/>
+                </a:solidFill>
+                <a:latin typeface="Times New Roman" panose="02020603050405020304" pitchFamily="18" charset="0"/>
+                <a:ea typeface="Arial"/>
+                <a:cs typeface="Times New Roman" panose="02020603050405020304" pitchFamily="18" charset="0"/>
+              </a:rPr>
+              <a:t>.</a:t>
+            </a:r>
+            <a:endParaRPr dirty="0">
+              <a:latin typeface="Times New Roman" panose="02020603050405020304" pitchFamily="18" charset="0"/>
+              <a:cs typeface="Times New Roman" panose="02020603050405020304" pitchFamily="18" charset="0"/>
+            </a:endParaRPr>
+          </a:p>
+        </p:txBody>
+      </p:sp>
+      <p:pic>
+        <p:nvPicPr>
+          <p:cNvPr id="1270727501" name="Рисунок 1270727500"/>
           <p:cNvPicPr>
             <a:picLocks noChangeAspect="1"/>
           </p:cNvPicPr>
@@ -6465,20 +9491,12 @@
   <p:clrMapOvr>
     <a:masterClrMapping/>
   </p:clrMapOvr>
-  <mc:AlternateContent xmlns:mc="http://schemas.openxmlformats.org/markup-compatibility/2006">
-    <mc:Choice xmlns:p159="http://schemas.microsoft.com/office/powerpoint/2015/09/main" xmlns:p14="http://schemas.microsoft.com/office/powerpoint/2010/main" Requires="p159">
-      <p:transition p14:dur="2000" advClick="1"/>
-    </mc:Choice>
-    <mc:Fallback>
-      <p:transition advClick="1"/>
-    </mc:Fallback>
-  </mc:AlternateContent>
 </p:sld>
 </file>
 
 <file path=ppt/slides/slide4.xml><?xml version="1.0" encoding="utf-8"?>
-<p:sld xmlns:a="http://schemas.openxmlformats.org/drawingml/2006/main" xmlns:r="http://schemas.openxmlformats.org/officeDocument/2006/relationships" xmlns:p="http://schemas.openxmlformats.org/presentationml/2006/main" xmlns:m="http://schemas.openxmlformats.org/officeDocument/2006/math" xmlns:w="http://schemas.openxmlformats.org/wordprocessingml/2006/main" xmlns:mc="http://schemas.openxmlformats.org/markup-compatibility/2006" showMasterPhAnim="0" showMasterSp="1" show="1">
-  <p:cSld name="">
+<p:sld xmlns:a="http://schemas.openxmlformats.org/drawingml/2006/main" xmlns:r="http://schemas.openxmlformats.org/officeDocument/2006/relationships" xmlns:p="http://schemas.openxmlformats.org/presentationml/2006/main" showMasterPhAnim="0">
+  <p:cSld>
     <p:spTree>
       <p:nvGrpSpPr>
         <p:cNvPr id="1" name=""/>
@@ -6512,10 +9530,16 @@
               <a:defRPr/>
             </a:pPr>
             <a:r>
-              <a:rPr lang="ru-RU"/>
+              <a:rPr lang="ru-RU" dirty="0">
+                <a:latin typeface="Times New Roman" panose="02020603050405020304" pitchFamily="18" charset="0"/>
+                <a:cs typeface="Times New Roman" panose="02020603050405020304" pitchFamily="18" charset="0"/>
+              </a:rPr>
               <a:t>Цифровой осциллограф</a:t>
             </a:r>
-            <a:endParaRPr/>
+            <a:endParaRPr dirty="0">
+              <a:latin typeface="Times New Roman" panose="02020603050405020304" pitchFamily="18" charset="0"/>
+              <a:cs typeface="Times New Roman" panose="02020603050405020304" pitchFamily="18" charset="0"/>
+            </a:endParaRPr>
           </a:p>
         </p:txBody>
       </p:sp>
@@ -6530,7 +9554,7 @@
           </p:nvPr>
         </p:nvSpPr>
         <p:spPr bwMode="auto">
-          <a:xfrm flipH="0" flipV="0">
+          <a:xfrm>
             <a:off x="4698713" y="1825624"/>
             <a:ext cx="6655086" cy="4351338"/>
           </a:xfrm>
@@ -6539,7 +9563,7 @@
           <a:bodyPr/>
           <a:lstStyle/>
           <a:p>
-            <a:pPr marL="0" indent="0" algn="just">
+            <a:pPr marL="0" indent="450000" algn="just">
               <a:lnSpc>
                 <a:spcPct val="100000"/>
               </a:lnSpc>
@@ -6548,78 +9572,719 @@
               <a:defRPr/>
             </a:pPr>
             <a:r>
-              <a:rPr sz="2400" b="0" i="0" u="none">
-                <a:solidFill>
-                  <a:srgbClr val="000000"/>
-                </a:solidFill>
-                <a:latin typeface="Arial"/>
-                <a:ea typeface="Arial"/>
-                <a:cs typeface="Arial"/>
-              </a:rPr>
-              <a:t>	В цифровом осциллографе </a:t>
-            </a:r>
-            <a:r>
-              <a:rPr sz="2400" b="0" i="0" u="none">
-                <a:solidFill>
-                  <a:srgbClr val="000000"/>
-                </a:solidFill>
-                <a:latin typeface="Arial"/>
-                <a:ea typeface="Arial"/>
-                <a:cs typeface="Arial"/>
-              </a:rPr>
-              <a:t>входной  сигнал сначала преобразуется в цифровую форму </a:t>
-            </a:r>
-            <a:r>
-              <a:rPr lang="ru-RU" sz="2400" b="0" i="0" u="none">
-                <a:solidFill>
-                  <a:srgbClr val="000000"/>
-                </a:solidFill>
-                <a:latin typeface="Arial"/>
-                <a:ea typeface="Arial"/>
-                <a:cs typeface="Arial"/>
+              <a:rPr sz="2400" b="0" i="0" u="none" dirty="0">
+                <a:solidFill>
+                  <a:srgbClr val="000000"/>
+                </a:solidFill>
+                <a:latin typeface="Times New Roman" panose="02020603050405020304" pitchFamily="18" charset="0"/>
+                <a:ea typeface="Arial"/>
+                <a:cs typeface="Times New Roman" panose="02020603050405020304" pitchFamily="18" charset="0"/>
+              </a:rPr>
+              <a:t>В </a:t>
+            </a:r>
+            <a:r>
+              <a:rPr sz="2400" b="0" i="0" u="none" dirty="0" err="1">
+                <a:solidFill>
+                  <a:srgbClr val="000000"/>
+                </a:solidFill>
+                <a:latin typeface="Times New Roman" panose="02020603050405020304" pitchFamily="18" charset="0"/>
+                <a:ea typeface="Arial"/>
+                <a:cs typeface="Times New Roman" panose="02020603050405020304" pitchFamily="18" charset="0"/>
+              </a:rPr>
+              <a:t>цифровом</a:t>
+            </a:r>
+            <a:r>
+              <a:rPr sz="2400" b="0" i="0" u="none" dirty="0">
+                <a:solidFill>
+                  <a:srgbClr val="000000"/>
+                </a:solidFill>
+                <a:latin typeface="Times New Roman" panose="02020603050405020304" pitchFamily="18" charset="0"/>
+                <a:ea typeface="Arial"/>
+                <a:cs typeface="Times New Roman" panose="02020603050405020304" pitchFamily="18" charset="0"/>
+              </a:rPr>
+              <a:t> </a:t>
+            </a:r>
+            <a:r>
+              <a:rPr sz="2400" b="0" i="0" u="none" dirty="0" err="1">
+                <a:solidFill>
+                  <a:srgbClr val="000000"/>
+                </a:solidFill>
+                <a:latin typeface="Times New Roman" panose="02020603050405020304" pitchFamily="18" charset="0"/>
+                <a:ea typeface="Arial"/>
+                <a:cs typeface="Times New Roman" panose="02020603050405020304" pitchFamily="18" charset="0"/>
+              </a:rPr>
+              <a:t>осциллографе</a:t>
+            </a:r>
+            <a:r>
+              <a:rPr sz="2400" b="0" i="0" u="none" dirty="0">
+                <a:solidFill>
+                  <a:srgbClr val="000000"/>
+                </a:solidFill>
+                <a:latin typeface="Times New Roman" panose="02020603050405020304" pitchFamily="18" charset="0"/>
+                <a:ea typeface="Arial"/>
+                <a:cs typeface="Times New Roman" panose="02020603050405020304" pitchFamily="18" charset="0"/>
+              </a:rPr>
+              <a:t> </a:t>
+            </a:r>
+            <a:r>
+              <a:rPr sz="2400" b="0" i="0" u="none" dirty="0" err="1">
+                <a:solidFill>
+                  <a:srgbClr val="000000"/>
+                </a:solidFill>
+                <a:latin typeface="Times New Roman" panose="02020603050405020304" pitchFamily="18" charset="0"/>
+                <a:ea typeface="Arial"/>
+                <a:cs typeface="Times New Roman" panose="02020603050405020304" pitchFamily="18" charset="0"/>
+              </a:rPr>
+              <a:t>входной</a:t>
+            </a:r>
+            <a:r>
+              <a:rPr sz="2400" b="0" i="0" u="none" dirty="0">
+                <a:solidFill>
+                  <a:srgbClr val="000000"/>
+                </a:solidFill>
+                <a:latin typeface="Times New Roman" panose="02020603050405020304" pitchFamily="18" charset="0"/>
+                <a:ea typeface="Arial"/>
+                <a:cs typeface="Times New Roman" panose="02020603050405020304" pitchFamily="18" charset="0"/>
+              </a:rPr>
+              <a:t>  </a:t>
+            </a:r>
+            <a:r>
+              <a:rPr sz="2400" b="0" i="0" u="none" dirty="0" err="1">
+                <a:solidFill>
+                  <a:srgbClr val="000000"/>
+                </a:solidFill>
+                <a:latin typeface="Times New Roman" panose="02020603050405020304" pitchFamily="18" charset="0"/>
+                <a:ea typeface="Arial"/>
+                <a:cs typeface="Times New Roman" panose="02020603050405020304" pitchFamily="18" charset="0"/>
+              </a:rPr>
+              <a:t>сигнал</a:t>
+            </a:r>
+            <a:r>
+              <a:rPr sz="2400" b="0" i="0" u="none" dirty="0">
+                <a:solidFill>
+                  <a:srgbClr val="000000"/>
+                </a:solidFill>
+                <a:latin typeface="Times New Roman" panose="02020603050405020304" pitchFamily="18" charset="0"/>
+                <a:ea typeface="Arial"/>
+                <a:cs typeface="Times New Roman" panose="02020603050405020304" pitchFamily="18" charset="0"/>
+              </a:rPr>
+              <a:t> </a:t>
+            </a:r>
+            <a:r>
+              <a:rPr sz="2400" b="0" i="0" u="none" dirty="0" err="1">
+                <a:solidFill>
+                  <a:srgbClr val="000000"/>
+                </a:solidFill>
+                <a:latin typeface="Times New Roman" panose="02020603050405020304" pitchFamily="18" charset="0"/>
+                <a:ea typeface="Arial"/>
+                <a:cs typeface="Times New Roman" panose="02020603050405020304" pitchFamily="18" charset="0"/>
+              </a:rPr>
+              <a:t>сначала</a:t>
+            </a:r>
+            <a:r>
+              <a:rPr sz="2400" b="0" i="0" u="none" dirty="0">
+                <a:solidFill>
+                  <a:srgbClr val="000000"/>
+                </a:solidFill>
+                <a:latin typeface="Times New Roman" panose="02020603050405020304" pitchFamily="18" charset="0"/>
+                <a:ea typeface="Arial"/>
+                <a:cs typeface="Times New Roman" panose="02020603050405020304" pitchFamily="18" charset="0"/>
+              </a:rPr>
+              <a:t> </a:t>
+            </a:r>
+            <a:r>
+              <a:rPr sz="2400" b="0" i="0" u="none" dirty="0" err="1">
+                <a:solidFill>
+                  <a:srgbClr val="000000"/>
+                </a:solidFill>
+                <a:latin typeface="Times New Roman" panose="02020603050405020304" pitchFamily="18" charset="0"/>
+                <a:ea typeface="Arial"/>
+                <a:cs typeface="Times New Roman" panose="02020603050405020304" pitchFamily="18" charset="0"/>
+              </a:rPr>
+              <a:t>преобразуется</a:t>
+            </a:r>
+            <a:r>
+              <a:rPr sz="2400" b="0" i="0" u="none" dirty="0">
+                <a:solidFill>
+                  <a:srgbClr val="000000"/>
+                </a:solidFill>
+                <a:latin typeface="Times New Roman" panose="02020603050405020304" pitchFamily="18" charset="0"/>
+                <a:ea typeface="Arial"/>
+                <a:cs typeface="Times New Roman" panose="02020603050405020304" pitchFamily="18" charset="0"/>
+              </a:rPr>
+              <a:t> в </a:t>
+            </a:r>
+            <a:r>
+              <a:rPr sz="2400" b="0" i="0" u="none" dirty="0" err="1">
+                <a:solidFill>
+                  <a:srgbClr val="000000"/>
+                </a:solidFill>
+                <a:latin typeface="Times New Roman" panose="02020603050405020304" pitchFamily="18" charset="0"/>
+                <a:ea typeface="Arial"/>
+                <a:cs typeface="Times New Roman" panose="02020603050405020304" pitchFamily="18" charset="0"/>
+              </a:rPr>
+              <a:t>цифровую</a:t>
+            </a:r>
+            <a:r>
+              <a:rPr sz="2400" b="0" i="0" u="none" dirty="0">
+                <a:solidFill>
+                  <a:srgbClr val="000000"/>
+                </a:solidFill>
+                <a:latin typeface="Times New Roman" panose="02020603050405020304" pitchFamily="18" charset="0"/>
+                <a:ea typeface="Arial"/>
+                <a:cs typeface="Times New Roman" panose="02020603050405020304" pitchFamily="18" charset="0"/>
+              </a:rPr>
+              <a:t> </a:t>
+            </a:r>
+            <a:r>
+              <a:rPr sz="2400" b="0" i="0" u="none" dirty="0" err="1">
+                <a:solidFill>
+                  <a:srgbClr val="000000"/>
+                </a:solidFill>
+                <a:latin typeface="Times New Roman" panose="02020603050405020304" pitchFamily="18" charset="0"/>
+                <a:ea typeface="Arial"/>
+                <a:cs typeface="Times New Roman" panose="02020603050405020304" pitchFamily="18" charset="0"/>
+              </a:rPr>
+              <a:t>форму</a:t>
+            </a:r>
+            <a:r>
+              <a:rPr sz="2400" b="0" i="0" u="none" dirty="0">
+                <a:solidFill>
+                  <a:srgbClr val="000000"/>
+                </a:solidFill>
+                <a:latin typeface="Times New Roman" panose="02020603050405020304" pitchFamily="18" charset="0"/>
+                <a:ea typeface="Arial"/>
+                <a:cs typeface="Times New Roman" panose="02020603050405020304" pitchFamily="18" charset="0"/>
+              </a:rPr>
+              <a:t> </a:t>
+            </a:r>
+            <a:r>
+              <a:rPr lang="ru-RU" sz="2400" b="0" i="0" u="none" dirty="0">
+                <a:solidFill>
+                  <a:srgbClr val="000000"/>
+                </a:solidFill>
+                <a:latin typeface="Times New Roman" panose="02020603050405020304" pitchFamily="18" charset="0"/>
+                <a:ea typeface="Arial"/>
+                <a:cs typeface="Times New Roman" panose="02020603050405020304" pitchFamily="18" charset="0"/>
               </a:rPr>
               <a:t>при помощи АЦП</a:t>
             </a:r>
             <a:r>
-              <a:rPr sz="2400" b="0" i="0" u="none">
-                <a:solidFill>
-                  <a:srgbClr val="000000"/>
-                </a:solidFill>
-                <a:latin typeface="Arial"/>
-                <a:ea typeface="Arial"/>
-                <a:cs typeface="Arial"/>
-              </a:rPr>
-              <a:t>, а затем обрабатывается  встроенным микропроцессором, после чего отображается на  дисплее</a:t>
-            </a:r>
-            <a:r>
-              <a:rPr lang="ru-RU" sz="2400" b="0" i="0" u="none">
-                <a:solidFill>
-                  <a:srgbClr val="000000"/>
-                </a:solidFill>
-                <a:latin typeface="Arial"/>
-                <a:ea typeface="Arial"/>
-                <a:cs typeface="Arial"/>
+              <a:rPr sz="2400" b="0" i="0" u="none" dirty="0">
+                <a:solidFill>
+                  <a:srgbClr val="000000"/>
+                </a:solidFill>
+                <a:latin typeface="Times New Roman" panose="02020603050405020304" pitchFamily="18" charset="0"/>
+                <a:ea typeface="Arial"/>
+                <a:cs typeface="Times New Roman" panose="02020603050405020304" pitchFamily="18" charset="0"/>
+              </a:rPr>
+              <a:t>, а </a:t>
+            </a:r>
+            <a:r>
+              <a:rPr sz="2400" b="0" i="0" u="none" dirty="0" err="1">
+                <a:solidFill>
+                  <a:srgbClr val="000000"/>
+                </a:solidFill>
+                <a:latin typeface="Times New Roman" panose="02020603050405020304" pitchFamily="18" charset="0"/>
+                <a:ea typeface="Arial"/>
+                <a:cs typeface="Times New Roman" panose="02020603050405020304" pitchFamily="18" charset="0"/>
+              </a:rPr>
+              <a:t>затем</a:t>
+            </a:r>
+            <a:r>
+              <a:rPr sz="2400" b="0" i="0" u="none" dirty="0">
+                <a:solidFill>
+                  <a:srgbClr val="000000"/>
+                </a:solidFill>
+                <a:latin typeface="Times New Roman" panose="02020603050405020304" pitchFamily="18" charset="0"/>
+                <a:ea typeface="Arial"/>
+                <a:cs typeface="Times New Roman" panose="02020603050405020304" pitchFamily="18" charset="0"/>
+              </a:rPr>
+              <a:t> </a:t>
+            </a:r>
+            <a:r>
+              <a:rPr sz="2400" b="0" i="0" u="none" dirty="0" err="1">
+                <a:solidFill>
+                  <a:srgbClr val="000000"/>
+                </a:solidFill>
+                <a:latin typeface="Times New Roman" panose="02020603050405020304" pitchFamily="18" charset="0"/>
+                <a:ea typeface="Arial"/>
+                <a:cs typeface="Times New Roman" panose="02020603050405020304" pitchFamily="18" charset="0"/>
+              </a:rPr>
+              <a:t>обрабатывается</a:t>
+            </a:r>
+            <a:r>
+              <a:rPr sz="2400" b="0" i="0" u="none" dirty="0">
+                <a:solidFill>
+                  <a:srgbClr val="000000"/>
+                </a:solidFill>
+                <a:latin typeface="Times New Roman" panose="02020603050405020304" pitchFamily="18" charset="0"/>
+                <a:ea typeface="Arial"/>
+                <a:cs typeface="Times New Roman" panose="02020603050405020304" pitchFamily="18" charset="0"/>
+              </a:rPr>
+              <a:t>  </a:t>
+            </a:r>
+            <a:r>
+              <a:rPr sz="2400" b="0" i="0" u="none" dirty="0" err="1">
+                <a:solidFill>
+                  <a:srgbClr val="000000"/>
+                </a:solidFill>
+                <a:latin typeface="Times New Roman" panose="02020603050405020304" pitchFamily="18" charset="0"/>
+                <a:ea typeface="Arial"/>
+                <a:cs typeface="Times New Roman" panose="02020603050405020304" pitchFamily="18" charset="0"/>
+              </a:rPr>
+              <a:t>встроенным</a:t>
+            </a:r>
+            <a:r>
+              <a:rPr sz="2400" b="0" i="0" u="none" dirty="0">
+                <a:solidFill>
+                  <a:srgbClr val="000000"/>
+                </a:solidFill>
+                <a:latin typeface="Times New Roman" panose="02020603050405020304" pitchFamily="18" charset="0"/>
+                <a:ea typeface="Arial"/>
+                <a:cs typeface="Times New Roman" panose="02020603050405020304" pitchFamily="18" charset="0"/>
+              </a:rPr>
+              <a:t> </a:t>
+            </a:r>
+            <a:r>
+              <a:rPr sz="2400" b="0" i="0" u="none" dirty="0" err="1">
+                <a:solidFill>
+                  <a:srgbClr val="000000"/>
+                </a:solidFill>
+                <a:latin typeface="Times New Roman" panose="02020603050405020304" pitchFamily="18" charset="0"/>
+                <a:ea typeface="Arial"/>
+                <a:cs typeface="Times New Roman" panose="02020603050405020304" pitchFamily="18" charset="0"/>
+              </a:rPr>
+              <a:t>микропроцессором</a:t>
+            </a:r>
+            <a:r>
+              <a:rPr sz="2400" b="0" i="0" u="none" dirty="0">
+                <a:solidFill>
+                  <a:srgbClr val="000000"/>
+                </a:solidFill>
+                <a:latin typeface="Times New Roman" panose="02020603050405020304" pitchFamily="18" charset="0"/>
+                <a:ea typeface="Arial"/>
+                <a:cs typeface="Times New Roman" panose="02020603050405020304" pitchFamily="18" charset="0"/>
+              </a:rPr>
+              <a:t>, </a:t>
+            </a:r>
+            <a:r>
+              <a:rPr sz="2400" b="0" i="0" u="none" dirty="0" err="1">
+                <a:solidFill>
+                  <a:srgbClr val="000000"/>
+                </a:solidFill>
+                <a:latin typeface="Times New Roman" panose="02020603050405020304" pitchFamily="18" charset="0"/>
+                <a:ea typeface="Arial"/>
+                <a:cs typeface="Times New Roman" panose="02020603050405020304" pitchFamily="18" charset="0"/>
+              </a:rPr>
+              <a:t>после</a:t>
+            </a:r>
+            <a:r>
+              <a:rPr sz="2400" b="0" i="0" u="none" dirty="0">
+                <a:solidFill>
+                  <a:srgbClr val="000000"/>
+                </a:solidFill>
+                <a:latin typeface="Times New Roman" panose="02020603050405020304" pitchFamily="18" charset="0"/>
+                <a:ea typeface="Arial"/>
+                <a:cs typeface="Times New Roman" panose="02020603050405020304" pitchFamily="18" charset="0"/>
+              </a:rPr>
+              <a:t> </a:t>
+            </a:r>
+            <a:r>
+              <a:rPr sz="2400" b="0" i="0" u="none" dirty="0" err="1">
+                <a:solidFill>
+                  <a:srgbClr val="000000"/>
+                </a:solidFill>
+                <a:latin typeface="Times New Roman" panose="02020603050405020304" pitchFamily="18" charset="0"/>
+                <a:ea typeface="Arial"/>
+                <a:cs typeface="Times New Roman" panose="02020603050405020304" pitchFamily="18" charset="0"/>
+              </a:rPr>
+              <a:t>чего</a:t>
+            </a:r>
+            <a:r>
+              <a:rPr sz="2400" b="0" i="0" u="none" dirty="0">
+                <a:solidFill>
+                  <a:srgbClr val="000000"/>
+                </a:solidFill>
+                <a:latin typeface="Times New Roman" panose="02020603050405020304" pitchFamily="18" charset="0"/>
+                <a:ea typeface="Arial"/>
+                <a:cs typeface="Times New Roman" panose="02020603050405020304" pitchFamily="18" charset="0"/>
+              </a:rPr>
+              <a:t> </a:t>
+            </a:r>
+            <a:r>
+              <a:rPr sz="2400" b="0" i="0" u="none" dirty="0" err="1">
+                <a:solidFill>
+                  <a:srgbClr val="000000"/>
+                </a:solidFill>
+                <a:latin typeface="Times New Roman" panose="02020603050405020304" pitchFamily="18" charset="0"/>
+                <a:ea typeface="Arial"/>
+                <a:cs typeface="Times New Roman" panose="02020603050405020304" pitchFamily="18" charset="0"/>
+              </a:rPr>
+              <a:t>отображается</a:t>
+            </a:r>
+            <a:r>
+              <a:rPr sz="2400" b="0" i="0" u="none" dirty="0">
+                <a:solidFill>
+                  <a:srgbClr val="000000"/>
+                </a:solidFill>
+                <a:latin typeface="Times New Roman" panose="02020603050405020304" pitchFamily="18" charset="0"/>
+                <a:ea typeface="Arial"/>
+                <a:cs typeface="Times New Roman" panose="02020603050405020304" pitchFamily="18" charset="0"/>
+              </a:rPr>
+              <a:t> </a:t>
+            </a:r>
+            <a:r>
+              <a:rPr sz="2400" b="0" i="0" u="none" dirty="0" err="1">
+                <a:solidFill>
+                  <a:srgbClr val="000000"/>
+                </a:solidFill>
+                <a:latin typeface="Times New Roman" panose="02020603050405020304" pitchFamily="18" charset="0"/>
+                <a:ea typeface="Arial"/>
+                <a:cs typeface="Times New Roman" panose="02020603050405020304" pitchFamily="18" charset="0"/>
+              </a:rPr>
+              <a:t>на</a:t>
+            </a:r>
+            <a:r>
+              <a:rPr sz="2400" b="0" i="0" u="none" dirty="0">
+                <a:solidFill>
+                  <a:srgbClr val="000000"/>
+                </a:solidFill>
+                <a:latin typeface="Times New Roman" panose="02020603050405020304" pitchFamily="18" charset="0"/>
+                <a:ea typeface="Arial"/>
+                <a:cs typeface="Times New Roman" panose="02020603050405020304" pitchFamily="18" charset="0"/>
+              </a:rPr>
+              <a:t>  </a:t>
+            </a:r>
+            <a:r>
+              <a:rPr sz="2400" b="0" i="0" u="none" dirty="0" err="1">
+                <a:solidFill>
+                  <a:srgbClr val="000000"/>
+                </a:solidFill>
+                <a:latin typeface="Times New Roman" panose="02020603050405020304" pitchFamily="18" charset="0"/>
+                <a:ea typeface="Arial"/>
+                <a:cs typeface="Times New Roman" panose="02020603050405020304" pitchFamily="18" charset="0"/>
+              </a:rPr>
+              <a:t>дисплее</a:t>
+            </a:r>
+            <a:r>
+              <a:rPr lang="ru-RU" sz="2400" b="0" i="0" u="none" dirty="0">
+                <a:solidFill>
+                  <a:srgbClr val="000000"/>
+                </a:solidFill>
+                <a:latin typeface="Times New Roman" panose="02020603050405020304" pitchFamily="18" charset="0"/>
+                <a:ea typeface="Arial"/>
+                <a:cs typeface="Times New Roman" panose="02020603050405020304" pitchFamily="18" charset="0"/>
               </a:rPr>
               <a:t> в виде графика, описывающего форму сигнала</a:t>
             </a:r>
             <a:r>
-              <a:rPr sz="2400" b="0" i="0" u="none">
-                <a:solidFill>
-                  <a:srgbClr val="000000"/>
-                </a:solidFill>
-                <a:latin typeface="Arial"/>
-                <a:ea typeface="Arial"/>
-                <a:cs typeface="Arial"/>
-              </a:rPr>
-              <a:t>. Основным параметром осциллографа является его полоса пропускания (МГц) и максимально допустимое входное напряжение (В).</a:t>
-            </a:r>
-            <a:endParaRPr/>
+              <a:rPr sz="2400" b="0" i="0" u="none" dirty="0">
+                <a:solidFill>
+                  <a:srgbClr val="000000"/>
+                </a:solidFill>
+                <a:latin typeface="Times New Roman" panose="02020603050405020304" pitchFamily="18" charset="0"/>
+                <a:ea typeface="Arial"/>
+                <a:cs typeface="Times New Roman" panose="02020603050405020304" pitchFamily="18" charset="0"/>
+              </a:rPr>
+              <a:t>. </a:t>
+            </a:r>
+            <a:r>
+              <a:rPr sz="2400" b="0" i="0" u="none" dirty="0" err="1">
+                <a:solidFill>
+                  <a:srgbClr val="000000"/>
+                </a:solidFill>
+                <a:latin typeface="Times New Roman" panose="02020603050405020304" pitchFamily="18" charset="0"/>
+                <a:ea typeface="Arial"/>
+                <a:cs typeface="Times New Roman" panose="02020603050405020304" pitchFamily="18" charset="0"/>
+              </a:rPr>
+              <a:t>Основным</a:t>
+            </a:r>
+            <a:r>
+              <a:rPr sz="2400" b="0" i="0" u="none" dirty="0">
+                <a:solidFill>
+                  <a:srgbClr val="000000"/>
+                </a:solidFill>
+                <a:latin typeface="Times New Roman" panose="02020603050405020304" pitchFamily="18" charset="0"/>
+                <a:ea typeface="Arial"/>
+                <a:cs typeface="Times New Roman" panose="02020603050405020304" pitchFamily="18" charset="0"/>
+              </a:rPr>
+              <a:t> </a:t>
+            </a:r>
+            <a:r>
+              <a:rPr sz="2400" b="0" i="0" u="none" dirty="0" err="1">
+                <a:solidFill>
+                  <a:srgbClr val="000000"/>
+                </a:solidFill>
+                <a:latin typeface="Times New Roman" panose="02020603050405020304" pitchFamily="18" charset="0"/>
+                <a:ea typeface="Arial"/>
+                <a:cs typeface="Times New Roman" panose="02020603050405020304" pitchFamily="18" charset="0"/>
+              </a:rPr>
+              <a:t>параметром</a:t>
+            </a:r>
+            <a:r>
+              <a:rPr sz="2400" b="0" i="0" u="none" dirty="0">
+                <a:solidFill>
+                  <a:srgbClr val="000000"/>
+                </a:solidFill>
+                <a:latin typeface="Times New Roman" panose="02020603050405020304" pitchFamily="18" charset="0"/>
+                <a:ea typeface="Arial"/>
+                <a:cs typeface="Times New Roman" panose="02020603050405020304" pitchFamily="18" charset="0"/>
+              </a:rPr>
+              <a:t> </a:t>
+            </a:r>
+            <a:r>
+              <a:rPr sz="2400" b="0" i="0" u="none" dirty="0" err="1">
+                <a:solidFill>
+                  <a:srgbClr val="000000"/>
+                </a:solidFill>
+                <a:latin typeface="Times New Roman" panose="02020603050405020304" pitchFamily="18" charset="0"/>
+                <a:ea typeface="Arial"/>
+                <a:cs typeface="Times New Roman" panose="02020603050405020304" pitchFamily="18" charset="0"/>
+              </a:rPr>
+              <a:t>осциллографа</a:t>
+            </a:r>
+            <a:r>
+              <a:rPr sz="2400" b="0" i="0" u="none" dirty="0">
+                <a:solidFill>
+                  <a:srgbClr val="000000"/>
+                </a:solidFill>
+                <a:latin typeface="Times New Roman" panose="02020603050405020304" pitchFamily="18" charset="0"/>
+                <a:ea typeface="Arial"/>
+                <a:cs typeface="Times New Roman" panose="02020603050405020304" pitchFamily="18" charset="0"/>
+              </a:rPr>
+              <a:t> </a:t>
+            </a:r>
+            <a:r>
+              <a:rPr sz="2400" b="0" i="0" u="none" dirty="0" err="1">
+                <a:solidFill>
+                  <a:srgbClr val="000000"/>
+                </a:solidFill>
+                <a:latin typeface="Times New Roman" panose="02020603050405020304" pitchFamily="18" charset="0"/>
+                <a:ea typeface="Arial"/>
+                <a:cs typeface="Times New Roman" panose="02020603050405020304" pitchFamily="18" charset="0"/>
+              </a:rPr>
+              <a:t>является</a:t>
+            </a:r>
+            <a:r>
+              <a:rPr sz="2400" b="0" i="0" u="none" dirty="0">
+                <a:solidFill>
+                  <a:srgbClr val="000000"/>
+                </a:solidFill>
+                <a:latin typeface="Times New Roman" panose="02020603050405020304" pitchFamily="18" charset="0"/>
+                <a:ea typeface="Arial"/>
+                <a:cs typeface="Times New Roman" panose="02020603050405020304" pitchFamily="18" charset="0"/>
+              </a:rPr>
+              <a:t> </a:t>
+            </a:r>
+            <a:r>
+              <a:rPr sz="2400" b="0" i="0" u="none" dirty="0" err="1">
+                <a:solidFill>
+                  <a:srgbClr val="000000"/>
+                </a:solidFill>
+                <a:latin typeface="Times New Roman" panose="02020603050405020304" pitchFamily="18" charset="0"/>
+                <a:ea typeface="Arial"/>
+                <a:cs typeface="Times New Roman" panose="02020603050405020304" pitchFamily="18" charset="0"/>
+              </a:rPr>
+              <a:t>его</a:t>
+            </a:r>
+            <a:r>
+              <a:rPr sz="2400" b="0" i="0" u="none" dirty="0">
+                <a:solidFill>
+                  <a:srgbClr val="000000"/>
+                </a:solidFill>
+                <a:latin typeface="Times New Roman" panose="02020603050405020304" pitchFamily="18" charset="0"/>
+                <a:ea typeface="Arial"/>
+                <a:cs typeface="Times New Roman" panose="02020603050405020304" pitchFamily="18" charset="0"/>
+              </a:rPr>
+              <a:t> </a:t>
+            </a:r>
+            <a:r>
+              <a:rPr sz="2400" b="0" i="0" u="none" dirty="0" err="1">
+                <a:solidFill>
+                  <a:srgbClr val="000000"/>
+                </a:solidFill>
+                <a:latin typeface="Times New Roman" panose="02020603050405020304" pitchFamily="18" charset="0"/>
+                <a:ea typeface="Arial"/>
+                <a:cs typeface="Times New Roman" panose="02020603050405020304" pitchFamily="18" charset="0"/>
+              </a:rPr>
+              <a:t>полоса</a:t>
+            </a:r>
+            <a:r>
+              <a:rPr sz="2400" b="0" i="0" u="none" dirty="0">
+                <a:solidFill>
+                  <a:srgbClr val="000000"/>
+                </a:solidFill>
+                <a:latin typeface="Times New Roman" panose="02020603050405020304" pitchFamily="18" charset="0"/>
+                <a:ea typeface="Arial"/>
+                <a:cs typeface="Times New Roman" panose="02020603050405020304" pitchFamily="18" charset="0"/>
+              </a:rPr>
+              <a:t> </a:t>
+            </a:r>
+            <a:r>
+              <a:rPr sz="2400" b="0" i="0" u="none" dirty="0" err="1">
+                <a:solidFill>
+                  <a:srgbClr val="000000"/>
+                </a:solidFill>
+                <a:latin typeface="Times New Roman" panose="02020603050405020304" pitchFamily="18" charset="0"/>
+                <a:ea typeface="Arial"/>
+                <a:cs typeface="Times New Roman" panose="02020603050405020304" pitchFamily="18" charset="0"/>
+              </a:rPr>
+              <a:t>пропускания</a:t>
+            </a:r>
+            <a:r>
+              <a:rPr sz="2400" b="0" i="0" u="none" dirty="0">
+                <a:solidFill>
+                  <a:srgbClr val="000000"/>
+                </a:solidFill>
+                <a:latin typeface="Times New Roman" panose="02020603050405020304" pitchFamily="18" charset="0"/>
+                <a:ea typeface="Arial"/>
+                <a:cs typeface="Times New Roman" panose="02020603050405020304" pitchFamily="18" charset="0"/>
+              </a:rPr>
+              <a:t> (</a:t>
+            </a:r>
+            <a:r>
+              <a:rPr sz="2400" b="0" i="0" u="none" dirty="0" err="1">
+                <a:solidFill>
+                  <a:srgbClr val="000000"/>
+                </a:solidFill>
+                <a:latin typeface="Times New Roman" panose="02020603050405020304" pitchFamily="18" charset="0"/>
+                <a:ea typeface="Arial"/>
+                <a:cs typeface="Times New Roman" panose="02020603050405020304" pitchFamily="18" charset="0"/>
+              </a:rPr>
+              <a:t>Гц</a:t>
+            </a:r>
+            <a:r>
+              <a:rPr sz="2400" b="0" i="0" u="none" dirty="0">
+                <a:solidFill>
+                  <a:srgbClr val="000000"/>
+                </a:solidFill>
+                <a:latin typeface="Times New Roman" panose="02020603050405020304" pitchFamily="18" charset="0"/>
+                <a:ea typeface="Arial"/>
+                <a:cs typeface="Times New Roman" panose="02020603050405020304" pitchFamily="18" charset="0"/>
+              </a:rPr>
+              <a:t>) и </a:t>
+            </a:r>
+            <a:r>
+              <a:rPr sz="2400" b="0" i="0" u="none" dirty="0" err="1">
+                <a:solidFill>
+                  <a:srgbClr val="000000"/>
+                </a:solidFill>
+                <a:latin typeface="Times New Roman" panose="02020603050405020304" pitchFamily="18" charset="0"/>
+                <a:ea typeface="Arial"/>
+                <a:cs typeface="Times New Roman" panose="02020603050405020304" pitchFamily="18" charset="0"/>
+              </a:rPr>
+              <a:t>максимально</a:t>
+            </a:r>
+            <a:r>
+              <a:rPr sz="2400" b="0" i="0" u="none" dirty="0">
+                <a:solidFill>
+                  <a:srgbClr val="000000"/>
+                </a:solidFill>
+                <a:latin typeface="Times New Roman" panose="02020603050405020304" pitchFamily="18" charset="0"/>
+                <a:ea typeface="Arial"/>
+                <a:cs typeface="Times New Roman" panose="02020603050405020304" pitchFamily="18" charset="0"/>
+              </a:rPr>
+              <a:t> </a:t>
+            </a:r>
+            <a:r>
+              <a:rPr sz="2400" b="0" i="0" u="none" dirty="0" err="1">
+                <a:solidFill>
+                  <a:srgbClr val="000000"/>
+                </a:solidFill>
+                <a:latin typeface="Times New Roman" panose="02020603050405020304" pitchFamily="18" charset="0"/>
+                <a:ea typeface="Arial"/>
+                <a:cs typeface="Times New Roman" panose="02020603050405020304" pitchFamily="18" charset="0"/>
+              </a:rPr>
+              <a:t>допустимое</a:t>
+            </a:r>
+            <a:r>
+              <a:rPr sz="2400" b="0" i="0" u="none" dirty="0">
+                <a:solidFill>
+                  <a:srgbClr val="000000"/>
+                </a:solidFill>
+                <a:latin typeface="Times New Roman" panose="02020603050405020304" pitchFamily="18" charset="0"/>
+                <a:ea typeface="Arial"/>
+                <a:cs typeface="Times New Roman" panose="02020603050405020304" pitchFamily="18" charset="0"/>
+              </a:rPr>
+              <a:t> </a:t>
+            </a:r>
+            <a:r>
+              <a:rPr sz="2400" b="0" i="0" u="none" dirty="0" err="1">
+                <a:solidFill>
+                  <a:srgbClr val="000000"/>
+                </a:solidFill>
+                <a:latin typeface="Times New Roman" panose="02020603050405020304" pitchFamily="18" charset="0"/>
+                <a:ea typeface="Arial"/>
+                <a:cs typeface="Times New Roman" panose="02020603050405020304" pitchFamily="18" charset="0"/>
+              </a:rPr>
+              <a:t>входное</a:t>
+            </a:r>
+            <a:r>
+              <a:rPr sz="2400" b="0" i="0" u="none" dirty="0">
+                <a:solidFill>
+                  <a:srgbClr val="000000"/>
+                </a:solidFill>
+                <a:latin typeface="Times New Roman" panose="02020603050405020304" pitchFamily="18" charset="0"/>
+                <a:ea typeface="Arial"/>
+                <a:cs typeface="Times New Roman" panose="02020603050405020304" pitchFamily="18" charset="0"/>
+              </a:rPr>
+              <a:t> </a:t>
+            </a:r>
+            <a:r>
+              <a:rPr sz="2400" b="0" i="0" u="none" dirty="0" err="1">
+                <a:solidFill>
+                  <a:srgbClr val="000000"/>
+                </a:solidFill>
+                <a:latin typeface="Times New Roman" panose="02020603050405020304" pitchFamily="18" charset="0"/>
+                <a:ea typeface="Arial"/>
+                <a:cs typeface="Times New Roman" panose="02020603050405020304" pitchFamily="18" charset="0"/>
+              </a:rPr>
+              <a:t>напряжение</a:t>
+            </a:r>
+            <a:r>
+              <a:rPr sz="2400" b="0" i="0" u="none" dirty="0">
+                <a:solidFill>
+                  <a:srgbClr val="000000"/>
+                </a:solidFill>
+                <a:latin typeface="Times New Roman" panose="02020603050405020304" pitchFamily="18" charset="0"/>
+                <a:ea typeface="Arial"/>
+                <a:cs typeface="Times New Roman" panose="02020603050405020304" pitchFamily="18" charset="0"/>
+              </a:rPr>
+              <a:t> (В</a:t>
+            </a:r>
+            <a:r>
+              <a:rPr lang="ru-RU" sz="2400" b="0" i="0" u="none" dirty="0" err="1">
+                <a:solidFill>
+                  <a:srgbClr val="000000"/>
+                </a:solidFill>
+                <a:latin typeface="Times New Roman" panose="02020603050405020304" pitchFamily="18" charset="0"/>
+                <a:ea typeface="Arial"/>
+                <a:cs typeface="Times New Roman" panose="02020603050405020304" pitchFamily="18" charset="0"/>
+              </a:rPr>
+              <a:t>ольт</a:t>
+            </a:r>
+            <a:r>
+              <a:rPr sz="2400" b="0" i="0" u="none" dirty="0">
+                <a:solidFill>
+                  <a:srgbClr val="000000"/>
+                </a:solidFill>
+                <a:latin typeface="Times New Roman" panose="02020603050405020304" pitchFamily="18" charset="0"/>
+                <a:ea typeface="Arial"/>
+                <a:cs typeface="Times New Roman" panose="02020603050405020304" pitchFamily="18" charset="0"/>
+              </a:rPr>
+              <a:t>).</a:t>
+            </a:r>
+            <a:endParaRPr dirty="0">
+              <a:latin typeface="Times New Roman" panose="02020603050405020304" pitchFamily="18" charset="0"/>
+              <a:cs typeface="Times New Roman" panose="02020603050405020304" pitchFamily="18" charset="0"/>
+            </a:endParaRPr>
           </a:p>
         </p:txBody>
       </p:sp>
       <p:pic>
         <p:nvPicPr>
-          <p:cNvPr id="1788173845" name=""/>
+          <p:cNvPr id="1788173845" name="Рисунок 1788173844"/>
           <p:cNvPicPr>
             <a:picLocks noChangeAspect="1"/>
           </p:cNvPicPr>
@@ -6630,7 +10295,7 @@
           <a:stretch/>
         </p:blipFill>
         <p:spPr bwMode="auto">
-          <a:xfrm flipH="0" flipV="0">
+          <a:xfrm>
             <a:off x="838198" y="1825624"/>
             <a:ext cx="3635136" cy="2607815"/>
           </a:xfrm>
@@ -6641,12 +10306,12 @@
       </p:pic>
       <p:sp>
         <p:nvSpPr>
-          <p:cNvPr id="579618668" name=""/>
+          <p:cNvPr id="579618668" name="TextBox 579618667"/>
           <p:cNvSpPr txBox="1"/>
           <p:nvPr/>
         </p:nvSpPr>
         <p:spPr bwMode="auto">
-          <a:xfrm flipH="0" flipV="0">
+          <a:xfrm>
             <a:off x="1488314" y="4679493"/>
             <a:ext cx="2335985" cy="579479"/>
           </a:xfrm>
@@ -6656,9 +10321,10 @@
           <a:noFill/>
         </p:spPr>
         <p:txBody>
-          <a:bodyPr vertOverflow="overflow" horzOverflow="overflow" vert="horz" wrap="square" lIns="91440" tIns="45720" rIns="91440" bIns="45720" numCol="1" spcCol="0" rtlCol="0" fromWordArt="0" anchor="t" anchorCtr="0" forceAA="0" upright="0" compatLnSpc="0">
+          <a:bodyPr vertOverflow="overflow" horzOverflow="overflow" vert="horz" wrap="square" lIns="91440" tIns="45720" rIns="91440" bIns="45720" numCol="1" spcCol="0" rtlCol="0" fromWordArt="0" anchor="t" anchorCtr="0" forceAA="0" compatLnSpc="0">
             <a:spAutoFit/>
           </a:bodyPr>
+          <a:lstStyle/>
           <a:p>
             <a:pPr marL="0" indent="0" algn="ctr">
               <a:lnSpc>
@@ -6688,20 +10354,12 @@
   <p:clrMapOvr>
     <a:masterClrMapping/>
   </p:clrMapOvr>
-  <mc:AlternateContent xmlns:mc="http://schemas.openxmlformats.org/markup-compatibility/2006">
-    <mc:Choice xmlns:p159="http://schemas.microsoft.com/office/powerpoint/2015/09/main" xmlns:p14="http://schemas.microsoft.com/office/powerpoint/2010/main" Requires="p159">
-      <p:transition p14:dur="2000" advClick="1"/>
-    </mc:Choice>
-    <mc:Fallback>
-      <p:transition advClick="1"/>
-    </mc:Fallback>
-  </mc:AlternateContent>
 </p:sld>
 </file>
 
 <file path=ppt/slides/slide5.xml><?xml version="1.0" encoding="utf-8"?>
-<p:sld xmlns:a="http://schemas.openxmlformats.org/drawingml/2006/main" xmlns:r="http://schemas.openxmlformats.org/officeDocument/2006/relationships" xmlns:p="http://schemas.openxmlformats.org/presentationml/2006/main" xmlns:m="http://schemas.openxmlformats.org/officeDocument/2006/math" xmlns:w="http://schemas.openxmlformats.org/wordprocessingml/2006/main" xmlns:mc="http://schemas.openxmlformats.org/markup-compatibility/2006" showMasterPhAnim="0" showMasterSp="1" show="1">
-  <p:cSld name="">
+<p:sld xmlns:a="http://schemas.openxmlformats.org/drawingml/2006/main" xmlns:r="http://schemas.openxmlformats.org/officeDocument/2006/relationships" xmlns:p="http://schemas.openxmlformats.org/presentationml/2006/main" showMasterPhAnim="0">
+  <p:cSld>
     <p:spTree>
       <p:nvGrpSpPr>
         <p:cNvPr id="1" name=""/>
@@ -6735,16 +10393,22 @@
               <a:defRPr/>
             </a:pPr>
             <a:r>
-              <a:rPr lang="ru-RU"/>
+              <a:rPr lang="ru-RU" dirty="0">
+                <a:latin typeface="Times New Roman" panose="02020603050405020304" pitchFamily="18" charset="0"/>
+                <a:cs typeface="Times New Roman" panose="02020603050405020304" pitchFamily="18" charset="0"/>
+              </a:rPr>
               <a:t>Функциональная схема осциллографа</a:t>
             </a:r>
-            <a:endParaRPr/>
+            <a:endParaRPr dirty="0">
+              <a:latin typeface="Times New Roman" panose="02020603050405020304" pitchFamily="18" charset="0"/>
+              <a:cs typeface="Times New Roman" panose="02020603050405020304" pitchFamily="18" charset="0"/>
+            </a:endParaRPr>
           </a:p>
         </p:txBody>
       </p:sp>
       <p:pic>
         <p:nvPicPr>
-          <p:cNvPr id="112634726" name=""/>
+          <p:cNvPr id="112634726" name="Рисунок 112634725"/>
           <p:cNvPicPr>
             <a:picLocks noChangeAspect="1"/>
           </p:cNvPicPr>
@@ -6755,7 +10419,7 @@
           <a:stretch/>
         </p:blipFill>
         <p:spPr bwMode="auto">
-          <a:xfrm flipH="0" flipV="0">
+          <a:xfrm>
             <a:off x="3233402" y="1690687"/>
             <a:ext cx="5725194" cy="4677139"/>
           </a:xfrm>
@@ -6769,20 +10433,12 @@
   <p:clrMapOvr>
     <a:masterClrMapping/>
   </p:clrMapOvr>
-  <mc:AlternateContent xmlns:mc="http://schemas.openxmlformats.org/markup-compatibility/2006">
-    <mc:Choice xmlns:p159="http://schemas.microsoft.com/office/powerpoint/2015/09/main" xmlns:p14="http://schemas.microsoft.com/office/powerpoint/2010/main" Requires="p159">
-      <p:transition p14:dur="2000" advClick="1"/>
-    </mc:Choice>
-    <mc:Fallback>
-      <p:transition advClick="1"/>
-    </mc:Fallback>
-  </mc:AlternateContent>
 </p:sld>
 </file>
 
 <file path=ppt/slides/slide6.xml><?xml version="1.0" encoding="utf-8"?>
-<p:sld xmlns:a="http://schemas.openxmlformats.org/drawingml/2006/main" xmlns:r="http://schemas.openxmlformats.org/officeDocument/2006/relationships" xmlns:p="http://schemas.openxmlformats.org/presentationml/2006/main" xmlns:m="http://schemas.openxmlformats.org/officeDocument/2006/math" xmlns:w="http://schemas.openxmlformats.org/wordprocessingml/2006/main" xmlns:mc="http://schemas.openxmlformats.org/markup-compatibility/2006" showMasterPhAnim="0" showMasterSp="1" show="1">
-  <p:cSld name="">
+<p:sld xmlns:a="http://schemas.openxmlformats.org/drawingml/2006/main" xmlns:r="http://schemas.openxmlformats.org/officeDocument/2006/relationships" xmlns:p="http://schemas.openxmlformats.org/presentationml/2006/main" showMasterPhAnim="0">
+  <p:cSld>
     <p:spTree>
       <p:nvGrpSpPr>
         <p:cNvPr id="1" name=""/>
@@ -6816,16 +10472,22 @@
               <a:defRPr/>
             </a:pPr>
             <a:r>
-              <a:rPr lang="ru-RU"/>
+              <a:rPr lang="ru-RU" dirty="0">
+                <a:latin typeface="Times New Roman" panose="02020603050405020304" pitchFamily="18" charset="0"/>
+                <a:cs typeface="Times New Roman" panose="02020603050405020304" pitchFamily="18" charset="0"/>
+              </a:rPr>
               <a:t>Схема преобразователя</a:t>
             </a:r>
-            <a:endParaRPr/>
+            <a:endParaRPr dirty="0">
+              <a:latin typeface="Times New Roman" panose="02020603050405020304" pitchFamily="18" charset="0"/>
+              <a:cs typeface="Times New Roman" panose="02020603050405020304" pitchFamily="18" charset="0"/>
+            </a:endParaRPr>
           </a:p>
         </p:txBody>
       </p:sp>
       <p:pic>
         <p:nvPicPr>
-          <p:cNvPr id="365859614" name=""/>
+          <p:cNvPr id="365859614" name="Рисунок 365859613"/>
           <p:cNvPicPr>
             <a:picLocks noChangeAspect="1"/>
           </p:cNvPicPr>
@@ -6847,12 +10509,12 @@
       </p:pic>
       <p:sp>
         <p:nvSpPr>
-          <p:cNvPr id="634646330" name=""/>
+          <p:cNvPr id="634646330" name="TextBox 634646329"/>
           <p:cNvSpPr txBox="1"/>
           <p:nvPr/>
         </p:nvSpPr>
         <p:spPr bwMode="auto">
-          <a:xfrm flipH="0" flipV="0">
+          <a:xfrm>
             <a:off x="3549517" y="4022915"/>
             <a:ext cx="4434094" cy="366119"/>
           </a:xfrm>
@@ -6862,11 +10524,12 @@
           <a:noFill/>
         </p:spPr>
         <p:txBody>
-          <a:bodyPr vertOverflow="overflow" horzOverflow="overflow" vert="horz" wrap="square" lIns="91440" tIns="45720" rIns="91440" bIns="45720" numCol="1" spcCol="0" rtlCol="0" fromWordArt="0" anchor="t" anchorCtr="0" forceAA="0" upright="0" compatLnSpc="0">
+          <a:bodyPr vertOverflow="overflow" horzOverflow="overflow" vert="horz" wrap="square" lIns="91440" tIns="45720" rIns="91440" bIns="45720" numCol="1" spcCol="0" rtlCol="0" fromWordArt="0" anchor="t" anchorCtr="0" forceAA="0" compatLnSpc="0">
             <a:spAutoFit/>
           </a:bodyPr>
-          <a:p>
-            <a:pPr marL="0" indent="0" algn="l">
+          <a:lstStyle/>
+          <a:p>
+            <a:pPr marL="0" indent="0" algn="ctr">
               <a:lnSpc>
                 <a:spcPct val="100000"/>
               </a:lnSpc>
@@ -6875,17 +10538,20 @@
               <a:defRPr/>
             </a:pPr>
             <a:r>
-              <a:rPr lang="ru-RU" b="0" i="0" u="none">
-                <a:solidFill>
-                  <a:srgbClr val="000000"/>
-                </a:solidFill>
-                <a:latin typeface="Arial"/>
-                <a:ea typeface="Arial"/>
-                <a:cs typeface="Arial"/>
+              <a:rPr lang="ru-RU" b="0" i="0" u="none" dirty="0">
+                <a:solidFill>
+                  <a:srgbClr val="000000"/>
+                </a:solidFill>
+                <a:latin typeface="Times New Roman" panose="02020603050405020304" pitchFamily="18" charset="0"/>
+                <a:ea typeface="Arial"/>
+                <a:cs typeface="Times New Roman" panose="02020603050405020304" pitchFamily="18" charset="0"/>
               </a:rPr>
               <a:t>Схема с делителем и битовым сдвигом</a:t>
             </a:r>
-            <a:endParaRPr/>
+            <a:endParaRPr dirty="0">
+              <a:latin typeface="Times New Roman" panose="02020603050405020304" pitchFamily="18" charset="0"/>
+              <a:cs typeface="Times New Roman" panose="02020603050405020304" pitchFamily="18" charset="0"/>
+            </a:endParaRPr>
           </a:p>
         </p:txBody>
       </p:sp>
@@ -6900,18 +10566,18 @@
           </p:nvPr>
         </p:nvSpPr>
         <p:spPr bwMode="auto">
-          <a:xfrm flipH="0" flipV="0">
+          <a:xfrm>
             <a:off x="2780745" y="4670024"/>
-            <a:ext cx="6630509" cy="1506938"/>
+            <a:ext cx="6630509" cy="1144180"/>
           </a:xfrm>
         </p:spPr>
         <p:txBody>
-          <a:bodyPr vertOverflow="overflow" horzOverflow="overflow" vert="horz" wrap="square" lIns="91440" tIns="45720" rIns="91440" bIns="45720" numCol="1" spcCol="0" rtlCol="0" fromWordArt="0" anchor="t" anchorCtr="0" forceAA="0" upright="0" compatLnSpc="0">
+          <a:bodyPr vertOverflow="overflow" horzOverflow="overflow" vert="horz" wrap="square" lIns="91440" tIns="45720" rIns="91440" bIns="45720" numCol="1" spcCol="0" rtlCol="0" fromWordArt="0" anchor="t" anchorCtr="0" forceAA="0" compatLnSpc="0">
             <a:normAutofit/>
           </a:bodyPr>
           <a:lstStyle/>
           <a:p>
-            <a:pPr marL="0" indent="0" algn="just">
+            <a:pPr marL="0" indent="450000" algn="just">
               <a:lnSpc>
                 <a:spcPct val="100000"/>
               </a:lnSpc>
@@ -6920,39 +10586,53 @@
               <a:defRPr/>
             </a:pPr>
             <a:r>
-              <a:rPr sz="2400" b="0" i="0" u="none">
-                <a:solidFill>
-                  <a:srgbClr val="000000"/>
-                </a:solidFill>
-                <a:latin typeface="Arial"/>
-                <a:ea typeface="Arial"/>
-                <a:cs typeface="Arial"/>
-              </a:rPr>
-              <a:t>	</a:t>
-            </a:r>
-            <a:r>
-              <a:rPr lang="ru-RU" sz="2400" b="0" i="0" u="none">
-                <a:solidFill>
-                  <a:srgbClr val="000000"/>
-                </a:solidFill>
-                <a:latin typeface="Arial"/>
-                <a:ea typeface="Arial"/>
-                <a:cs typeface="Arial"/>
+              <a:rPr lang="ru-RU" sz="2400" b="0" i="0" u="none" dirty="0">
+                <a:solidFill>
+                  <a:srgbClr val="000000"/>
+                </a:solidFill>
+                <a:latin typeface="Times New Roman" panose="02020603050405020304" pitchFamily="18" charset="0"/>
+                <a:ea typeface="Arial"/>
+                <a:cs typeface="Times New Roman" panose="02020603050405020304" pitchFamily="18" charset="0"/>
               </a:rPr>
               <a:t>Основной задачей является – имитация работы АЦП осциллографа, в следствие особенностей среды </a:t>
             </a:r>
             <a:r>
-              <a:rPr lang="en-US" sz="2400" b="0" i="0" u="none">
-                <a:solidFill>
-                  <a:srgbClr val="000000"/>
-                </a:solidFill>
-                <a:latin typeface="Arial"/>
-                <a:ea typeface="Arial"/>
-                <a:cs typeface="Arial"/>
-              </a:rPr>
-              <a:t>Logisim Evolution</a:t>
-            </a:r>
-            <a:endParaRPr/>
+              <a:rPr lang="en-US" sz="2400" b="0" i="0" u="none" dirty="0" err="1">
+                <a:solidFill>
+                  <a:srgbClr val="000000"/>
+                </a:solidFill>
+                <a:latin typeface="Times New Roman" panose="02020603050405020304" pitchFamily="18" charset="0"/>
+                <a:ea typeface="Arial"/>
+                <a:cs typeface="Times New Roman" panose="02020603050405020304" pitchFamily="18" charset="0"/>
+              </a:rPr>
+              <a:t>Logisim</a:t>
+            </a:r>
+            <a:r>
+              <a:rPr lang="en-US" sz="2400" b="0" i="0" u="none" dirty="0">
+                <a:solidFill>
+                  <a:srgbClr val="000000"/>
+                </a:solidFill>
+                <a:latin typeface="Times New Roman" panose="02020603050405020304" pitchFamily="18" charset="0"/>
+                <a:ea typeface="Arial"/>
+                <a:cs typeface="Times New Roman" panose="02020603050405020304" pitchFamily="18" charset="0"/>
+              </a:rPr>
+              <a:t> Evolution</a:t>
+            </a:r>
+            <a:r>
+              <a:rPr lang="ru-RU" sz="2400" dirty="0">
+                <a:solidFill>
+                  <a:srgbClr val="000000"/>
+                </a:solidFill>
+                <a:latin typeface="Times New Roman" panose="02020603050405020304" pitchFamily="18" charset="0"/>
+                <a:ea typeface="Arial"/>
+                <a:cs typeface="Times New Roman" panose="02020603050405020304" pitchFamily="18" charset="0"/>
+              </a:rPr>
+              <a:t>.</a:t>
+            </a:r>
+            <a:endParaRPr dirty="0">
+              <a:latin typeface="Times New Roman" panose="02020603050405020304" pitchFamily="18" charset="0"/>
+              <a:cs typeface="Times New Roman" panose="02020603050405020304" pitchFamily="18" charset="0"/>
+            </a:endParaRPr>
           </a:p>
         </p:txBody>
       </p:sp>
@@ -6961,20 +10641,12 @@
   <p:clrMapOvr>
     <a:masterClrMapping/>
   </p:clrMapOvr>
-  <mc:AlternateContent xmlns:mc="http://schemas.openxmlformats.org/markup-compatibility/2006">
-    <mc:Choice xmlns:p159="http://schemas.microsoft.com/office/powerpoint/2015/09/main" xmlns:p14="http://schemas.microsoft.com/office/powerpoint/2010/main" Requires="p159">
-      <p:transition p14:dur="2000" advClick="1"/>
-    </mc:Choice>
-    <mc:Fallback>
-      <p:transition advClick="1"/>
-    </mc:Fallback>
-  </mc:AlternateContent>
 </p:sld>
 </file>
 
 <file path=ppt/slides/slide7.xml><?xml version="1.0" encoding="utf-8"?>
-<p:sld xmlns:a="http://schemas.openxmlformats.org/drawingml/2006/main" xmlns:r="http://schemas.openxmlformats.org/officeDocument/2006/relationships" xmlns:p="http://schemas.openxmlformats.org/presentationml/2006/main" xmlns:m="http://schemas.openxmlformats.org/officeDocument/2006/math" xmlns:w="http://schemas.openxmlformats.org/wordprocessingml/2006/main" xmlns:mc="http://schemas.openxmlformats.org/markup-compatibility/2006" showMasterPhAnim="0" showMasterSp="1" show="1">
-  <p:cSld name="">
+<p:sld xmlns:a="http://schemas.openxmlformats.org/drawingml/2006/main" xmlns:r="http://schemas.openxmlformats.org/officeDocument/2006/relationships" xmlns:p="http://schemas.openxmlformats.org/presentationml/2006/main" showMasterPhAnim="0">
+  <p:cSld>
     <p:spTree>
       <p:nvGrpSpPr>
         <p:cNvPr id="1" name=""/>
@@ -7017,7 +10689,7 @@
       </p:sp>
       <p:pic>
         <p:nvPicPr>
-          <p:cNvPr id="1416791914" name=""/>
+          <p:cNvPr id="1416791914" name="Рисунок 1416791913"/>
           <p:cNvPicPr>
             <a:picLocks noChangeAspect="1"/>
           </p:cNvPicPr>
@@ -7039,12 +10711,12 @@
       </p:pic>
       <p:sp>
         <p:nvSpPr>
-          <p:cNvPr id="1241432617" name=""/>
+          <p:cNvPr id="1241432617" name="TextBox 1241432616"/>
           <p:cNvSpPr txBox="1"/>
           <p:nvPr/>
         </p:nvSpPr>
         <p:spPr bwMode="auto">
-          <a:xfrm flipH="0" flipV="0">
+          <a:xfrm>
             <a:off x="1385821" y="1690687"/>
             <a:ext cx="9421076" cy="1554840"/>
           </a:xfrm>
@@ -7054,11 +10726,12 @@
           <a:noFill/>
         </p:spPr>
         <p:txBody>
-          <a:bodyPr vertOverflow="overflow" horzOverflow="overflow" vert="horz" wrap="square" lIns="91440" tIns="45720" rIns="91440" bIns="45720" numCol="1" spcCol="0" rtlCol="0" fromWordArt="0" anchor="t" anchorCtr="0" forceAA="0" upright="0" compatLnSpc="0">
+          <a:bodyPr vertOverflow="overflow" horzOverflow="overflow" vert="horz" wrap="square" lIns="91440" tIns="45720" rIns="91440" bIns="45720" numCol="1" spcCol="0" rtlCol="0" fromWordArt="0" anchor="t" anchorCtr="0" forceAA="0" compatLnSpc="0">
             <a:spAutoFit/>
           </a:bodyPr>
-          <a:p>
-            <a:pPr marL="0" indent="0" algn="l">
+          <a:lstStyle/>
+          <a:p>
+            <a:pPr marL="0" indent="450000" algn="l">
               <a:lnSpc>
                 <a:spcPct val="100000"/>
               </a:lnSpc>
@@ -7067,29 +10740,41 @@
               <a:defRPr/>
             </a:pPr>
             <a:r>
-              <a:rPr lang="ru-RU" sz="2400" b="0" i="0" u="none">
-                <a:solidFill>
-                  <a:srgbClr val="000000"/>
-                </a:solidFill>
-                <a:latin typeface="Arial"/>
-                <a:ea typeface="Arial"/>
-                <a:cs typeface="Arial"/>
-              </a:rPr>
-              <a:t>	Функционал блока определяет логику сохранения и чтения данных из блока памяти устройства.</a:t>
-            </a:r>
-            <a:r>
-              <a:rPr lang="ru-RU" sz="2400"/>
+              <a:rPr lang="ru-RU" sz="2400" b="0" i="0" u="none" dirty="0">
+                <a:solidFill>
+                  <a:srgbClr val="000000"/>
+                </a:solidFill>
+                <a:latin typeface="Times New Roman" panose="02020603050405020304" pitchFamily="18" charset="0"/>
+                <a:ea typeface="Arial"/>
+                <a:cs typeface="Times New Roman" panose="02020603050405020304" pitchFamily="18" charset="0"/>
+              </a:rPr>
+              <a:t>Функционал блока определяет логику сохранения и чтения данных из блока памяти устройства.</a:t>
+            </a:r>
+            <a:r>
+              <a:rPr lang="ru-RU" sz="2400" dirty="0">
+                <a:latin typeface="Times New Roman" panose="02020603050405020304" pitchFamily="18" charset="0"/>
+                <a:cs typeface="Times New Roman" panose="02020603050405020304" pitchFamily="18" charset="0"/>
+              </a:rPr>
               <a:t> Для организации страниц памяти применены блоки арифметических операций сложения</a:t>
             </a:r>
             <a:r>
-              <a:rPr lang="en-US" sz="2400"/>
+              <a:rPr lang="en-US" sz="2400" dirty="0">
+                <a:latin typeface="Times New Roman" panose="02020603050405020304" pitchFamily="18" charset="0"/>
+                <a:cs typeface="Times New Roman" panose="02020603050405020304" pitchFamily="18" charset="0"/>
+              </a:rPr>
               <a:t>, </a:t>
             </a:r>
             <a:r>
-              <a:rPr lang="ru-RU" sz="2400"/>
+              <a:rPr lang="ru-RU" sz="2400" dirty="0">
+                <a:latin typeface="Times New Roman" panose="02020603050405020304" pitchFamily="18" charset="0"/>
+                <a:cs typeface="Times New Roman" panose="02020603050405020304" pitchFamily="18" charset="0"/>
+              </a:rPr>
               <a:t>умножения и счетчики.</a:t>
             </a:r>
-            <a:endParaRPr/>
+            <a:endParaRPr dirty="0">
+              <a:latin typeface="Times New Roman" panose="02020603050405020304" pitchFamily="18" charset="0"/>
+              <a:cs typeface="Times New Roman" panose="02020603050405020304" pitchFamily="18" charset="0"/>
+            </a:endParaRPr>
           </a:p>
         </p:txBody>
       </p:sp>
@@ -7098,20 +10783,12 @@
   <p:clrMapOvr>
     <a:masterClrMapping/>
   </p:clrMapOvr>
-  <mc:AlternateContent xmlns:mc="http://schemas.openxmlformats.org/markup-compatibility/2006">
-    <mc:Choice xmlns:p159="http://schemas.microsoft.com/office/powerpoint/2015/09/main" xmlns:p14="http://schemas.microsoft.com/office/powerpoint/2010/main" Requires="p159">
-      <p:transition p14:dur="2000" advClick="1"/>
-    </mc:Choice>
-    <mc:Fallback>
-      <p:transition advClick="1"/>
-    </mc:Fallback>
-  </mc:AlternateContent>
 </p:sld>
 </file>
 
 <file path=ppt/slides/slide8.xml><?xml version="1.0" encoding="utf-8"?>
-<p:sld xmlns:a="http://schemas.openxmlformats.org/drawingml/2006/main" xmlns:r="http://schemas.openxmlformats.org/officeDocument/2006/relationships" xmlns:p="http://schemas.openxmlformats.org/presentationml/2006/main" xmlns:m="http://schemas.openxmlformats.org/officeDocument/2006/math" xmlns:w="http://schemas.openxmlformats.org/wordprocessingml/2006/main" xmlns:mc="http://schemas.openxmlformats.org/markup-compatibility/2006" showMasterPhAnim="0" showMasterSp="1" show="1">
-  <p:cSld name="">
+<p:sld xmlns:a="http://schemas.openxmlformats.org/drawingml/2006/main" xmlns:r="http://schemas.openxmlformats.org/officeDocument/2006/relationships" xmlns:p="http://schemas.openxmlformats.org/presentationml/2006/main" showMasterPhAnim="0">
+  <p:cSld>
     <p:spTree>
       <p:nvGrpSpPr>
         <p:cNvPr id="1" name=""/>
@@ -7145,33 +10822,99 @@
               <a:defRPr/>
             </a:pPr>
             <a:r>
-              <a:rPr lang="ru-RU"/>
-              <a:t>Вся схема</a:t>
-            </a:r>
-            <a:endParaRPr/>
+              <a:rPr lang="ru-RU" dirty="0">
+                <a:latin typeface="Times New Roman" panose="02020603050405020304" pitchFamily="18" charset="0"/>
+                <a:cs typeface="Times New Roman" panose="02020603050405020304" pitchFamily="18" charset="0"/>
+              </a:rPr>
+              <a:t>Схема устройства</a:t>
+            </a:r>
+            <a:r>
+              <a:rPr lang="en-US" dirty="0">
+                <a:latin typeface="Times New Roman" panose="02020603050405020304" pitchFamily="18" charset="0"/>
+                <a:cs typeface="Times New Roman" panose="02020603050405020304" pitchFamily="18" charset="0"/>
+              </a:rPr>
+              <a:t>:</a:t>
+            </a:r>
+            <a:r>
+              <a:rPr lang="ru-RU" dirty="0">
+                <a:latin typeface="Times New Roman" panose="02020603050405020304" pitchFamily="18" charset="0"/>
+                <a:cs typeface="Times New Roman" panose="02020603050405020304" pitchFamily="18" charset="0"/>
+              </a:rPr>
+              <a:t> </a:t>
+            </a:r>
+            <a:r>
+              <a:rPr lang="en-US" dirty="0" err="1">
+                <a:latin typeface="Times New Roman" panose="02020603050405020304" pitchFamily="18" charset="0"/>
+                <a:cs typeface="Times New Roman" panose="02020603050405020304" pitchFamily="18" charset="0"/>
+              </a:rPr>
+              <a:t>Logisim</a:t>
+            </a:r>
+            <a:r>
+              <a:rPr lang="en-US" dirty="0">
+                <a:latin typeface="Times New Roman" panose="02020603050405020304" pitchFamily="18" charset="0"/>
+                <a:cs typeface="Times New Roman" panose="02020603050405020304" pitchFamily="18" charset="0"/>
+              </a:rPr>
+              <a:t> Evolution</a:t>
+            </a:r>
+            <a:endParaRPr dirty="0">
+              <a:latin typeface="Times New Roman" panose="02020603050405020304" pitchFamily="18" charset="0"/>
+              <a:cs typeface="Times New Roman" panose="02020603050405020304" pitchFamily="18" charset="0"/>
+            </a:endParaRPr>
           </a:p>
         </p:txBody>
       </p:sp>
       <p:pic>
         <p:nvPicPr>
-          <p:cNvPr id="2137819168" name=""/>
+          <p:cNvPr id="1026" name="Рисунок 1"/>
           <p:cNvPicPr>
-            <a:picLocks noChangeAspect="1"/>
+            <a:picLocks noChangeAspect="1" noChangeArrowheads="1"/>
           </p:cNvPicPr>
           <p:nvPr/>
         </p:nvPicPr>
         <p:blipFill>
-          <a:blip r:embed="rId3"/>
-          <a:stretch/>
+          <a:blip r:embed="rId3">
+            <a:extLst>
+              <a:ext uri="{28A0092B-C50C-407E-A947-70E740481C1C}">
+                <a14:useLocalDpi xmlns:a14="http://schemas.microsoft.com/office/drawing/2010/main" val="0"/>
+              </a:ext>
+            </a:extLst>
+          </a:blip>
+          <a:srcRect/>
+          <a:stretch>
+            <a:fillRect/>
+          </a:stretch>
         </p:blipFill>
         <p:spPr bwMode="auto">
-          <a:xfrm flipH="0" flipV="0">
-            <a:off x="2463470" y="1451868"/>
-            <a:ext cx="6905002" cy="5151452"/>
+          <a:xfrm>
+            <a:off x="2301235" y="1417638"/>
+            <a:ext cx="7589528" cy="5262628"/>
           </a:xfrm>
           <a:prstGeom prst="rect">
             <a:avLst/>
           </a:prstGeom>
+          <a:noFill/>
+          <a:ln>
+            <a:noFill/>
+          </a:ln>
+          <a:extLst>
+            <a:ext uri="{909E8E84-426E-40DD-AFC4-6F175D3DCCD1}">
+              <a14:hiddenFill xmlns:a14="http://schemas.microsoft.com/office/drawing/2010/main">
+                <a:solidFill>
+                  <a:srgbClr val="FFFFFF"/>
+                </a:solidFill>
+              </a14:hiddenFill>
+            </a:ext>
+            <a:ext uri="{91240B29-F687-4F45-9708-019B960494DF}">
+              <a14:hiddenLine xmlns:a14="http://schemas.microsoft.com/office/drawing/2010/main" w="9525">
+                <a:solidFill>
+                  <a:srgbClr val="000000"/>
+                </a:solidFill>
+                <a:miter lim="800000"/>
+                <a:headEnd/>
+                <a:tailEnd/>
+              </a14:hiddenLine>
+            </a:ext>
+          </a:extLst>
         </p:spPr>
       </p:pic>
     </p:spTree>
@@ -7179,20 +10922,12 @@
   <p:clrMapOvr>
     <a:masterClrMapping/>
   </p:clrMapOvr>
-  <mc:AlternateContent xmlns:mc="http://schemas.openxmlformats.org/markup-compatibility/2006">
-    <mc:Choice xmlns:p159="http://schemas.microsoft.com/office/powerpoint/2015/09/main" xmlns:p14="http://schemas.microsoft.com/office/powerpoint/2010/main" Requires="p159">
-      <p:transition p14:dur="2000" advClick="1"/>
-    </mc:Choice>
-    <mc:Fallback>
-      <p:transition advClick="1"/>
-    </mc:Fallback>
-  </mc:AlternateContent>
 </p:sld>
 </file>
 
 <file path=ppt/slides/slide9.xml><?xml version="1.0" encoding="utf-8"?>
-<p:sld xmlns:a="http://schemas.openxmlformats.org/drawingml/2006/main" xmlns:r="http://schemas.openxmlformats.org/officeDocument/2006/relationships" xmlns:p="http://schemas.openxmlformats.org/presentationml/2006/main" xmlns:m="http://schemas.openxmlformats.org/officeDocument/2006/math" xmlns:w="http://schemas.openxmlformats.org/wordprocessingml/2006/main" xmlns:mc="http://schemas.openxmlformats.org/markup-compatibility/2006" showMasterPhAnim="0" showMasterSp="1" show="1">
-  <p:cSld name="">
+<p:sld xmlns:a="http://schemas.openxmlformats.org/drawingml/2006/main" xmlns:r="http://schemas.openxmlformats.org/officeDocument/2006/relationships" xmlns:p="http://schemas.openxmlformats.org/presentationml/2006/main" showMasterPhAnim="0">
+  <p:cSld>
     <p:spTree>
       <p:nvGrpSpPr>
         <p:cNvPr id="1" name=""/>
@@ -7209,7 +10944,7 @@
       </p:grpSpPr>
       <p:sp>
         <p:nvSpPr>
-          <p:cNvPr id="231014510" name="Title 1"/>
+          <p:cNvPr id="1932428513" name="Title 1"/>
           <p:cNvSpPr>
             <a:spLocks noGrp="1"/>
           </p:cNvSpPr>
@@ -7226,145 +10961,122 @@
               <a:defRPr/>
             </a:pPr>
             <a:r>
-              <a:rPr lang="ru-RU"/>
-              <a:t>Принципиальная схема</a:t>
-            </a:r>
-            <a:endParaRPr/>
+              <a:rPr lang="ru-RU" dirty="0">
+                <a:latin typeface="Times New Roman" panose="02020603050405020304" pitchFamily="18" charset="0"/>
+                <a:cs typeface="Times New Roman" panose="02020603050405020304" pitchFamily="18" charset="0"/>
+              </a:rPr>
+              <a:t>Схема устройства</a:t>
+            </a:r>
+            <a:r>
+              <a:rPr lang="en-US" dirty="0">
+                <a:latin typeface="Times New Roman" panose="02020603050405020304" pitchFamily="18" charset="0"/>
+                <a:cs typeface="Times New Roman" panose="02020603050405020304" pitchFamily="18" charset="0"/>
+              </a:rPr>
+              <a:t>:</a:t>
+            </a:r>
+            <a:r>
+              <a:rPr lang="ru-RU" dirty="0">
+                <a:latin typeface="Times New Roman" panose="02020603050405020304" pitchFamily="18" charset="0"/>
+                <a:cs typeface="Times New Roman" panose="02020603050405020304" pitchFamily="18" charset="0"/>
+              </a:rPr>
+              <a:t> </a:t>
+            </a:r>
+            <a:r>
+              <a:rPr lang="en-US" dirty="0" err="1">
+                <a:latin typeface="Times New Roman" panose="02020603050405020304" pitchFamily="18" charset="0"/>
+                <a:cs typeface="Times New Roman" panose="02020603050405020304" pitchFamily="18" charset="0"/>
+              </a:rPr>
+              <a:t>SimilIDE</a:t>
+            </a:r>
+            <a:endParaRPr dirty="0">
+              <a:latin typeface="Times New Roman" panose="02020603050405020304" pitchFamily="18" charset="0"/>
+              <a:cs typeface="Times New Roman" panose="02020603050405020304" pitchFamily="18" charset="0"/>
+            </a:endParaRPr>
           </a:p>
         </p:txBody>
       </p:sp>
       <p:pic>
         <p:nvPicPr>
-          <p:cNvPr id="1899470062" name=""/>
-          <p:cNvPicPr>
-            <a:picLocks noChangeAspect="1"/>
-          </p:cNvPicPr>
+          <p:cNvPr id="4" name="Рисунок 3"/>
+          <p:cNvPicPr/>
           <p:nvPr/>
         </p:nvPicPr>
         <p:blipFill>
-          <a:blip r:embed="rId3"/>
-          <a:stretch/>
+          <a:blip r:embed="rId3">
+            <a:extLst>
+              <a:ext uri="{28A0092B-C50C-407E-A947-70E740481C1C}">
+                <a14:useLocalDpi xmlns:a14="http://schemas.microsoft.com/office/drawing/2010/main" val="0"/>
+              </a:ext>
+            </a:extLst>
+          </a:blip>
+          <a:srcRect/>
+          <a:stretch>
+            <a:fillRect/>
+          </a:stretch>
         </p:blipFill>
         <p:spPr bwMode="auto">
-          <a:xfrm flipH="0" flipV="0">
-            <a:off x="2015970" y="1690687"/>
-            <a:ext cx="3461721" cy="4647459"/>
-          </a:xfrm>
-          <a:prstGeom prst="rect">
-            <a:avLst/>
-          </a:prstGeom>
-        </p:spPr>
-      </p:pic>
-      <p:sp>
-        <p:nvSpPr>
-          <p:cNvPr id="73772463" name=""/>
-          <p:cNvSpPr txBox="1"/>
-          <p:nvPr/>
-        </p:nvSpPr>
-        <p:spPr bwMode="auto">
-          <a:xfrm flipH="0" flipV="0">
-            <a:off x="6049171" y="2505477"/>
-            <a:ext cx="4349286" cy="3017879"/>
+          <a:xfrm>
+            <a:off x="838739" y="2245774"/>
+            <a:ext cx="5329148" cy="2894490"/>
           </a:xfrm>
           <a:prstGeom prst="rect">
             <a:avLst/>
           </a:prstGeom>
           <a:noFill/>
+          <a:ln>
+            <a:noFill/>
+          </a:ln>
         </p:spPr>
-        <p:txBody>
-          <a:bodyPr vertOverflow="overflow" horzOverflow="overflow" vert="horz" wrap="square" lIns="91440" tIns="45720" rIns="91440" bIns="45720" numCol="1" spcCol="0" rtlCol="0" fromWordArt="0" anchor="t" anchorCtr="0" forceAA="0" upright="0" compatLnSpc="0">
-            <a:spAutoFit/>
-          </a:bodyPr>
-          <a:p>
-            <a:pPr marL="0" indent="0" algn="just">
-              <a:lnSpc>
-                <a:spcPct val="100000"/>
-              </a:lnSpc>
-              <a:buFont typeface="Arial"/>
-              <a:buNone/>
-              <a:defRPr/>
-            </a:pPr>
-            <a:r>
-              <a:rPr b="0" i="0" u="none">
-                <a:solidFill>
-                  <a:srgbClr val="000000"/>
-                </a:solidFill>
-                <a:latin typeface="Arial"/>
-                <a:ea typeface="Arial"/>
-                <a:cs typeface="Arial"/>
-              </a:rPr>
-              <a:t>	</a:t>
-            </a:r>
-            <a:r>
-              <a:rPr lang="ru-RU" sz="2400" b="0" i="0" u="none">
-                <a:solidFill>
-                  <a:srgbClr val="000000"/>
-                </a:solidFill>
-                <a:latin typeface="Arial"/>
-                <a:ea typeface="Arial"/>
-                <a:cs typeface="Arial"/>
-              </a:rPr>
-              <a:t>Для работы был применен микроконтроллер </a:t>
-            </a:r>
-            <a:r>
-              <a:rPr lang="en-US" sz="2400" b="0" i="0" u="none">
-                <a:solidFill>
-                  <a:srgbClr val="000000"/>
-                </a:solidFill>
-                <a:latin typeface="Arial"/>
-                <a:ea typeface="Arial"/>
-                <a:cs typeface="Arial"/>
-              </a:rPr>
-              <a:t>Attiny45-20PU. </a:t>
-            </a:r>
-            <a:r>
-              <a:rPr lang="ru-RU" sz="2400" b="0" i="0" u="none">
-                <a:solidFill>
-                  <a:srgbClr val="000000"/>
-                </a:solidFill>
-                <a:latin typeface="Arial"/>
-                <a:ea typeface="Arial"/>
-                <a:cs typeface="Arial"/>
-              </a:rPr>
-              <a:t>Дисплей с панелью управления с кнопками и узлы питания 5</a:t>
-            </a:r>
-            <a:r>
-              <a:rPr lang="en-US" sz="2400" b="0" i="0" u="none">
-                <a:solidFill>
-                  <a:srgbClr val="000000"/>
-                </a:solidFill>
-                <a:latin typeface="Arial"/>
-                <a:ea typeface="Arial"/>
-                <a:cs typeface="Arial"/>
-              </a:rPr>
-              <a:t>V</a:t>
-            </a:r>
-            <a:r>
-              <a:rPr lang="ru-RU" sz="2400"/>
-              <a:t>, кнопки аппаратной перезагрузки и подключения щупа.</a:t>
-            </a:r>
-            <a:endParaRPr/>
-          </a:p>
-        </p:txBody>
-      </p:sp>
+      </p:pic>
+      <p:pic>
+        <p:nvPicPr>
+          <p:cNvPr id="5" name="Рисунок 4"/>
+          <p:cNvPicPr/>
+          <p:nvPr/>
+        </p:nvPicPr>
+        <p:blipFill>
+          <a:blip r:embed="rId4">
+            <a:extLst>
+              <a:ext uri="{28A0092B-C50C-407E-A947-70E740481C1C}">
+                <a14:useLocalDpi xmlns:a14="http://schemas.microsoft.com/office/drawing/2010/main" val="0"/>
+              </a:ext>
+            </a:extLst>
+          </a:blip>
+          <a:srcRect/>
+          <a:stretch>
+            <a:fillRect/>
+          </a:stretch>
+        </p:blipFill>
+        <p:spPr bwMode="auto">
+          <a:xfrm>
+            <a:off x="6167887" y="2245774"/>
+            <a:ext cx="5037826" cy="2894490"/>
+          </a:xfrm>
+          <a:prstGeom prst="rect">
+            <a:avLst/>
+          </a:prstGeom>
+          <a:noFill/>
+          <a:ln>
+            <a:noFill/>
+          </a:ln>
+        </p:spPr>
+      </p:pic>
     </p:spTree>
+    <p:extLst>
+      <p:ext uri="{BB962C8B-B14F-4D97-AF65-F5344CB8AC3E}">
+        <p14:creationId xmlns:p14="http://schemas.microsoft.com/office/powerpoint/2010/main" val="1191445446"/>
+      </p:ext>
+    </p:extLst>
   </p:cSld>
   <p:clrMapOvr>
     <a:masterClrMapping/>
   </p:clrMapOvr>
-  <mc:AlternateContent xmlns:mc="http://schemas.openxmlformats.org/markup-compatibility/2006">
-    <mc:Choice xmlns:p159="http://schemas.microsoft.com/office/powerpoint/2015/09/main" xmlns:p14="http://schemas.microsoft.com/office/powerpoint/2010/main" Requires="p159">
-      <p:transition p14:dur="2000" advClick="1"/>
-    </mc:Choice>
-    <mc:Fallback>
-      <p:transition advClick="1"/>
-    </mc:Fallback>
-  </mc:AlternateContent>
+  <p:transition/>
 </p:sld>
 </file>
 
 <file path=ppt/theme/theme1.xml><?xml version="1.0" encoding="utf-8"?>
-<a:theme xmlns:a="http://schemas.openxmlformats.org/drawingml/2006/main" xmlns:r="http://schemas.openxmlformats.org/officeDocument/2006/relationships" xmlns:p="http://schemas.openxmlformats.org/presentationml/2006/main" name="Turtle">
+<a:theme xmlns:a="http://schemas.openxmlformats.org/drawingml/2006/main" name="Turtle">
   <a:themeElements>
     <a:clrScheme name="Office">
       <a:dk1>
@@ -7569,11 +11281,12 @@
     </a:fmtScheme>
   </a:themeElements>
   <a:objectDefaults/>
+  <a:extraClrSchemeLst/>
 </a:theme>
 </file>
 
 <file path=ppt/theme/theme2.xml><?xml version="1.0" encoding="utf-8"?>
-<a:theme xmlns:a="http://schemas.openxmlformats.org/drawingml/2006/main" xmlns:r="http://schemas.openxmlformats.org/officeDocument/2006/relationships" xmlns:p="http://schemas.openxmlformats.org/presentationml/2006/main" name="Office Theme">
+<a:theme xmlns:a="http://schemas.openxmlformats.org/drawingml/2006/main" name="Office Theme">
   <a:themeElements>
     <a:clrScheme name="Office">
       <a:dk1>
@@ -7776,5 +11489,6 @@
     </a:fmtScheme>
   </a:themeElements>
   <a:objectDefaults/>
+  <a:extraClrSchemeLst/>
 </a:theme>
 </file>